--- a/AprendizadoMaquina/Tópico 02 - Aprendizado Supervisionado/Tópico 02 - Aprendizado-Supervisionado - KNN.pptx
+++ b/AprendizadoMaquina/Tópico 02 - Aprendizado Supervisionado/Tópico 02 - Aprendizado-Supervisionado - KNN.pptx
@@ -19,6 +19,11 @@
     <p:sldId id="260" r:id="rId12"/>
     <p:sldId id="261" r:id="rId13"/>
     <p:sldId id="262" r:id="rId14"/>
+    <p:sldId id="263" r:id="rId15"/>
+    <p:sldId id="264" r:id="rId16"/>
+    <p:sldId id="265" r:id="rId17"/>
+    <p:sldId id="266" r:id="rId18"/>
+    <p:sldId id="267" r:id="rId19"/>
   </p:sldIdLst>
   <p:sldSz cx="10080625" cy="7559675"/>
   <p:notesSz cx="7559675" cy="10691813"/>
@@ -44,7 +49,7 @@
       </p:grpSpPr>
       <p:sp>
         <p:nvSpPr>
-          <p:cNvPr id="204" name="PlaceHolder 1"/>
+          <p:cNvPr id="207" name="PlaceHolder 1"/>
           <p:cNvSpPr>
             <a:spLocks noGrp="1"/>
           </p:cNvSpPr>
@@ -77,61 +82,7 @@
               <a:rPr b="0" lang="pt-BR" sz="4400" spc="-1" strike="noStrike">
                 <a:latin typeface="Arial"/>
               </a:rPr>
-              <a:t>Cli</a:t>
-            </a:r>
-            <a:r>
-              <a:rPr b="0" lang="pt-BR" sz="4400" spc="-1" strike="noStrike">
-                <a:latin typeface="Arial"/>
-              </a:rPr>
-              <a:t>ck </a:t>
-            </a:r>
-            <a:r>
-              <a:rPr b="0" lang="pt-BR" sz="4400" spc="-1" strike="noStrike">
-                <a:latin typeface="Arial"/>
-              </a:rPr>
-              <a:t>to </a:t>
-            </a:r>
-            <a:r>
-              <a:rPr b="0" lang="pt-BR" sz="4400" spc="-1" strike="noStrike">
-                <a:latin typeface="Arial"/>
-              </a:rPr>
-              <a:t>m</a:t>
-            </a:r>
-            <a:r>
-              <a:rPr b="0" lang="pt-BR" sz="4400" spc="-1" strike="noStrike">
-                <a:latin typeface="Arial"/>
-              </a:rPr>
-              <a:t>ov</a:t>
-            </a:r>
-            <a:r>
-              <a:rPr b="0" lang="pt-BR" sz="4400" spc="-1" strike="noStrike">
-                <a:latin typeface="Arial"/>
-              </a:rPr>
-              <a:t>e </a:t>
-            </a:r>
-            <a:r>
-              <a:rPr b="0" lang="pt-BR" sz="4400" spc="-1" strike="noStrike">
-                <a:latin typeface="Arial"/>
-              </a:rPr>
-              <a:t>th</a:t>
-            </a:r>
-            <a:r>
-              <a:rPr b="0" lang="pt-BR" sz="4400" spc="-1" strike="noStrike">
-                <a:latin typeface="Arial"/>
-              </a:rPr>
-              <a:t>e </a:t>
-            </a:r>
-            <a:r>
-              <a:rPr b="0" lang="pt-BR" sz="4400" spc="-1" strike="noStrike">
-                <a:latin typeface="Arial"/>
-              </a:rPr>
-              <a:t>sli</a:t>
-            </a:r>
-            <a:r>
-              <a:rPr b="0" lang="pt-BR" sz="4400" spc="-1" strike="noStrike">
-                <a:latin typeface="Arial"/>
-              </a:rPr>
-              <a:t>de</a:t>
+              <a:t>Click to move the slide</a:t>
             </a:r>
             <a:endParaRPr b="0" lang="pt-BR" sz="4400" spc="-1" strike="noStrike">
               <a:latin typeface="Arial"/>
@@ -141,7 +92,7 @@
       </p:sp>
       <p:sp>
         <p:nvSpPr>
-          <p:cNvPr id="205" name="PlaceHolder 2"/>
+          <p:cNvPr id="208" name="PlaceHolder 2"/>
           <p:cNvSpPr>
             <a:spLocks noGrp="1"/>
           </p:cNvSpPr>
@@ -171,49 +122,7 @@
               <a:rPr b="0" lang="pt-BR" sz="2000" spc="-1" strike="noStrike">
                 <a:latin typeface="Arial"/>
               </a:rPr>
-              <a:t>Click </a:t>
-            </a:r>
-            <a:r>
-              <a:rPr b="0" lang="pt-BR" sz="2000" spc="-1" strike="noStrike">
-                <a:latin typeface="Arial"/>
-              </a:rPr>
-              <a:t>to </a:t>
-            </a:r>
-            <a:r>
-              <a:rPr b="0" lang="pt-BR" sz="2000" spc="-1" strike="noStrike">
-                <a:latin typeface="Arial"/>
-              </a:rPr>
-              <a:t>edit </a:t>
-            </a:r>
-            <a:r>
-              <a:rPr b="0" lang="pt-BR" sz="2000" spc="-1" strike="noStrike">
-                <a:latin typeface="Arial"/>
-              </a:rPr>
-              <a:t>the </a:t>
-            </a:r>
-            <a:r>
-              <a:rPr b="0" lang="pt-BR" sz="2000" spc="-1" strike="noStrike">
-                <a:latin typeface="Arial"/>
-              </a:rPr>
-              <a:t>not</a:t>
-            </a:r>
-            <a:r>
-              <a:rPr b="0" lang="pt-BR" sz="2000" spc="-1" strike="noStrike">
-                <a:latin typeface="Arial"/>
-              </a:rPr>
-              <a:t>es </a:t>
-            </a:r>
-            <a:r>
-              <a:rPr b="0" lang="pt-BR" sz="2000" spc="-1" strike="noStrike">
-                <a:latin typeface="Arial"/>
-              </a:rPr>
-              <a:t>for</a:t>
-            </a:r>
-            <a:r>
-              <a:rPr b="0" lang="pt-BR" sz="2000" spc="-1" strike="noStrike">
-                <a:latin typeface="Arial"/>
-              </a:rPr>
-              <a:t>mat</a:t>
+              <a:t>Click to edit the notes format</a:t>
             </a:r>
             <a:endParaRPr b="0" lang="pt-BR" sz="2000" spc="-1" strike="noStrike">
               <a:latin typeface="Arial"/>
@@ -223,7 +132,7 @@
       </p:sp>
       <p:sp>
         <p:nvSpPr>
-          <p:cNvPr id="206" name="PlaceHolder 3"/>
+          <p:cNvPr id="209" name="PlaceHolder 3"/>
           <p:cNvSpPr>
             <a:spLocks noGrp="1"/>
           </p:cNvSpPr>
@@ -263,7 +172,7 @@
       </p:sp>
       <p:sp>
         <p:nvSpPr>
-          <p:cNvPr id="207" name="PlaceHolder 4"/>
+          <p:cNvPr id="210" name="PlaceHolder 4"/>
           <p:cNvSpPr>
             <a:spLocks noGrp="1"/>
           </p:cNvSpPr>
@@ -314,7 +223,7 @@
       </p:sp>
       <p:sp>
         <p:nvSpPr>
-          <p:cNvPr id="208" name="PlaceHolder 5"/>
+          <p:cNvPr id="211" name="PlaceHolder 5"/>
           <p:cNvSpPr>
             <a:spLocks noGrp="1"/>
           </p:cNvSpPr>
@@ -361,7 +270,7 @@
       </p:sp>
       <p:sp>
         <p:nvSpPr>
-          <p:cNvPr id="209" name="PlaceHolder 6"/>
+          <p:cNvPr id="212" name="PlaceHolder 6"/>
           <p:cNvSpPr>
             <a:spLocks noGrp="1"/>
           </p:cNvSpPr>
@@ -398,7 +307,7 @@
             <a:pPr algn="r">
               <a:buNone/>
             </a:pPr>
-            <a:fld id="{65532F28-F918-49FA-8B9B-8D196ADE66C7}" type="slidenum">
+            <a:fld id="{80AEE645-F869-4147-800A-B4AF40BA7AFE}" type="slidenum">
               <a:rPr b="0" lang="pt-BR" sz="1400" spc="-1" strike="noStrike">
                 <a:latin typeface="Times New Roman"/>
               </a:rPr>
@@ -435,7 +344,7 @@
       </p:grpSpPr>
       <p:sp>
         <p:nvSpPr>
-          <p:cNvPr id="244" name="PlaceHolder 1"/>
+          <p:cNvPr id="287" name="PlaceHolder 1"/>
           <p:cNvSpPr>
             <a:spLocks noGrp="1"/>
           </p:cNvSpPr>
@@ -446,19 +355,19 @@
         <p:spPr>
           <a:xfrm>
             <a:off x="1376280" y="1336680"/>
-            <a:ext cx="4802760" cy="3602520"/>
-          </a:xfrm>
-          <a:prstGeom prst="rect">
-            <a:avLst/>
-          </a:prstGeom>
-          <a:ln w="0">
-            <a:noFill/>
-          </a:ln>
-        </p:spPr>
-      </p:sp>
-      <p:sp>
-        <p:nvSpPr>
-          <p:cNvPr id="245" name="PlaceHolder 2"/>
+            <a:ext cx="4802400" cy="3602160"/>
+          </a:xfrm>
+          <a:prstGeom prst="rect">
+            <a:avLst/>
+          </a:prstGeom>
+          <a:ln w="0">
+            <a:noFill/>
+          </a:ln>
+        </p:spPr>
+      </p:sp>
+      <p:sp>
+        <p:nvSpPr>
+          <p:cNvPr id="288" name="PlaceHolder 2"/>
           <p:cNvSpPr>
             <a:spLocks noGrp="1"/>
           </p:cNvSpPr>
@@ -469,7 +378,7 @@
         <p:spPr>
           <a:xfrm>
             <a:off x="756000" y="5145120"/>
-            <a:ext cx="6042960" cy="4205160"/>
+            <a:ext cx="6042600" cy="4204800"/>
           </a:xfrm>
           <a:prstGeom prst="rect">
             <a:avLst/>
@@ -492,14 +401,14 @@
       </p:sp>
       <p:sp>
         <p:nvSpPr>
-          <p:cNvPr id="246" name="CustomShape 3"/>
+          <p:cNvPr id="289" name="CustomShape 3"/>
           <p:cNvSpPr/>
           <p:nvPr/>
         </p:nvSpPr>
         <p:spPr>
           <a:xfrm>
             <a:off x="0" y="10155240"/>
-            <a:ext cx="3271320" cy="531720"/>
+            <a:ext cx="3270960" cy="531360"/>
           </a:xfrm>
           <a:prstGeom prst="rect">
             <a:avLst/>
@@ -535,6 +444,439 @@
                 <a:ea typeface="+mn-ea"/>
               </a:rPr>
               <a:t>Prof. André Hochuli</a:t>
+            </a:r>
+            <a:endParaRPr b="0" lang="pt-BR" sz="1200" spc="-1" strike="noStrike">
+              <a:latin typeface="Arial"/>
+            </a:endParaRPr>
+          </a:p>
+        </p:txBody>
+      </p:sp>
+    </p:spTree>
+  </p:cSld>
+</p:notes>
+</file>
+
+<file path=ppt/notesSlides/notesSlide10.xml><?xml version="1.0" encoding="utf-8"?>
+<p:notes xmlns:a="http://schemas.openxmlformats.org/drawingml/2006/main" xmlns:p="http://schemas.openxmlformats.org/presentationml/2006/main" xmlns:r="http://schemas.openxmlformats.org/officeDocument/2006/relationships" xmlns:p14="http://schemas.microsoft.com/office/powerpoint/2010/main" xmlns:p15="http://schemas.microsoft.com/office/powerpoint/2012/main" xmlns:mc="http://schemas.openxmlformats.org/markup-compatibility/2006">
+  <p:cSld>
+    <p:spTree>
+      <p:nvGrpSpPr>
+        <p:cNvPr id="1" name=""/>
+        <p:cNvGrpSpPr/>
+        <p:nvPr/>
+      </p:nvGrpSpPr>
+      <p:grpSpPr>
+        <a:xfrm>
+          <a:off x="0" y="0"/>
+          <a:ext cx="0" cy="0"/>
+          <a:chOff x="0" y="0"/>
+          <a:chExt cx="0" cy="0"/>
+        </a:xfrm>
+      </p:grpSpPr>
+      <p:sp>
+        <p:nvSpPr>
+          <p:cNvPr id="314" name="PlaceHolder 1"/>
+          <p:cNvSpPr>
+            <a:spLocks noGrp="1"/>
+          </p:cNvSpPr>
+          <p:nvPr>
+            <p:ph type="sldImg"/>
+          </p:nvPr>
+        </p:nvSpPr>
+        <p:spPr>
+          <a:xfrm>
+            <a:off x="1376280" y="1336680"/>
+            <a:ext cx="4796640" cy="3596400"/>
+          </a:xfrm>
+          <a:prstGeom prst="rect">
+            <a:avLst/>
+          </a:prstGeom>
+          <a:ln w="0">
+            <a:noFill/>
+          </a:ln>
+        </p:spPr>
+      </p:sp>
+      <p:sp>
+        <p:nvSpPr>
+          <p:cNvPr id="315" name="PlaceHolder 2"/>
+          <p:cNvSpPr>
+            <a:spLocks noGrp="1"/>
+          </p:cNvSpPr>
+          <p:nvPr>
+            <p:ph type="body"/>
+          </p:nvPr>
+        </p:nvSpPr>
+        <p:spPr>
+          <a:xfrm>
+            <a:off x="756000" y="5145120"/>
+            <a:ext cx="6036120" cy="4198320"/>
+          </a:xfrm>
+          <a:prstGeom prst="rect">
+            <a:avLst/>
+          </a:prstGeom>
+          <a:noFill/>
+          <a:ln w="0">
+            <a:noFill/>
+          </a:ln>
+        </p:spPr>
+        <p:txBody>
+          <a:bodyPr lIns="0" rIns="0" tIns="0" bIns="0" anchor="t">
+            <a:noAutofit/>
+          </a:bodyPr>
+          <a:p>
+            <a:endParaRPr b="0" lang="pt-BR" sz="2000" spc="-1" strike="noStrike">
+              <a:latin typeface="Arial"/>
+            </a:endParaRPr>
+          </a:p>
+        </p:txBody>
+      </p:sp>
+      <p:sp>
+        <p:nvSpPr>
+          <p:cNvPr id="316" name="CustomShape 54"/>
+          <p:cNvSpPr/>
+          <p:nvPr/>
+        </p:nvSpPr>
+        <p:spPr>
+          <a:xfrm>
+            <a:off x="0" y="10155240"/>
+            <a:ext cx="3264480" cy="524880"/>
+          </a:xfrm>
+          <a:prstGeom prst="rect">
+            <a:avLst/>
+          </a:prstGeom>
+          <a:noFill/>
+          <a:ln w="0">
+            <a:noFill/>
+          </a:ln>
+        </p:spPr>
+        <p:style>
+          <a:lnRef idx="0"/>
+          <a:fillRef idx="0"/>
+          <a:effectRef idx="0"/>
+          <a:fontRef idx="minor"/>
+        </p:style>
+        <p:txBody>
+          <a:bodyPr lIns="90000" rIns="90000" tIns="45000" bIns="45000" anchor="b">
+            <a:noAutofit/>
+          </a:bodyPr>
+          <a:p>
+            <a:pPr>
+              <a:lnSpc>
+                <a:spcPct val="100000"/>
+              </a:lnSpc>
+              <a:buNone/>
+            </a:pPr>
+            <a:r>
+              <a:rPr b="0" lang="pt-BR" sz="1200" spc="-1" strike="noStrike">
+                <a:solidFill>
+                  <a:srgbClr val="000000"/>
+                </a:solidFill>
+                <a:latin typeface="Times New Roman"/>
+                <a:ea typeface="+mn-ea"/>
+              </a:rPr>
+              <a:t>Prof. André Hochuli</a:t>
+            </a:r>
+            <a:endParaRPr b="0" lang="pt-BR" sz="1200" spc="-1" strike="noStrike">
+              <a:latin typeface="Arial"/>
+            </a:endParaRPr>
+          </a:p>
+        </p:txBody>
+      </p:sp>
+    </p:spTree>
+  </p:cSld>
+</p:notes>
+</file>
+
+<file path=ppt/notesSlides/notesSlide11.xml><?xml version="1.0" encoding="utf-8"?>
+<p:notes xmlns:a="http://schemas.openxmlformats.org/drawingml/2006/main" xmlns:p="http://schemas.openxmlformats.org/presentationml/2006/main" xmlns:r="http://schemas.openxmlformats.org/officeDocument/2006/relationships" xmlns:p14="http://schemas.microsoft.com/office/powerpoint/2010/main" xmlns:p15="http://schemas.microsoft.com/office/powerpoint/2012/main" xmlns:mc="http://schemas.openxmlformats.org/markup-compatibility/2006">
+  <p:cSld>
+    <p:spTree>
+      <p:nvGrpSpPr>
+        <p:cNvPr id="1" name=""/>
+        <p:cNvGrpSpPr/>
+        <p:nvPr/>
+      </p:nvGrpSpPr>
+      <p:grpSpPr>
+        <a:xfrm>
+          <a:off x="0" y="0"/>
+          <a:ext cx="0" cy="0"/>
+          <a:chOff x="0" y="0"/>
+          <a:chExt cx="0" cy="0"/>
+        </a:xfrm>
+      </p:grpSpPr>
+      <p:sp>
+        <p:nvSpPr>
+          <p:cNvPr id="317" name="PlaceHolder 1"/>
+          <p:cNvSpPr>
+            <a:spLocks noGrp="1"/>
+          </p:cNvSpPr>
+          <p:nvPr>
+            <p:ph type="sldImg"/>
+          </p:nvPr>
+        </p:nvSpPr>
+        <p:spPr>
+          <a:xfrm>
+            <a:off x="1376280" y="1336680"/>
+            <a:ext cx="4796640" cy="3596400"/>
+          </a:xfrm>
+          <a:prstGeom prst="rect">
+            <a:avLst/>
+          </a:prstGeom>
+          <a:ln w="0">
+            <a:noFill/>
+          </a:ln>
+        </p:spPr>
+      </p:sp>
+      <p:sp>
+        <p:nvSpPr>
+          <p:cNvPr id="318" name="PlaceHolder 2"/>
+          <p:cNvSpPr>
+            <a:spLocks noGrp="1"/>
+          </p:cNvSpPr>
+          <p:nvPr>
+            <p:ph type="body"/>
+          </p:nvPr>
+        </p:nvSpPr>
+        <p:spPr>
+          <a:xfrm>
+            <a:off x="756000" y="5145120"/>
+            <a:ext cx="6036120" cy="4198320"/>
+          </a:xfrm>
+          <a:prstGeom prst="rect">
+            <a:avLst/>
+          </a:prstGeom>
+          <a:noFill/>
+          <a:ln w="0">
+            <a:noFill/>
+          </a:ln>
+        </p:spPr>
+        <p:txBody>
+          <a:bodyPr lIns="0" rIns="0" tIns="0" bIns="0" anchor="t">
+            <a:noAutofit/>
+          </a:bodyPr>
+          <a:p>
+            <a:endParaRPr b="0" lang="pt-BR" sz="2000" spc="-1" strike="noStrike">
+              <a:latin typeface="Arial"/>
+            </a:endParaRPr>
+          </a:p>
+        </p:txBody>
+      </p:sp>
+      <p:sp>
+        <p:nvSpPr>
+          <p:cNvPr id="319" name="CustomShape 37"/>
+          <p:cNvSpPr/>
+          <p:nvPr/>
+        </p:nvSpPr>
+        <p:spPr>
+          <a:xfrm>
+            <a:off x="0" y="10155240"/>
+            <a:ext cx="3264480" cy="524880"/>
+          </a:xfrm>
+          <a:prstGeom prst="rect">
+            <a:avLst/>
+          </a:prstGeom>
+          <a:noFill/>
+          <a:ln w="0">
+            <a:noFill/>
+          </a:ln>
+        </p:spPr>
+        <p:style>
+          <a:lnRef idx="0"/>
+          <a:fillRef idx="0"/>
+          <a:effectRef idx="0"/>
+          <a:fontRef idx="minor"/>
+        </p:style>
+        <p:txBody>
+          <a:bodyPr lIns="90000" rIns="90000" tIns="45000" bIns="45000" anchor="b">
+            <a:noAutofit/>
+          </a:bodyPr>
+          <a:p>
+            <a:pPr>
+              <a:lnSpc>
+                <a:spcPct val="100000"/>
+              </a:lnSpc>
+              <a:buNone/>
+            </a:pPr>
+            <a:r>
+              <a:rPr b="0" lang="pt-BR" sz="1200" spc="-1" strike="noStrike">
+                <a:solidFill>
+                  <a:srgbClr val="000000"/>
+                </a:solidFill>
+                <a:latin typeface="Times New Roman"/>
+                <a:ea typeface="+mn-ea"/>
+              </a:rPr>
+              <a:t>Prof. </a:t>
+            </a:r>
+            <a:r>
+              <a:rPr b="0" lang="pt-BR" sz="1200" spc="-1" strike="noStrike">
+                <a:solidFill>
+                  <a:srgbClr val="000000"/>
+                </a:solidFill>
+                <a:latin typeface="Times New Roman"/>
+                <a:ea typeface="+mn-ea"/>
+              </a:rPr>
+              <a:t>André </a:t>
+            </a:r>
+            <a:r>
+              <a:rPr b="0" lang="pt-BR" sz="1200" spc="-1" strike="noStrike">
+                <a:solidFill>
+                  <a:srgbClr val="000000"/>
+                </a:solidFill>
+                <a:latin typeface="Times New Roman"/>
+                <a:ea typeface="+mn-ea"/>
+              </a:rPr>
+              <a:t>Hochuli</a:t>
+            </a:r>
+            <a:endParaRPr b="0" lang="pt-BR" sz="1200" spc="-1" strike="noStrike">
+              <a:latin typeface="Arial"/>
+            </a:endParaRPr>
+          </a:p>
+        </p:txBody>
+      </p:sp>
+    </p:spTree>
+  </p:cSld>
+</p:notes>
+</file>
+
+<file path=ppt/notesSlides/notesSlide12.xml><?xml version="1.0" encoding="utf-8"?>
+<p:notes xmlns:a="http://schemas.openxmlformats.org/drawingml/2006/main" xmlns:p="http://schemas.openxmlformats.org/presentationml/2006/main" xmlns:r="http://schemas.openxmlformats.org/officeDocument/2006/relationships" xmlns:p14="http://schemas.microsoft.com/office/powerpoint/2010/main" xmlns:p15="http://schemas.microsoft.com/office/powerpoint/2012/main" xmlns:mc="http://schemas.openxmlformats.org/markup-compatibility/2006">
+  <p:cSld>
+    <p:spTree>
+      <p:nvGrpSpPr>
+        <p:cNvPr id="1" name=""/>
+        <p:cNvGrpSpPr/>
+        <p:nvPr/>
+      </p:nvGrpSpPr>
+      <p:grpSpPr>
+        <a:xfrm>
+          <a:off x="0" y="0"/>
+          <a:ext cx="0" cy="0"/>
+          <a:chOff x="0" y="0"/>
+          <a:chExt cx="0" cy="0"/>
+        </a:xfrm>
+      </p:grpSpPr>
+      <p:sp>
+        <p:nvSpPr>
+          <p:cNvPr id="320" name="PlaceHolder 1"/>
+          <p:cNvSpPr>
+            <a:spLocks noGrp="1"/>
+          </p:cNvSpPr>
+          <p:nvPr>
+            <p:ph type="sldImg"/>
+          </p:nvPr>
+        </p:nvSpPr>
+        <p:spPr>
+          <a:xfrm>
+            <a:off x="1376280" y="1336680"/>
+            <a:ext cx="4796640" cy="3596400"/>
+          </a:xfrm>
+          <a:prstGeom prst="rect">
+            <a:avLst/>
+          </a:prstGeom>
+          <a:ln w="0">
+            <a:noFill/>
+          </a:ln>
+        </p:spPr>
+      </p:sp>
+      <p:sp>
+        <p:nvSpPr>
+          <p:cNvPr id="321" name="PlaceHolder 2"/>
+          <p:cNvSpPr>
+            <a:spLocks noGrp="1"/>
+          </p:cNvSpPr>
+          <p:nvPr>
+            <p:ph type="body"/>
+          </p:nvPr>
+        </p:nvSpPr>
+        <p:spPr>
+          <a:xfrm>
+            <a:off x="756000" y="5145120"/>
+            <a:ext cx="6036120" cy="4198320"/>
+          </a:xfrm>
+          <a:prstGeom prst="rect">
+            <a:avLst/>
+          </a:prstGeom>
+          <a:noFill/>
+          <a:ln w="0">
+            <a:noFill/>
+          </a:ln>
+        </p:spPr>
+        <p:txBody>
+          <a:bodyPr lIns="0" rIns="0" tIns="0" bIns="0" anchor="t">
+            <a:noAutofit/>
+          </a:bodyPr>
+          <a:p>
+            <a:endParaRPr b="0" lang="pt-BR" sz="2000" spc="-1" strike="noStrike">
+              <a:latin typeface="Arial"/>
+            </a:endParaRPr>
+          </a:p>
+        </p:txBody>
+      </p:sp>
+      <p:sp>
+        <p:nvSpPr>
+          <p:cNvPr id="322" name="CustomShape 42"/>
+          <p:cNvSpPr/>
+          <p:nvPr/>
+        </p:nvSpPr>
+        <p:spPr>
+          <a:xfrm>
+            <a:off x="0" y="10155240"/>
+            <a:ext cx="3264480" cy="524880"/>
+          </a:xfrm>
+          <a:prstGeom prst="rect">
+            <a:avLst/>
+          </a:prstGeom>
+          <a:noFill/>
+          <a:ln w="0">
+            <a:noFill/>
+          </a:ln>
+        </p:spPr>
+        <p:style>
+          <a:lnRef idx="0"/>
+          <a:fillRef idx="0"/>
+          <a:effectRef idx="0"/>
+          <a:fontRef idx="minor"/>
+        </p:style>
+        <p:txBody>
+          <a:bodyPr lIns="90000" rIns="90000" tIns="45000" bIns="45000" anchor="b">
+            <a:noAutofit/>
+          </a:bodyPr>
+          <a:p>
+            <a:pPr>
+              <a:lnSpc>
+                <a:spcPct val="100000"/>
+              </a:lnSpc>
+              <a:buNone/>
+            </a:pPr>
+            <a:r>
+              <a:rPr b="0" lang="pt-BR" sz="1200" spc="-1" strike="noStrike">
+                <a:solidFill>
+                  <a:srgbClr val="000000"/>
+                </a:solidFill>
+                <a:latin typeface="Times New Roman"/>
+                <a:ea typeface="+mn-ea"/>
+              </a:rPr>
+              <a:t>Prof. </a:t>
+            </a:r>
+            <a:r>
+              <a:rPr b="0" lang="pt-BR" sz="1200" spc="-1" strike="noStrike">
+                <a:solidFill>
+                  <a:srgbClr val="000000"/>
+                </a:solidFill>
+                <a:latin typeface="Times New Roman"/>
+                <a:ea typeface="+mn-ea"/>
+              </a:rPr>
+              <a:t>André </a:t>
+            </a:r>
+            <a:r>
+              <a:rPr b="0" lang="pt-BR" sz="1200" spc="-1" strike="noStrike">
+                <a:solidFill>
+                  <a:srgbClr val="000000"/>
+                </a:solidFill>
+                <a:latin typeface="Times New Roman"/>
+                <a:ea typeface="+mn-ea"/>
+              </a:rPr>
+              <a:t>Hochuli</a:t>
             </a:r>
             <a:endParaRPr b="0" lang="pt-BR" sz="1200" spc="-1" strike="noStrike">
               <a:latin typeface="Arial"/>
@@ -566,7 +908,7 @@
       </p:grpSpPr>
       <p:sp>
         <p:nvSpPr>
-          <p:cNvPr id="247" name="PlaceHolder 1"/>
+          <p:cNvPr id="290" name="PlaceHolder 1"/>
           <p:cNvSpPr>
             <a:spLocks noGrp="1"/>
           </p:cNvSpPr>
@@ -577,19 +919,19 @@
         <p:spPr>
           <a:xfrm>
             <a:off x="1376280" y="1336680"/>
-            <a:ext cx="4802760" cy="3602520"/>
-          </a:xfrm>
-          <a:prstGeom prst="rect">
-            <a:avLst/>
-          </a:prstGeom>
-          <a:ln w="0">
-            <a:noFill/>
-          </a:ln>
-        </p:spPr>
-      </p:sp>
-      <p:sp>
-        <p:nvSpPr>
-          <p:cNvPr id="248" name="PlaceHolder 2"/>
+            <a:ext cx="4802400" cy="3602160"/>
+          </a:xfrm>
+          <a:prstGeom prst="rect">
+            <a:avLst/>
+          </a:prstGeom>
+          <a:ln w="0">
+            <a:noFill/>
+          </a:ln>
+        </p:spPr>
+      </p:sp>
+      <p:sp>
+        <p:nvSpPr>
+          <p:cNvPr id="291" name="PlaceHolder 2"/>
           <p:cNvSpPr>
             <a:spLocks noGrp="1"/>
           </p:cNvSpPr>
@@ -600,7 +942,7 @@
         <p:spPr>
           <a:xfrm>
             <a:off x="756000" y="5145120"/>
-            <a:ext cx="6042960" cy="4205160"/>
+            <a:ext cx="6042600" cy="4204800"/>
           </a:xfrm>
           <a:prstGeom prst="rect">
             <a:avLst/>
@@ -623,14 +965,14 @@
       </p:sp>
       <p:sp>
         <p:nvSpPr>
-          <p:cNvPr id="249" name="CustomShape 3"/>
+          <p:cNvPr id="292" name="CustomShape 3"/>
           <p:cNvSpPr/>
           <p:nvPr/>
         </p:nvSpPr>
         <p:spPr>
           <a:xfrm>
             <a:off x="0" y="10155240"/>
-            <a:ext cx="3271320" cy="531720"/>
+            <a:ext cx="3270960" cy="531360"/>
           </a:xfrm>
           <a:prstGeom prst="rect">
             <a:avLst/>
@@ -697,7 +1039,7 @@
       </p:grpSpPr>
       <p:sp>
         <p:nvSpPr>
-          <p:cNvPr id="250" name="PlaceHolder 1"/>
+          <p:cNvPr id="293" name="PlaceHolder 1"/>
           <p:cNvSpPr>
             <a:spLocks noGrp="1"/>
           </p:cNvSpPr>
@@ -708,19 +1050,19 @@
         <p:spPr>
           <a:xfrm>
             <a:off x="1376280" y="1336680"/>
-            <a:ext cx="4797000" cy="3596760"/>
-          </a:xfrm>
-          <a:prstGeom prst="rect">
-            <a:avLst/>
-          </a:prstGeom>
-          <a:ln w="0">
-            <a:noFill/>
-          </a:ln>
-        </p:spPr>
-      </p:sp>
-      <p:sp>
-        <p:nvSpPr>
-          <p:cNvPr id="251" name="PlaceHolder 2"/>
+            <a:ext cx="4796640" cy="3596400"/>
+          </a:xfrm>
+          <a:prstGeom prst="rect">
+            <a:avLst/>
+          </a:prstGeom>
+          <a:ln w="0">
+            <a:noFill/>
+          </a:ln>
+        </p:spPr>
+      </p:sp>
+      <p:sp>
+        <p:nvSpPr>
+          <p:cNvPr id="294" name="PlaceHolder 2"/>
           <p:cNvSpPr>
             <a:spLocks noGrp="1"/>
           </p:cNvSpPr>
@@ -731,7 +1073,7 @@
         <p:spPr>
           <a:xfrm>
             <a:off x="756000" y="5145120"/>
-            <a:ext cx="6036480" cy="4198680"/>
+            <a:ext cx="6036120" cy="4198320"/>
           </a:xfrm>
           <a:prstGeom prst="rect">
             <a:avLst/>
@@ -754,14 +1096,14 @@
       </p:sp>
       <p:sp>
         <p:nvSpPr>
-          <p:cNvPr id="252" name="CustomShape 6"/>
+          <p:cNvPr id="295" name="CustomShape 6"/>
           <p:cNvSpPr/>
           <p:nvPr/>
         </p:nvSpPr>
         <p:spPr>
           <a:xfrm>
             <a:off x="0" y="10155240"/>
-            <a:ext cx="3264840" cy="525240"/>
+            <a:ext cx="3264480" cy="524880"/>
           </a:xfrm>
           <a:prstGeom prst="rect">
             <a:avLst/>
@@ -828,7 +1170,7 @@
       </p:grpSpPr>
       <p:sp>
         <p:nvSpPr>
-          <p:cNvPr id="253" name="PlaceHolder 1"/>
+          <p:cNvPr id="296" name="PlaceHolder 1"/>
           <p:cNvSpPr>
             <a:spLocks noGrp="1"/>
           </p:cNvSpPr>
@@ -839,19 +1181,19 @@
         <p:spPr>
           <a:xfrm>
             <a:off x="1376280" y="1336680"/>
-            <a:ext cx="4797000" cy="3596760"/>
-          </a:xfrm>
-          <a:prstGeom prst="rect">
-            <a:avLst/>
-          </a:prstGeom>
-          <a:ln w="0">
-            <a:noFill/>
-          </a:ln>
-        </p:spPr>
-      </p:sp>
-      <p:sp>
-        <p:nvSpPr>
-          <p:cNvPr id="254" name="PlaceHolder 2"/>
+            <a:ext cx="4796640" cy="3596400"/>
+          </a:xfrm>
+          <a:prstGeom prst="rect">
+            <a:avLst/>
+          </a:prstGeom>
+          <a:ln w="0">
+            <a:noFill/>
+          </a:ln>
+        </p:spPr>
+      </p:sp>
+      <p:sp>
+        <p:nvSpPr>
+          <p:cNvPr id="297" name="PlaceHolder 2"/>
           <p:cNvSpPr>
             <a:spLocks noGrp="1"/>
           </p:cNvSpPr>
@@ -862,7 +1204,7 @@
         <p:spPr>
           <a:xfrm>
             <a:off x="756000" y="5145120"/>
-            <a:ext cx="6036480" cy="4198680"/>
+            <a:ext cx="6036120" cy="4198320"/>
           </a:xfrm>
           <a:prstGeom prst="rect">
             <a:avLst/>
@@ -885,14 +1227,14 @@
       </p:sp>
       <p:sp>
         <p:nvSpPr>
-          <p:cNvPr id="255" name="CustomShape 18"/>
+          <p:cNvPr id="298" name="CustomShape 18"/>
           <p:cNvSpPr/>
           <p:nvPr/>
         </p:nvSpPr>
         <p:spPr>
           <a:xfrm>
             <a:off x="0" y="10155240"/>
-            <a:ext cx="3264840" cy="525240"/>
+            <a:ext cx="3264480" cy="524880"/>
           </a:xfrm>
           <a:prstGeom prst="rect">
             <a:avLst/>
@@ -959,7 +1301,7 @@
       </p:grpSpPr>
       <p:sp>
         <p:nvSpPr>
-          <p:cNvPr id="256" name="PlaceHolder 1"/>
+          <p:cNvPr id="299" name="PlaceHolder 1"/>
           <p:cNvSpPr>
             <a:spLocks noGrp="1"/>
           </p:cNvSpPr>
@@ -970,19 +1312,19 @@
         <p:spPr>
           <a:xfrm>
             <a:off x="1376280" y="1336680"/>
-            <a:ext cx="4797000" cy="3596760"/>
-          </a:xfrm>
-          <a:prstGeom prst="rect">
-            <a:avLst/>
-          </a:prstGeom>
-          <a:ln w="0">
-            <a:noFill/>
-          </a:ln>
-        </p:spPr>
-      </p:sp>
-      <p:sp>
-        <p:nvSpPr>
-          <p:cNvPr id="257" name="PlaceHolder 2"/>
+            <a:ext cx="4796640" cy="3596400"/>
+          </a:xfrm>
+          <a:prstGeom prst="rect">
+            <a:avLst/>
+          </a:prstGeom>
+          <a:ln w="0">
+            <a:noFill/>
+          </a:ln>
+        </p:spPr>
+      </p:sp>
+      <p:sp>
+        <p:nvSpPr>
+          <p:cNvPr id="300" name="PlaceHolder 2"/>
           <p:cNvSpPr>
             <a:spLocks noGrp="1"/>
           </p:cNvSpPr>
@@ -993,7 +1335,7 @@
         <p:spPr>
           <a:xfrm>
             <a:off x="756000" y="5145120"/>
-            <a:ext cx="6036480" cy="4198680"/>
+            <a:ext cx="6036120" cy="4198320"/>
           </a:xfrm>
           <a:prstGeom prst="rect">
             <a:avLst/>
@@ -1016,14 +1358,14 @@
       </p:sp>
       <p:sp>
         <p:nvSpPr>
-          <p:cNvPr id="258" name="CustomShape 16"/>
+          <p:cNvPr id="301" name="CustomShape 16"/>
           <p:cNvSpPr/>
           <p:nvPr/>
         </p:nvSpPr>
         <p:spPr>
           <a:xfrm>
             <a:off x="0" y="10155240"/>
-            <a:ext cx="3264840" cy="525240"/>
+            <a:ext cx="3264480" cy="524880"/>
           </a:xfrm>
           <a:prstGeom prst="rect">
             <a:avLst/>
@@ -1090,7 +1432,7 @@
       </p:grpSpPr>
       <p:sp>
         <p:nvSpPr>
-          <p:cNvPr id="259" name="PlaceHolder 1"/>
+          <p:cNvPr id="302" name="PlaceHolder 1"/>
           <p:cNvSpPr>
             <a:spLocks noGrp="1"/>
           </p:cNvSpPr>
@@ -1101,19 +1443,19 @@
         <p:spPr>
           <a:xfrm>
             <a:off x="1376280" y="1336680"/>
-            <a:ext cx="4797000" cy="3596760"/>
-          </a:xfrm>
-          <a:prstGeom prst="rect">
-            <a:avLst/>
-          </a:prstGeom>
-          <a:ln w="0">
-            <a:noFill/>
-          </a:ln>
-        </p:spPr>
-      </p:sp>
-      <p:sp>
-        <p:nvSpPr>
-          <p:cNvPr id="260" name="PlaceHolder 2"/>
+            <a:ext cx="4796640" cy="3596400"/>
+          </a:xfrm>
+          <a:prstGeom prst="rect">
+            <a:avLst/>
+          </a:prstGeom>
+          <a:ln w="0">
+            <a:noFill/>
+          </a:ln>
+        </p:spPr>
+      </p:sp>
+      <p:sp>
+        <p:nvSpPr>
+          <p:cNvPr id="303" name="PlaceHolder 2"/>
           <p:cNvSpPr>
             <a:spLocks noGrp="1"/>
           </p:cNvSpPr>
@@ -1124,7 +1466,7 @@
         <p:spPr>
           <a:xfrm>
             <a:off x="756000" y="5145120"/>
-            <a:ext cx="6036480" cy="4198680"/>
+            <a:ext cx="6036120" cy="4198320"/>
           </a:xfrm>
           <a:prstGeom prst="rect">
             <a:avLst/>
@@ -1147,14 +1489,14 @@
       </p:sp>
       <p:sp>
         <p:nvSpPr>
-          <p:cNvPr id="261" name="CustomShape 22"/>
+          <p:cNvPr id="304" name="CustomShape 22"/>
           <p:cNvSpPr/>
           <p:nvPr/>
         </p:nvSpPr>
         <p:spPr>
           <a:xfrm>
             <a:off x="0" y="10155240"/>
-            <a:ext cx="3264840" cy="525240"/>
+            <a:ext cx="3264480" cy="524880"/>
           </a:xfrm>
           <a:prstGeom prst="rect">
             <a:avLst/>
@@ -1189,17 +1531,7 @@
                 <a:latin typeface="Times New Roman"/>
                 <a:ea typeface="+mn-ea"/>
               </a:rPr>
-              <a:t>Prof. André </a:t>
-            </a:r>
-            <a:r>
-              <a:rPr b="0" lang="pt-BR" sz="1200" spc="-1" strike="noStrike">
-                <a:solidFill>
-                  <a:srgbClr val="000000"/>
-                </a:solidFill>
-                <a:latin typeface="Times New Roman"/>
-                <a:ea typeface="+mn-ea"/>
-              </a:rPr>
-              <a:t>Hochuli</a:t>
+              <a:t>Prof. André Hochuli</a:t>
             </a:r>
             <a:endParaRPr b="0" lang="pt-BR" sz="1200" spc="-1" strike="noStrike">
               <a:latin typeface="Arial"/>
@@ -1231,7 +1563,7 @@
       </p:grpSpPr>
       <p:sp>
         <p:nvSpPr>
-          <p:cNvPr id="262" name="PlaceHolder 1"/>
+          <p:cNvPr id="305" name="PlaceHolder 1"/>
           <p:cNvSpPr>
             <a:spLocks noGrp="1"/>
           </p:cNvSpPr>
@@ -1242,19 +1574,19 @@
         <p:spPr>
           <a:xfrm>
             <a:off x="1376280" y="1336680"/>
-            <a:ext cx="4797000" cy="3596760"/>
-          </a:xfrm>
-          <a:prstGeom prst="rect">
-            <a:avLst/>
-          </a:prstGeom>
-          <a:ln w="0">
-            <a:noFill/>
-          </a:ln>
-        </p:spPr>
-      </p:sp>
-      <p:sp>
-        <p:nvSpPr>
-          <p:cNvPr id="263" name="PlaceHolder 2"/>
+            <a:ext cx="4796640" cy="3596400"/>
+          </a:xfrm>
+          <a:prstGeom prst="rect">
+            <a:avLst/>
+          </a:prstGeom>
+          <a:ln w="0">
+            <a:noFill/>
+          </a:ln>
+        </p:spPr>
+      </p:sp>
+      <p:sp>
+        <p:nvSpPr>
+          <p:cNvPr id="306" name="PlaceHolder 2"/>
           <p:cNvSpPr>
             <a:spLocks noGrp="1"/>
           </p:cNvSpPr>
@@ -1265,7 +1597,7 @@
         <p:spPr>
           <a:xfrm>
             <a:off x="756000" y="5145120"/>
-            <a:ext cx="6036480" cy="4198680"/>
+            <a:ext cx="6036120" cy="4198320"/>
           </a:xfrm>
           <a:prstGeom prst="rect">
             <a:avLst/>
@@ -1288,14 +1620,14 @@
       </p:sp>
       <p:sp>
         <p:nvSpPr>
-          <p:cNvPr id="264" name="CustomShape 27"/>
+          <p:cNvPr id="307" name="CustomShape 27"/>
           <p:cNvSpPr/>
           <p:nvPr/>
         </p:nvSpPr>
         <p:spPr>
           <a:xfrm>
             <a:off x="0" y="10155240"/>
-            <a:ext cx="3264840" cy="525240"/>
+            <a:ext cx="3264480" cy="524880"/>
           </a:xfrm>
           <a:prstGeom prst="rect">
             <a:avLst/>
@@ -1330,7 +1662,279 @@
                 <a:latin typeface="Times New Roman"/>
                 <a:ea typeface="+mn-ea"/>
               </a:rPr>
-              <a:t>Prof. André </a:t>
+              <a:t>Prof. André Hochuli</a:t>
+            </a:r>
+            <a:endParaRPr b="0" lang="pt-BR" sz="1200" spc="-1" strike="noStrike">
+              <a:latin typeface="Arial"/>
+            </a:endParaRPr>
+          </a:p>
+        </p:txBody>
+      </p:sp>
+    </p:spTree>
+  </p:cSld>
+</p:notes>
+</file>
+
+<file path=ppt/notesSlides/notesSlide8.xml><?xml version="1.0" encoding="utf-8"?>
+<p:notes xmlns:a="http://schemas.openxmlformats.org/drawingml/2006/main" xmlns:p="http://schemas.openxmlformats.org/presentationml/2006/main" xmlns:r="http://schemas.openxmlformats.org/officeDocument/2006/relationships" xmlns:p14="http://schemas.microsoft.com/office/powerpoint/2010/main" xmlns:p15="http://schemas.microsoft.com/office/powerpoint/2012/main" xmlns:mc="http://schemas.openxmlformats.org/markup-compatibility/2006">
+  <p:cSld>
+    <p:spTree>
+      <p:nvGrpSpPr>
+        <p:cNvPr id="1" name=""/>
+        <p:cNvGrpSpPr/>
+        <p:nvPr/>
+      </p:nvGrpSpPr>
+      <p:grpSpPr>
+        <a:xfrm>
+          <a:off x="0" y="0"/>
+          <a:ext cx="0" cy="0"/>
+          <a:chOff x="0" y="0"/>
+          <a:chExt cx="0" cy="0"/>
+        </a:xfrm>
+      </p:grpSpPr>
+      <p:sp>
+        <p:nvSpPr>
+          <p:cNvPr id="308" name="PlaceHolder 1"/>
+          <p:cNvSpPr>
+            <a:spLocks noGrp="1"/>
+          </p:cNvSpPr>
+          <p:nvPr>
+            <p:ph type="sldImg"/>
+          </p:nvPr>
+        </p:nvSpPr>
+        <p:spPr>
+          <a:xfrm>
+            <a:off x="1376280" y="1336680"/>
+            <a:ext cx="4796640" cy="3596400"/>
+          </a:xfrm>
+          <a:prstGeom prst="rect">
+            <a:avLst/>
+          </a:prstGeom>
+          <a:ln w="0">
+            <a:noFill/>
+          </a:ln>
+        </p:spPr>
+      </p:sp>
+      <p:sp>
+        <p:nvSpPr>
+          <p:cNvPr id="309" name="PlaceHolder 2"/>
+          <p:cNvSpPr>
+            <a:spLocks noGrp="1"/>
+          </p:cNvSpPr>
+          <p:nvPr>
+            <p:ph type="body"/>
+          </p:nvPr>
+        </p:nvSpPr>
+        <p:spPr>
+          <a:xfrm>
+            <a:off x="756000" y="5145120"/>
+            <a:ext cx="6036120" cy="4198320"/>
+          </a:xfrm>
+          <a:prstGeom prst="rect">
+            <a:avLst/>
+          </a:prstGeom>
+          <a:noFill/>
+          <a:ln w="0">
+            <a:noFill/>
+          </a:ln>
+        </p:spPr>
+        <p:txBody>
+          <a:bodyPr lIns="0" rIns="0" tIns="0" bIns="0" anchor="t">
+            <a:noAutofit/>
+          </a:bodyPr>
+          <a:p>
+            <a:endParaRPr b="0" lang="pt-BR" sz="2000" spc="-1" strike="noStrike">
+              <a:latin typeface="Arial"/>
+            </a:endParaRPr>
+          </a:p>
+        </p:txBody>
+      </p:sp>
+      <p:sp>
+        <p:nvSpPr>
+          <p:cNvPr id="310" name="CustomShape 47"/>
+          <p:cNvSpPr/>
+          <p:nvPr/>
+        </p:nvSpPr>
+        <p:spPr>
+          <a:xfrm>
+            <a:off x="0" y="10155240"/>
+            <a:ext cx="3264480" cy="524880"/>
+          </a:xfrm>
+          <a:prstGeom prst="rect">
+            <a:avLst/>
+          </a:prstGeom>
+          <a:noFill/>
+          <a:ln w="0">
+            <a:noFill/>
+          </a:ln>
+        </p:spPr>
+        <p:style>
+          <a:lnRef idx="0"/>
+          <a:fillRef idx="0"/>
+          <a:effectRef idx="0"/>
+          <a:fontRef idx="minor"/>
+        </p:style>
+        <p:txBody>
+          <a:bodyPr lIns="90000" rIns="90000" tIns="45000" bIns="45000" anchor="b">
+            <a:noAutofit/>
+          </a:bodyPr>
+          <a:p>
+            <a:pPr>
+              <a:lnSpc>
+                <a:spcPct val="100000"/>
+              </a:lnSpc>
+              <a:buNone/>
+            </a:pPr>
+            <a:r>
+              <a:rPr b="0" lang="pt-BR" sz="1200" spc="-1" strike="noStrike">
+                <a:solidFill>
+                  <a:srgbClr val="000000"/>
+                </a:solidFill>
+                <a:latin typeface="Times New Roman"/>
+                <a:ea typeface="+mn-ea"/>
+              </a:rPr>
+              <a:t>Prof. André Hochuli</a:t>
+            </a:r>
+            <a:endParaRPr b="0" lang="pt-BR" sz="1200" spc="-1" strike="noStrike">
+              <a:latin typeface="Arial"/>
+            </a:endParaRPr>
+          </a:p>
+        </p:txBody>
+      </p:sp>
+    </p:spTree>
+  </p:cSld>
+</p:notes>
+</file>
+
+<file path=ppt/notesSlides/notesSlide9.xml><?xml version="1.0" encoding="utf-8"?>
+<p:notes xmlns:a="http://schemas.openxmlformats.org/drawingml/2006/main" xmlns:p="http://schemas.openxmlformats.org/presentationml/2006/main" xmlns:r="http://schemas.openxmlformats.org/officeDocument/2006/relationships" xmlns:p14="http://schemas.microsoft.com/office/powerpoint/2010/main" xmlns:p15="http://schemas.microsoft.com/office/powerpoint/2012/main" xmlns:mc="http://schemas.openxmlformats.org/markup-compatibility/2006">
+  <p:cSld>
+    <p:spTree>
+      <p:nvGrpSpPr>
+        <p:cNvPr id="1" name=""/>
+        <p:cNvGrpSpPr/>
+        <p:nvPr/>
+      </p:nvGrpSpPr>
+      <p:grpSpPr>
+        <a:xfrm>
+          <a:off x="0" y="0"/>
+          <a:ext cx="0" cy="0"/>
+          <a:chOff x="0" y="0"/>
+          <a:chExt cx="0" cy="0"/>
+        </a:xfrm>
+      </p:grpSpPr>
+      <p:sp>
+        <p:nvSpPr>
+          <p:cNvPr id="311" name="PlaceHolder 1"/>
+          <p:cNvSpPr>
+            <a:spLocks noGrp="1"/>
+          </p:cNvSpPr>
+          <p:nvPr>
+            <p:ph type="sldImg"/>
+          </p:nvPr>
+        </p:nvSpPr>
+        <p:spPr>
+          <a:xfrm>
+            <a:off x="1376280" y="1336680"/>
+            <a:ext cx="4796640" cy="3596400"/>
+          </a:xfrm>
+          <a:prstGeom prst="rect">
+            <a:avLst/>
+          </a:prstGeom>
+          <a:ln w="0">
+            <a:noFill/>
+          </a:ln>
+        </p:spPr>
+      </p:sp>
+      <p:sp>
+        <p:nvSpPr>
+          <p:cNvPr id="312" name="PlaceHolder 2"/>
+          <p:cNvSpPr>
+            <a:spLocks noGrp="1"/>
+          </p:cNvSpPr>
+          <p:nvPr>
+            <p:ph type="body"/>
+          </p:nvPr>
+        </p:nvSpPr>
+        <p:spPr>
+          <a:xfrm>
+            <a:off x="756000" y="5145120"/>
+            <a:ext cx="6036120" cy="4198320"/>
+          </a:xfrm>
+          <a:prstGeom prst="rect">
+            <a:avLst/>
+          </a:prstGeom>
+          <a:noFill/>
+          <a:ln w="0">
+            <a:noFill/>
+          </a:ln>
+        </p:spPr>
+        <p:txBody>
+          <a:bodyPr lIns="0" rIns="0" tIns="0" bIns="0" anchor="t">
+            <a:noAutofit/>
+          </a:bodyPr>
+          <a:p>
+            <a:endParaRPr b="0" lang="pt-BR" sz="2000" spc="-1" strike="noStrike">
+              <a:latin typeface="Arial"/>
+            </a:endParaRPr>
+          </a:p>
+        </p:txBody>
+      </p:sp>
+      <p:sp>
+        <p:nvSpPr>
+          <p:cNvPr id="313" name="CustomShape 32"/>
+          <p:cNvSpPr/>
+          <p:nvPr/>
+        </p:nvSpPr>
+        <p:spPr>
+          <a:xfrm>
+            <a:off x="0" y="10155240"/>
+            <a:ext cx="3264480" cy="524880"/>
+          </a:xfrm>
+          <a:prstGeom prst="rect">
+            <a:avLst/>
+          </a:prstGeom>
+          <a:noFill/>
+          <a:ln w="0">
+            <a:noFill/>
+          </a:ln>
+        </p:spPr>
+        <p:style>
+          <a:lnRef idx="0"/>
+          <a:fillRef idx="0"/>
+          <a:effectRef idx="0"/>
+          <a:fontRef idx="minor"/>
+        </p:style>
+        <p:txBody>
+          <a:bodyPr lIns="90000" rIns="90000" tIns="45000" bIns="45000" anchor="b">
+            <a:noAutofit/>
+          </a:bodyPr>
+          <a:p>
+            <a:pPr>
+              <a:lnSpc>
+                <a:spcPct val="100000"/>
+              </a:lnSpc>
+              <a:buNone/>
+            </a:pPr>
+            <a:r>
+              <a:rPr b="0" lang="pt-BR" sz="1200" spc="-1" strike="noStrike">
+                <a:solidFill>
+                  <a:srgbClr val="000000"/>
+                </a:solidFill>
+                <a:latin typeface="Times New Roman"/>
+                <a:ea typeface="+mn-ea"/>
+              </a:rPr>
+              <a:t>Prof. </a:t>
+            </a:r>
+            <a:r>
+              <a:rPr b="0" lang="pt-BR" sz="1200" spc="-1" strike="noStrike">
+                <a:solidFill>
+                  <a:srgbClr val="000000"/>
+                </a:solidFill>
+                <a:latin typeface="Times New Roman"/>
+                <a:ea typeface="+mn-ea"/>
+              </a:rPr>
+              <a:t>André </a:t>
             </a:r>
             <a:r>
               <a:rPr b="0" lang="pt-BR" sz="1200" spc="-1" strike="noStrike">
@@ -5238,7 +5842,7 @@
       </p:grpSpPr>
       <p:sp>
         <p:nvSpPr>
-          <p:cNvPr id="126" name="PlaceHolder 1"/>
+          <p:cNvPr id="129" name="PlaceHolder 1"/>
           <p:cNvSpPr>
             <a:spLocks noGrp="1"/>
           </p:cNvSpPr>
@@ -5275,7 +5879,7 @@
       </p:sp>
       <p:sp>
         <p:nvSpPr>
-          <p:cNvPr id="127" name="PlaceHolder 2"/>
+          <p:cNvPr id="130" name="PlaceHolder 2"/>
           <p:cNvSpPr>
             <a:spLocks noGrp="1"/>
           </p:cNvSpPr>
@@ -5334,7 +5938,7 @@
       </p:grpSpPr>
       <p:sp>
         <p:nvSpPr>
-          <p:cNvPr id="128" name="PlaceHolder 1"/>
+          <p:cNvPr id="131" name="PlaceHolder 1"/>
           <p:cNvSpPr>
             <a:spLocks noGrp="1"/>
           </p:cNvSpPr>
@@ -5371,7 +5975,7 @@
       </p:sp>
       <p:sp>
         <p:nvSpPr>
-          <p:cNvPr id="129" name="PlaceHolder 2"/>
+          <p:cNvPr id="132" name="PlaceHolder 2"/>
           <p:cNvSpPr>
             <a:spLocks noGrp="1"/>
           </p:cNvSpPr>
@@ -5554,7 +6158,7 @@
       </p:grpSpPr>
       <p:sp>
         <p:nvSpPr>
-          <p:cNvPr id="130" name="PlaceHolder 1"/>
+          <p:cNvPr id="133" name="PlaceHolder 1"/>
           <p:cNvSpPr>
             <a:spLocks noGrp="1"/>
           </p:cNvSpPr>
@@ -5591,7 +6195,7 @@
       </p:sp>
       <p:sp>
         <p:nvSpPr>
-          <p:cNvPr id="131" name="PlaceHolder 2"/>
+          <p:cNvPr id="134" name="PlaceHolder 2"/>
           <p:cNvSpPr>
             <a:spLocks noGrp="1"/>
           </p:cNvSpPr>
@@ -5625,7 +6229,7 @@
       </p:sp>
       <p:sp>
         <p:nvSpPr>
-          <p:cNvPr id="132" name="PlaceHolder 3"/>
+          <p:cNvPr id="135" name="PlaceHolder 3"/>
           <p:cNvSpPr>
             <a:spLocks noGrp="1"/>
           </p:cNvSpPr>
@@ -5681,7 +6285,7 @@
       </p:grpSpPr>
       <p:sp>
         <p:nvSpPr>
-          <p:cNvPr id="133" name="PlaceHolder 1"/>
+          <p:cNvPr id="136" name="PlaceHolder 1"/>
           <p:cNvSpPr>
             <a:spLocks noGrp="1"/>
           </p:cNvSpPr>
@@ -5740,7 +6344,7 @@
       </p:grpSpPr>
       <p:sp>
         <p:nvSpPr>
-          <p:cNvPr id="134" name="PlaceHolder 1"/>
+          <p:cNvPr id="137" name="PlaceHolder 1"/>
           <p:cNvSpPr>
             <a:spLocks noGrp="1"/>
           </p:cNvSpPr>
@@ -5799,7 +6403,7 @@
       </p:grpSpPr>
       <p:sp>
         <p:nvSpPr>
-          <p:cNvPr id="135" name="PlaceHolder 1"/>
+          <p:cNvPr id="138" name="PlaceHolder 1"/>
           <p:cNvSpPr>
             <a:spLocks noGrp="1"/>
           </p:cNvSpPr>
@@ -5836,7 +6440,7 @@
       </p:sp>
       <p:sp>
         <p:nvSpPr>
-          <p:cNvPr id="136" name="PlaceHolder 2"/>
+          <p:cNvPr id="139" name="PlaceHolder 2"/>
           <p:cNvSpPr>
             <a:spLocks noGrp="1"/>
           </p:cNvSpPr>
@@ -5870,7 +6474,7 @@
       </p:sp>
       <p:sp>
         <p:nvSpPr>
-          <p:cNvPr id="137" name="PlaceHolder 3"/>
+          <p:cNvPr id="140" name="PlaceHolder 3"/>
           <p:cNvSpPr>
             <a:spLocks noGrp="1"/>
           </p:cNvSpPr>
@@ -5904,7 +6508,7 @@
       </p:sp>
       <p:sp>
         <p:nvSpPr>
-          <p:cNvPr id="138" name="PlaceHolder 4"/>
+          <p:cNvPr id="141" name="PlaceHolder 4"/>
           <p:cNvSpPr>
             <a:spLocks noGrp="1"/>
           </p:cNvSpPr>
@@ -5960,7 +6564,7 @@
       </p:grpSpPr>
       <p:sp>
         <p:nvSpPr>
-          <p:cNvPr id="139" name="PlaceHolder 1"/>
+          <p:cNvPr id="142" name="PlaceHolder 1"/>
           <p:cNvSpPr>
             <a:spLocks noGrp="1"/>
           </p:cNvSpPr>
@@ -5997,7 +6601,7 @@
       </p:sp>
       <p:sp>
         <p:nvSpPr>
-          <p:cNvPr id="140" name="PlaceHolder 2"/>
+          <p:cNvPr id="143" name="PlaceHolder 2"/>
           <p:cNvSpPr>
             <a:spLocks noGrp="1"/>
           </p:cNvSpPr>
@@ -6031,7 +6635,7 @@
       </p:sp>
       <p:sp>
         <p:nvSpPr>
-          <p:cNvPr id="141" name="PlaceHolder 3"/>
+          <p:cNvPr id="144" name="PlaceHolder 3"/>
           <p:cNvSpPr>
             <a:spLocks noGrp="1"/>
           </p:cNvSpPr>
@@ -6065,7 +6669,7 @@
       </p:sp>
       <p:sp>
         <p:nvSpPr>
-          <p:cNvPr id="142" name="PlaceHolder 4"/>
+          <p:cNvPr id="145" name="PlaceHolder 4"/>
           <p:cNvSpPr>
             <a:spLocks noGrp="1"/>
           </p:cNvSpPr>
@@ -6121,7 +6725,7 @@
       </p:grpSpPr>
       <p:sp>
         <p:nvSpPr>
-          <p:cNvPr id="143" name="PlaceHolder 1"/>
+          <p:cNvPr id="146" name="PlaceHolder 1"/>
           <p:cNvSpPr>
             <a:spLocks noGrp="1"/>
           </p:cNvSpPr>
@@ -6158,7 +6762,7 @@
       </p:sp>
       <p:sp>
         <p:nvSpPr>
-          <p:cNvPr id="144" name="PlaceHolder 2"/>
+          <p:cNvPr id="147" name="PlaceHolder 2"/>
           <p:cNvSpPr>
             <a:spLocks noGrp="1"/>
           </p:cNvSpPr>
@@ -6192,7 +6796,7 @@
       </p:sp>
       <p:sp>
         <p:nvSpPr>
-          <p:cNvPr id="145" name="PlaceHolder 3"/>
+          <p:cNvPr id="148" name="PlaceHolder 3"/>
           <p:cNvSpPr>
             <a:spLocks noGrp="1"/>
           </p:cNvSpPr>
@@ -6226,7 +6830,7 @@
       </p:sp>
       <p:sp>
         <p:nvSpPr>
-          <p:cNvPr id="146" name="PlaceHolder 4"/>
+          <p:cNvPr id="149" name="PlaceHolder 4"/>
           <p:cNvSpPr>
             <a:spLocks noGrp="1"/>
           </p:cNvSpPr>
@@ -6282,7 +6886,7 @@
       </p:grpSpPr>
       <p:sp>
         <p:nvSpPr>
-          <p:cNvPr id="147" name="PlaceHolder 1"/>
+          <p:cNvPr id="150" name="PlaceHolder 1"/>
           <p:cNvSpPr>
             <a:spLocks noGrp="1"/>
           </p:cNvSpPr>
@@ -6319,7 +6923,7 @@
       </p:sp>
       <p:sp>
         <p:nvSpPr>
-          <p:cNvPr id="148" name="PlaceHolder 2"/>
+          <p:cNvPr id="151" name="PlaceHolder 2"/>
           <p:cNvSpPr>
             <a:spLocks noGrp="1"/>
           </p:cNvSpPr>
@@ -6353,7 +6957,7 @@
       </p:sp>
       <p:sp>
         <p:nvSpPr>
-          <p:cNvPr id="149" name="PlaceHolder 3"/>
+          <p:cNvPr id="152" name="PlaceHolder 3"/>
           <p:cNvSpPr>
             <a:spLocks noGrp="1"/>
           </p:cNvSpPr>
@@ -6409,7 +7013,7 @@
       </p:grpSpPr>
       <p:sp>
         <p:nvSpPr>
-          <p:cNvPr id="150" name="PlaceHolder 1"/>
+          <p:cNvPr id="153" name="PlaceHolder 1"/>
           <p:cNvSpPr>
             <a:spLocks noGrp="1"/>
           </p:cNvSpPr>
@@ -6446,7 +7050,7 @@
       </p:sp>
       <p:sp>
         <p:nvSpPr>
-          <p:cNvPr id="151" name="PlaceHolder 2"/>
+          <p:cNvPr id="154" name="PlaceHolder 2"/>
           <p:cNvSpPr>
             <a:spLocks noGrp="1"/>
           </p:cNvSpPr>
@@ -6480,7 +7084,7 @@
       </p:sp>
       <p:sp>
         <p:nvSpPr>
-          <p:cNvPr id="152" name="PlaceHolder 3"/>
+          <p:cNvPr id="155" name="PlaceHolder 3"/>
           <p:cNvSpPr>
             <a:spLocks noGrp="1"/>
           </p:cNvSpPr>
@@ -6514,7 +7118,7 @@
       </p:sp>
       <p:sp>
         <p:nvSpPr>
-          <p:cNvPr id="153" name="PlaceHolder 4"/>
+          <p:cNvPr id="156" name="PlaceHolder 4"/>
           <p:cNvSpPr>
             <a:spLocks noGrp="1"/>
           </p:cNvSpPr>
@@ -6548,7 +7152,7 @@
       </p:sp>
       <p:sp>
         <p:nvSpPr>
-          <p:cNvPr id="154" name="PlaceHolder 5"/>
+          <p:cNvPr id="157" name="PlaceHolder 5"/>
           <p:cNvSpPr>
             <a:spLocks noGrp="1"/>
           </p:cNvSpPr>
@@ -6604,7 +7208,7 @@
       </p:grpSpPr>
       <p:sp>
         <p:nvSpPr>
-          <p:cNvPr id="155" name="PlaceHolder 1"/>
+          <p:cNvPr id="158" name="PlaceHolder 1"/>
           <p:cNvSpPr>
             <a:spLocks noGrp="1"/>
           </p:cNvSpPr>
@@ -6641,7 +7245,7 @@
       </p:sp>
       <p:sp>
         <p:nvSpPr>
-          <p:cNvPr id="156" name="PlaceHolder 2"/>
+          <p:cNvPr id="159" name="PlaceHolder 2"/>
           <p:cNvSpPr>
             <a:spLocks noGrp="1"/>
           </p:cNvSpPr>
@@ -6675,7 +7279,7 @@
       </p:sp>
       <p:sp>
         <p:nvSpPr>
-          <p:cNvPr id="157" name="PlaceHolder 3"/>
+          <p:cNvPr id="160" name="PlaceHolder 3"/>
           <p:cNvSpPr>
             <a:spLocks noGrp="1"/>
           </p:cNvSpPr>
@@ -6709,7 +7313,7 @@
       </p:sp>
       <p:sp>
         <p:nvSpPr>
-          <p:cNvPr id="158" name="PlaceHolder 4"/>
+          <p:cNvPr id="161" name="PlaceHolder 4"/>
           <p:cNvSpPr>
             <a:spLocks noGrp="1"/>
           </p:cNvSpPr>
@@ -6743,7 +7347,7 @@
       </p:sp>
       <p:sp>
         <p:nvSpPr>
-          <p:cNvPr id="159" name="PlaceHolder 5"/>
+          <p:cNvPr id="162" name="PlaceHolder 5"/>
           <p:cNvSpPr>
             <a:spLocks noGrp="1"/>
           </p:cNvSpPr>
@@ -6777,7 +7381,7 @@
       </p:sp>
       <p:sp>
         <p:nvSpPr>
-          <p:cNvPr id="160" name="PlaceHolder 6"/>
+          <p:cNvPr id="163" name="PlaceHolder 6"/>
           <p:cNvSpPr>
             <a:spLocks noGrp="1"/>
           </p:cNvSpPr>
@@ -6811,7 +7415,7 @@
       </p:sp>
       <p:sp>
         <p:nvSpPr>
-          <p:cNvPr id="161" name="PlaceHolder 7"/>
+          <p:cNvPr id="164" name="PlaceHolder 7"/>
           <p:cNvSpPr>
             <a:spLocks noGrp="1"/>
           </p:cNvSpPr>
@@ -6948,7 +7552,7 @@
       </p:grpSpPr>
       <p:sp>
         <p:nvSpPr>
-          <p:cNvPr id="168" name="PlaceHolder 1"/>
+          <p:cNvPr id="171" name="PlaceHolder 1"/>
           <p:cNvSpPr>
             <a:spLocks noGrp="1"/>
           </p:cNvSpPr>
@@ -6985,7 +7589,7 @@
       </p:sp>
       <p:sp>
         <p:nvSpPr>
-          <p:cNvPr id="169" name="PlaceHolder 2"/>
+          <p:cNvPr id="172" name="PlaceHolder 2"/>
           <p:cNvSpPr>
             <a:spLocks noGrp="1"/>
           </p:cNvSpPr>
@@ -7044,7 +7648,7 @@
       </p:grpSpPr>
       <p:sp>
         <p:nvSpPr>
-          <p:cNvPr id="170" name="PlaceHolder 1"/>
+          <p:cNvPr id="173" name="PlaceHolder 1"/>
           <p:cNvSpPr>
             <a:spLocks noGrp="1"/>
           </p:cNvSpPr>
@@ -7081,7 +7685,7 @@
       </p:sp>
       <p:sp>
         <p:nvSpPr>
-          <p:cNvPr id="171" name="PlaceHolder 2"/>
+          <p:cNvPr id="174" name="PlaceHolder 2"/>
           <p:cNvSpPr>
             <a:spLocks noGrp="1"/>
           </p:cNvSpPr>
@@ -7137,7 +7741,7 @@
       </p:grpSpPr>
       <p:sp>
         <p:nvSpPr>
-          <p:cNvPr id="172" name="PlaceHolder 1"/>
+          <p:cNvPr id="175" name="PlaceHolder 1"/>
           <p:cNvSpPr>
             <a:spLocks noGrp="1"/>
           </p:cNvSpPr>
@@ -7174,7 +7778,7 @@
       </p:sp>
       <p:sp>
         <p:nvSpPr>
-          <p:cNvPr id="173" name="PlaceHolder 2"/>
+          <p:cNvPr id="176" name="PlaceHolder 2"/>
           <p:cNvSpPr>
             <a:spLocks noGrp="1"/>
           </p:cNvSpPr>
@@ -7208,7 +7812,7 @@
       </p:sp>
       <p:sp>
         <p:nvSpPr>
-          <p:cNvPr id="174" name="PlaceHolder 3"/>
+          <p:cNvPr id="177" name="PlaceHolder 3"/>
           <p:cNvSpPr>
             <a:spLocks noGrp="1"/>
           </p:cNvSpPr>
@@ -7264,7 +7868,7 @@
       </p:grpSpPr>
       <p:sp>
         <p:nvSpPr>
-          <p:cNvPr id="175" name="PlaceHolder 1"/>
+          <p:cNvPr id="178" name="PlaceHolder 1"/>
           <p:cNvSpPr>
             <a:spLocks noGrp="1"/>
           </p:cNvSpPr>
@@ -7323,7 +7927,7 @@
       </p:grpSpPr>
       <p:sp>
         <p:nvSpPr>
-          <p:cNvPr id="176" name="PlaceHolder 1"/>
+          <p:cNvPr id="179" name="PlaceHolder 1"/>
           <p:cNvSpPr>
             <a:spLocks noGrp="1"/>
           </p:cNvSpPr>
@@ -7382,7 +7986,7 @@
       </p:grpSpPr>
       <p:sp>
         <p:nvSpPr>
-          <p:cNvPr id="177" name="PlaceHolder 1"/>
+          <p:cNvPr id="180" name="PlaceHolder 1"/>
           <p:cNvSpPr>
             <a:spLocks noGrp="1"/>
           </p:cNvSpPr>
@@ -7419,7 +8023,7 @@
       </p:sp>
       <p:sp>
         <p:nvSpPr>
-          <p:cNvPr id="178" name="PlaceHolder 2"/>
+          <p:cNvPr id="181" name="PlaceHolder 2"/>
           <p:cNvSpPr>
             <a:spLocks noGrp="1"/>
           </p:cNvSpPr>
@@ -7453,7 +8057,7 @@
       </p:sp>
       <p:sp>
         <p:nvSpPr>
-          <p:cNvPr id="179" name="PlaceHolder 3"/>
+          <p:cNvPr id="182" name="PlaceHolder 3"/>
           <p:cNvSpPr>
             <a:spLocks noGrp="1"/>
           </p:cNvSpPr>
@@ -7487,7 +8091,7 @@
       </p:sp>
       <p:sp>
         <p:nvSpPr>
-          <p:cNvPr id="180" name="PlaceHolder 4"/>
+          <p:cNvPr id="183" name="PlaceHolder 4"/>
           <p:cNvSpPr>
             <a:spLocks noGrp="1"/>
           </p:cNvSpPr>
@@ -7543,7 +8147,7 @@
       </p:grpSpPr>
       <p:sp>
         <p:nvSpPr>
-          <p:cNvPr id="181" name="PlaceHolder 1"/>
+          <p:cNvPr id="184" name="PlaceHolder 1"/>
           <p:cNvSpPr>
             <a:spLocks noGrp="1"/>
           </p:cNvSpPr>
@@ -7580,7 +8184,7 @@
       </p:sp>
       <p:sp>
         <p:nvSpPr>
-          <p:cNvPr id="182" name="PlaceHolder 2"/>
+          <p:cNvPr id="185" name="PlaceHolder 2"/>
           <p:cNvSpPr>
             <a:spLocks noGrp="1"/>
           </p:cNvSpPr>
@@ -7614,7 +8218,7 @@
       </p:sp>
       <p:sp>
         <p:nvSpPr>
-          <p:cNvPr id="183" name="PlaceHolder 3"/>
+          <p:cNvPr id="186" name="PlaceHolder 3"/>
           <p:cNvSpPr>
             <a:spLocks noGrp="1"/>
           </p:cNvSpPr>
@@ -7648,7 +8252,7 @@
       </p:sp>
       <p:sp>
         <p:nvSpPr>
-          <p:cNvPr id="184" name="PlaceHolder 4"/>
+          <p:cNvPr id="187" name="PlaceHolder 4"/>
           <p:cNvSpPr>
             <a:spLocks noGrp="1"/>
           </p:cNvSpPr>
@@ -7704,7 +8308,7 @@
       </p:grpSpPr>
       <p:sp>
         <p:nvSpPr>
-          <p:cNvPr id="185" name="PlaceHolder 1"/>
+          <p:cNvPr id="188" name="PlaceHolder 1"/>
           <p:cNvSpPr>
             <a:spLocks noGrp="1"/>
           </p:cNvSpPr>
@@ -7741,7 +8345,7 @@
       </p:sp>
       <p:sp>
         <p:nvSpPr>
-          <p:cNvPr id="186" name="PlaceHolder 2"/>
+          <p:cNvPr id="189" name="PlaceHolder 2"/>
           <p:cNvSpPr>
             <a:spLocks noGrp="1"/>
           </p:cNvSpPr>
@@ -7775,7 +8379,7 @@
       </p:sp>
       <p:sp>
         <p:nvSpPr>
-          <p:cNvPr id="187" name="PlaceHolder 3"/>
+          <p:cNvPr id="190" name="PlaceHolder 3"/>
           <p:cNvSpPr>
             <a:spLocks noGrp="1"/>
           </p:cNvSpPr>
@@ -7809,7 +8413,7 @@
       </p:sp>
       <p:sp>
         <p:nvSpPr>
-          <p:cNvPr id="188" name="PlaceHolder 4"/>
+          <p:cNvPr id="191" name="PlaceHolder 4"/>
           <p:cNvSpPr>
             <a:spLocks noGrp="1"/>
           </p:cNvSpPr>
@@ -7865,7 +8469,7 @@
       </p:grpSpPr>
       <p:sp>
         <p:nvSpPr>
-          <p:cNvPr id="189" name="PlaceHolder 1"/>
+          <p:cNvPr id="192" name="PlaceHolder 1"/>
           <p:cNvSpPr>
             <a:spLocks noGrp="1"/>
           </p:cNvSpPr>
@@ -7902,7 +8506,7 @@
       </p:sp>
       <p:sp>
         <p:nvSpPr>
-          <p:cNvPr id="190" name="PlaceHolder 2"/>
+          <p:cNvPr id="193" name="PlaceHolder 2"/>
           <p:cNvSpPr>
             <a:spLocks noGrp="1"/>
           </p:cNvSpPr>
@@ -7936,7 +8540,7 @@
       </p:sp>
       <p:sp>
         <p:nvSpPr>
-          <p:cNvPr id="191" name="PlaceHolder 3"/>
+          <p:cNvPr id="194" name="PlaceHolder 3"/>
           <p:cNvSpPr>
             <a:spLocks noGrp="1"/>
           </p:cNvSpPr>
@@ -7992,7 +8596,7 @@
       </p:grpSpPr>
       <p:sp>
         <p:nvSpPr>
-          <p:cNvPr id="192" name="PlaceHolder 1"/>
+          <p:cNvPr id="195" name="PlaceHolder 1"/>
           <p:cNvSpPr>
             <a:spLocks noGrp="1"/>
           </p:cNvSpPr>
@@ -8029,7 +8633,7 @@
       </p:sp>
       <p:sp>
         <p:nvSpPr>
-          <p:cNvPr id="193" name="PlaceHolder 2"/>
+          <p:cNvPr id="196" name="PlaceHolder 2"/>
           <p:cNvSpPr>
             <a:spLocks noGrp="1"/>
           </p:cNvSpPr>
@@ -8063,7 +8667,7 @@
       </p:sp>
       <p:sp>
         <p:nvSpPr>
-          <p:cNvPr id="194" name="PlaceHolder 3"/>
+          <p:cNvPr id="197" name="PlaceHolder 3"/>
           <p:cNvSpPr>
             <a:spLocks noGrp="1"/>
           </p:cNvSpPr>
@@ -8097,7 +8701,7 @@
       </p:sp>
       <p:sp>
         <p:nvSpPr>
-          <p:cNvPr id="195" name="PlaceHolder 4"/>
+          <p:cNvPr id="198" name="PlaceHolder 4"/>
           <p:cNvSpPr>
             <a:spLocks noGrp="1"/>
           </p:cNvSpPr>
@@ -8131,7 +8735,7 @@
       </p:sp>
       <p:sp>
         <p:nvSpPr>
-          <p:cNvPr id="196" name="PlaceHolder 5"/>
+          <p:cNvPr id="199" name="PlaceHolder 5"/>
           <p:cNvSpPr>
             <a:spLocks noGrp="1"/>
           </p:cNvSpPr>
@@ -8246,7 +8850,7 @@
       </p:grpSpPr>
       <p:sp>
         <p:nvSpPr>
-          <p:cNvPr id="197" name="PlaceHolder 1"/>
+          <p:cNvPr id="200" name="PlaceHolder 1"/>
           <p:cNvSpPr>
             <a:spLocks noGrp="1"/>
           </p:cNvSpPr>
@@ -8283,7 +8887,7 @@
       </p:sp>
       <p:sp>
         <p:nvSpPr>
-          <p:cNvPr id="198" name="PlaceHolder 2"/>
+          <p:cNvPr id="201" name="PlaceHolder 2"/>
           <p:cNvSpPr>
             <a:spLocks noGrp="1"/>
           </p:cNvSpPr>
@@ -8317,7 +8921,7 @@
       </p:sp>
       <p:sp>
         <p:nvSpPr>
-          <p:cNvPr id="199" name="PlaceHolder 3"/>
+          <p:cNvPr id="202" name="PlaceHolder 3"/>
           <p:cNvSpPr>
             <a:spLocks noGrp="1"/>
           </p:cNvSpPr>
@@ -8351,7 +8955,7 @@
       </p:sp>
       <p:sp>
         <p:nvSpPr>
-          <p:cNvPr id="200" name="PlaceHolder 4"/>
+          <p:cNvPr id="203" name="PlaceHolder 4"/>
           <p:cNvSpPr>
             <a:spLocks noGrp="1"/>
           </p:cNvSpPr>
@@ -8385,7 +8989,7 @@
       </p:sp>
       <p:sp>
         <p:nvSpPr>
-          <p:cNvPr id="201" name="PlaceHolder 5"/>
+          <p:cNvPr id="204" name="PlaceHolder 5"/>
           <p:cNvSpPr>
             <a:spLocks noGrp="1"/>
           </p:cNvSpPr>
@@ -8419,7 +9023,7 @@
       </p:sp>
       <p:sp>
         <p:nvSpPr>
-          <p:cNvPr id="202" name="PlaceHolder 6"/>
+          <p:cNvPr id="205" name="PlaceHolder 6"/>
           <p:cNvSpPr>
             <a:spLocks noGrp="1"/>
           </p:cNvSpPr>
@@ -8453,7 +9057,7 @@
       </p:sp>
       <p:sp>
         <p:nvSpPr>
-          <p:cNvPr id="203" name="PlaceHolder 7"/>
+          <p:cNvPr id="206" name="PlaceHolder 7"/>
           <p:cNvSpPr>
             <a:spLocks noGrp="1"/>
           </p:cNvSpPr>
@@ -9006,7 +9610,7 @@
         <p:spPr>
           <a:xfrm>
             <a:off x="0" y="3150000"/>
-            <a:ext cx="9715320" cy="1255320"/>
+            <a:ext cx="9714960" cy="1254960"/>
           </a:xfrm>
           <a:prstGeom prst="rect">
             <a:avLst/>
@@ -9304,7 +9908,7 @@
         <p:spPr>
           <a:xfrm>
             <a:off x="0" y="180000"/>
-            <a:ext cx="9715320" cy="1255320"/>
+            <a:ext cx="9714960" cy="1254960"/>
           </a:xfrm>
           <a:prstGeom prst="rect">
             <a:avLst/>
@@ -9332,7 +9936,7 @@
         <p:spPr>
           <a:xfrm>
             <a:off x="7560000" y="6840000"/>
-            <a:ext cx="2515320" cy="535320"/>
+            <a:ext cx="2514960" cy="534960"/>
           </a:xfrm>
           <a:prstGeom prst="rect">
             <a:avLst/>
@@ -9360,7 +9964,7 @@
         <p:spPr>
           <a:xfrm>
             <a:off x="900000" y="6840000"/>
-            <a:ext cx="6475320" cy="535320"/>
+            <a:ext cx="6474960" cy="534960"/>
           </a:xfrm>
           <a:prstGeom prst="rect">
             <a:avLst/>
@@ -9388,7 +9992,7 @@
         <p:spPr>
           <a:xfrm>
             <a:off x="180000" y="6840000"/>
-            <a:ext cx="535320" cy="535320"/>
+            <a:ext cx="534960" cy="534960"/>
           </a:xfrm>
           <a:prstGeom prst="rect">
             <a:avLst/>
@@ -9440,85 +10044,7 @@
               <a:rPr b="0" lang="pt-BR" sz="4400" spc="-1" strike="noStrike">
                 <a:latin typeface="Arial"/>
               </a:rPr>
-              <a:t>Cli</a:t>
-            </a:r>
-            <a:r>
-              <a:rPr b="0" lang="pt-BR" sz="4400" spc="-1" strike="noStrike">
-                <a:latin typeface="Arial"/>
-              </a:rPr>
-              <a:t>ck </a:t>
-            </a:r>
-            <a:r>
-              <a:rPr b="0" lang="pt-BR" sz="4400" spc="-1" strike="noStrike">
-                <a:latin typeface="Arial"/>
-              </a:rPr>
-              <a:t>to </a:t>
-            </a:r>
-            <a:r>
-              <a:rPr b="0" lang="pt-BR" sz="4400" spc="-1" strike="noStrike">
-                <a:latin typeface="Arial"/>
-              </a:rPr>
-              <a:t>ed</a:t>
-            </a:r>
-            <a:r>
-              <a:rPr b="0" lang="pt-BR" sz="4400" spc="-1" strike="noStrike">
-                <a:latin typeface="Arial"/>
-              </a:rPr>
-              <a:t>it </a:t>
-            </a:r>
-            <a:r>
-              <a:rPr b="0" lang="pt-BR" sz="4400" spc="-1" strike="noStrike">
-                <a:latin typeface="Arial"/>
-              </a:rPr>
-              <a:t>th</a:t>
-            </a:r>
-            <a:r>
-              <a:rPr b="0" lang="pt-BR" sz="4400" spc="-1" strike="noStrike">
-                <a:latin typeface="Arial"/>
-              </a:rPr>
-              <a:t>e </a:t>
-            </a:r>
-            <a:r>
-              <a:rPr b="0" lang="pt-BR" sz="4400" spc="-1" strike="noStrike">
-                <a:latin typeface="Arial"/>
-              </a:rPr>
-              <a:t>titl</a:t>
-            </a:r>
-            <a:r>
-              <a:rPr b="0" lang="pt-BR" sz="4400" spc="-1" strike="noStrike">
-                <a:latin typeface="Arial"/>
-              </a:rPr>
-              <a:t>e </a:t>
-            </a:r>
-            <a:r>
-              <a:rPr b="0" lang="pt-BR" sz="4400" spc="-1" strike="noStrike">
-                <a:latin typeface="Arial"/>
-              </a:rPr>
-              <a:t>te</a:t>
-            </a:r>
-            <a:r>
-              <a:rPr b="0" lang="pt-BR" sz="4400" spc="-1" strike="noStrike">
-                <a:latin typeface="Arial"/>
-              </a:rPr>
-              <a:t>xt </a:t>
-            </a:r>
-            <a:r>
-              <a:rPr b="0" lang="pt-BR" sz="4400" spc="-1" strike="noStrike">
-                <a:latin typeface="Arial"/>
-              </a:rPr>
-              <a:t>for</a:t>
-            </a:r>
-            <a:r>
-              <a:rPr b="0" lang="pt-BR" sz="4400" spc="-1" strike="noStrike">
-                <a:latin typeface="Arial"/>
-              </a:rPr>
-              <a:t>m</a:t>
-            </a:r>
-            <a:r>
-              <a:rPr b="0" lang="pt-BR" sz="4400" spc="-1" strike="noStrike">
-                <a:latin typeface="Arial"/>
-              </a:rPr>
-              <a:t>at</a:t>
+              <a:t>Click to edit the title text format</a:t>
             </a:r>
             <a:endParaRPr b="0" lang="pt-BR" sz="4400" spc="-1" strike="noStrike">
               <a:latin typeface="Arial"/>
@@ -9762,7 +10288,7 @@
         <p:spPr>
           <a:xfrm>
             <a:off x="0" y="180000"/>
-            <a:ext cx="9708840" cy="1248840"/>
+            <a:ext cx="9708480" cy="1248480"/>
           </a:xfrm>
           <a:prstGeom prst="rect">
             <a:avLst/>
@@ -9790,7 +10316,7 @@
         <p:spPr>
           <a:xfrm>
             <a:off x="7560000" y="6840000"/>
-            <a:ext cx="2508840" cy="528840"/>
+            <a:ext cx="2508480" cy="528480"/>
           </a:xfrm>
           <a:prstGeom prst="rect">
             <a:avLst/>
@@ -9818,7 +10344,7 @@
         <p:spPr>
           <a:xfrm>
             <a:off x="900000" y="6840000"/>
-            <a:ext cx="6468840" cy="528840"/>
+            <a:ext cx="6468480" cy="528480"/>
           </a:xfrm>
           <a:prstGeom prst="rect">
             <a:avLst/>
@@ -9846,7 +10372,7 @@
         <p:spPr>
           <a:xfrm>
             <a:off x="180000" y="6840000"/>
-            <a:ext cx="528840" cy="528840"/>
+            <a:ext cx="528480" cy="528480"/>
           </a:xfrm>
           <a:prstGeom prst="rect">
             <a:avLst/>
@@ -9898,85 +10424,7 @@
               <a:rPr b="0" lang="pt-BR" sz="4400" spc="-1" strike="noStrike">
                 <a:latin typeface="Arial"/>
               </a:rPr>
-              <a:t>Cli</a:t>
-            </a:r>
-            <a:r>
-              <a:rPr b="0" lang="pt-BR" sz="4400" spc="-1" strike="noStrike">
-                <a:latin typeface="Arial"/>
-              </a:rPr>
-              <a:t>ck </a:t>
-            </a:r>
-            <a:r>
-              <a:rPr b="0" lang="pt-BR" sz="4400" spc="-1" strike="noStrike">
-                <a:latin typeface="Arial"/>
-              </a:rPr>
-              <a:t>to </a:t>
-            </a:r>
-            <a:r>
-              <a:rPr b="0" lang="pt-BR" sz="4400" spc="-1" strike="noStrike">
-                <a:latin typeface="Arial"/>
-              </a:rPr>
-              <a:t>ed</a:t>
-            </a:r>
-            <a:r>
-              <a:rPr b="0" lang="pt-BR" sz="4400" spc="-1" strike="noStrike">
-                <a:latin typeface="Arial"/>
-              </a:rPr>
-              <a:t>it </a:t>
-            </a:r>
-            <a:r>
-              <a:rPr b="0" lang="pt-BR" sz="4400" spc="-1" strike="noStrike">
-                <a:latin typeface="Arial"/>
-              </a:rPr>
-              <a:t>th</a:t>
-            </a:r>
-            <a:r>
-              <a:rPr b="0" lang="pt-BR" sz="4400" spc="-1" strike="noStrike">
-                <a:latin typeface="Arial"/>
-              </a:rPr>
-              <a:t>e </a:t>
-            </a:r>
-            <a:r>
-              <a:rPr b="0" lang="pt-BR" sz="4400" spc="-1" strike="noStrike">
-                <a:latin typeface="Arial"/>
-              </a:rPr>
-              <a:t>titl</a:t>
-            </a:r>
-            <a:r>
-              <a:rPr b="0" lang="pt-BR" sz="4400" spc="-1" strike="noStrike">
-                <a:latin typeface="Arial"/>
-              </a:rPr>
-              <a:t>e </a:t>
-            </a:r>
-            <a:r>
-              <a:rPr b="0" lang="pt-BR" sz="4400" spc="-1" strike="noStrike">
-                <a:latin typeface="Arial"/>
-              </a:rPr>
-              <a:t>te</a:t>
-            </a:r>
-            <a:r>
-              <a:rPr b="0" lang="pt-BR" sz="4400" spc="-1" strike="noStrike">
-                <a:latin typeface="Arial"/>
-              </a:rPr>
-              <a:t>xt </a:t>
-            </a:r>
-            <a:r>
-              <a:rPr b="0" lang="pt-BR" sz="4400" spc="-1" strike="noStrike">
-                <a:latin typeface="Arial"/>
-              </a:rPr>
-              <a:t>for</a:t>
-            </a:r>
-            <a:r>
-              <a:rPr b="0" lang="pt-BR" sz="4400" spc="-1" strike="noStrike">
-                <a:latin typeface="Arial"/>
-              </a:rPr>
-              <a:t>m</a:t>
-            </a:r>
-            <a:r>
-              <a:rPr b="0" lang="pt-BR" sz="4400" spc="-1" strike="noStrike">
-                <a:latin typeface="Arial"/>
-              </a:rPr>
-              <a:t>at</a:t>
+              <a:t>Click to edit the title text format</a:t>
             </a:r>
             <a:endParaRPr b="0" lang="pt-BR" sz="4400" spc="-1" strike="noStrike">
               <a:latin typeface="Arial"/>
@@ -10219,8 +10667,8 @@
         </p:nvSpPr>
         <p:spPr>
           <a:xfrm>
-            <a:off x="0" y="3150000"/>
-            <a:ext cx="9715320" cy="1255320"/>
+            <a:off x="0" y="180000"/>
+            <a:ext cx="9708480" cy="1248480"/>
           </a:xfrm>
           <a:prstGeom prst="rect">
             <a:avLst/>
@@ -10228,7 +10676,7 @@
           <a:solidFill>
             <a:srgbClr val="e74c3c"/>
           </a:solidFill>
-          <a:ln w="0">
+          <a:ln w="72000">
             <a:noFill/>
           </a:ln>
         </p:spPr>
@@ -10241,7 +10689,89 @@
       </p:sp>
       <p:sp>
         <p:nvSpPr>
-          <p:cNvPr id="124" name="PlaceHolder 1"/>
+          <p:cNvPr id="124" name="CustomShape 2"/>
+          <p:cNvSpPr/>
+          <p:nvPr/>
+        </p:nvSpPr>
+        <p:spPr>
+          <a:xfrm>
+            <a:off x="7560000" y="6840000"/>
+            <a:ext cx="2508480" cy="528480"/>
+          </a:xfrm>
+          <a:prstGeom prst="rect">
+            <a:avLst/>
+          </a:prstGeom>
+          <a:solidFill>
+            <a:srgbClr val="e74c3c"/>
+          </a:solidFill>
+          <a:ln w="72000">
+            <a:noFill/>
+          </a:ln>
+        </p:spPr>
+        <p:style>
+          <a:lnRef idx="0"/>
+          <a:fillRef idx="0"/>
+          <a:effectRef idx="0"/>
+          <a:fontRef idx="minor"/>
+        </p:style>
+      </p:sp>
+      <p:sp>
+        <p:nvSpPr>
+          <p:cNvPr id="125" name="CustomShape 3"/>
+          <p:cNvSpPr/>
+          <p:nvPr/>
+        </p:nvSpPr>
+        <p:spPr>
+          <a:xfrm>
+            <a:off x="900000" y="6840000"/>
+            <a:ext cx="6468480" cy="528480"/>
+          </a:xfrm>
+          <a:prstGeom prst="rect">
+            <a:avLst/>
+          </a:prstGeom>
+          <a:solidFill>
+            <a:srgbClr val="bdc3c7"/>
+          </a:solidFill>
+          <a:ln w="72000">
+            <a:noFill/>
+          </a:ln>
+        </p:spPr>
+        <p:style>
+          <a:lnRef idx="0"/>
+          <a:fillRef idx="0"/>
+          <a:effectRef idx="0"/>
+          <a:fontRef idx="minor"/>
+        </p:style>
+      </p:sp>
+      <p:sp>
+        <p:nvSpPr>
+          <p:cNvPr id="126" name="CustomShape 4"/>
+          <p:cNvSpPr/>
+          <p:nvPr/>
+        </p:nvSpPr>
+        <p:spPr>
+          <a:xfrm>
+            <a:off x="180000" y="6840000"/>
+            <a:ext cx="528480" cy="528480"/>
+          </a:xfrm>
+          <a:prstGeom prst="rect">
+            <a:avLst/>
+          </a:prstGeom>
+          <a:noFill/>
+          <a:ln w="72000">
+            <a:noFill/>
+          </a:ln>
+        </p:spPr>
+        <p:style>
+          <a:lnRef idx="0"/>
+          <a:fillRef idx="0"/>
+          <a:effectRef idx="0"/>
+          <a:fontRef idx="minor"/>
+        </p:style>
+      </p:sp>
+      <p:sp>
+        <p:nvSpPr>
+          <p:cNvPr id="127" name="PlaceHolder 1"/>
           <p:cNvSpPr>
             <a:spLocks noGrp="1"/>
           </p:cNvSpPr>
@@ -10274,85 +10804,7 @@
               <a:rPr b="0" lang="pt-BR" sz="4400" spc="-1" strike="noStrike">
                 <a:latin typeface="Arial"/>
               </a:rPr>
-              <a:t>Cli</a:t>
-            </a:r>
-            <a:r>
-              <a:rPr b="0" lang="pt-BR" sz="4400" spc="-1" strike="noStrike">
-                <a:latin typeface="Arial"/>
-              </a:rPr>
-              <a:t>ck </a:t>
-            </a:r>
-            <a:r>
-              <a:rPr b="0" lang="pt-BR" sz="4400" spc="-1" strike="noStrike">
-                <a:latin typeface="Arial"/>
-              </a:rPr>
-              <a:t>to </a:t>
-            </a:r>
-            <a:r>
-              <a:rPr b="0" lang="pt-BR" sz="4400" spc="-1" strike="noStrike">
-                <a:latin typeface="Arial"/>
-              </a:rPr>
-              <a:t>ed</a:t>
-            </a:r>
-            <a:r>
-              <a:rPr b="0" lang="pt-BR" sz="4400" spc="-1" strike="noStrike">
-                <a:latin typeface="Arial"/>
-              </a:rPr>
-              <a:t>it </a:t>
-            </a:r>
-            <a:r>
-              <a:rPr b="0" lang="pt-BR" sz="4400" spc="-1" strike="noStrike">
-                <a:latin typeface="Arial"/>
-              </a:rPr>
-              <a:t>th</a:t>
-            </a:r>
-            <a:r>
-              <a:rPr b="0" lang="pt-BR" sz="4400" spc="-1" strike="noStrike">
-                <a:latin typeface="Arial"/>
-              </a:rPr>
-              <a:t>e </a:t>
-            </a:r>
-            <a:r>
-              <a:rPr b="0" lang="pt-BR" sz="4400" spc="-1" strike="noStrike">
-                <a:latin typeface="Arial"/>
-              </a:rPr>
-              <a:t>titl</a:t>
-            </a:r>
-            <a:r>
-              <a:rPr b="0" lang="pt-BR" sz="4400" spc="-1" strike="noStrike">
-                <a:latin typeface="Arial"/>
-              </a:rPr>
-              <a:t>e </a:t>
-            </a:r>
-            <a:r>
-              <a:rPr b="0" lang="pt-BR" sz="4400" spc="-1" strike="noStrike">
-                <a:latin typeface="Arial"/>
-              </a:rPr>
-              <a:t>te</a:t>
-            </a:r>
-            <a:r>
-              <a:rPr b="0" lang="pt-BR" sz="4400" spc="-1" strike="noStrike">
-                <a:latin typeface="Arial"/>
-              </a:rPr>
-              <a:t>xt </a:t>
-            </a:r>
-            <a:r>
-              <a:rPr b="0" lang="pt-BR" sz="4400" spc="-1" strike="noStrike">
-                <a:latin typeface="Arial"/>
-              </a:rPr>
-              <a:t>for</a:t>
-            </a:r>
-            <a:r>
-              <a:rPr b="0" lang="pt-BR" sz="4400" spc="-1" strike="noStrike">
-                <a:latin typeface="Arial"/>
-              </a:rPr>
-              <a:t>m</a:t>
-            </a:r>
-            <a:r>
-              <a:rPr b="0" lang="pt-BR" sz="4400" spc="-1" strike="noStrike">
-                <a:latin typeface="Arial"/>
-              </a:rPr>
-              <a:t>at</a:t>
+              <a:t>Click to edit the title text format</a:t>
             </a:r>
             <a:endParaRPr b="0" lang="pt-BR" sz="4400" spc="-1" strike="noStrike">
               <a:latin typeface="Arial"/>
@@ -10362,7 +10814,7 @@
       </p:sp>
       <p:sp>
         <p:nvSpPr>
-          <p:cNvPr id="125" name="PlaceHolder 2"/>
+          <p:cNvPr id="128" name="PlaceHolder 2"/>
           <p:cNvSpPr>
             <a:spLocks noGrp="1"/>
           </p:cNvSpPr>
@@ -10589,14 +11041,14 @@
       </p:grpSpPr>
       <p:sp>
         <p:nvSpPr>
-          <p:cNvPr id="162" name="CustomShape 1"/>
+          <p:cNvPr id="165" name="CustomShape 1"/>
           <p:cNvSpPr/>
           <p:nvPr/>
         </p:nvSpPr>
         <p:spPr>
           <a:xfrm>
             <a:off x="0" y="180000"/>
-            <a:ext cx="9708840" cy="1248840"/>
+            <a:ext cx="9708480" cy="1248480"/>
           </a:xfrm>
           <a:prstGeom prst="rect">
             <a:avLst/>
@@ -10617,14 +11069,14 @@
       </p:sp>
       <p:sp>
         <p:nvSpPr>
-          <p:cNvPr id="163" name="CustomShape 2"/>
+          <p:cNvPr id="166" name="CustomShape 2"/>
           <p:cNvSpPr/>
           <p:nvPr/>
         </p:nvSpPr>
         <p:spPr>
           <a:xfrm>
             <a:off x="7560000" y="6840000"/>
-            <a:ext cx="2508840" cy="528840"/>
+            <a:ext cx="2508480" cy="528480"/>
           </a:xfrm>
           <a:prstGeom prst="rect">
             <a:avLst/>
@@ -10645,14 +11097,14 @@
       </p:sp>
       <p:sp>
         <p:nvSpPr>
-          <p:cNvPr id="164" name="CustomShape 3"/>
+          <p:cNvPr id="167" name="CustomShape 3"/>
           <p:cNvSpPr/>
           <p:nvPr/>
         </p:nvSpPr>
         <p:spPr>
           <a:xfrm>
             <a:off x="900000" y="6840000"/>
-            <a:ext cx="6468840" cy="528840"/>
+            <a:ext cx="6468480" cy="528480"/>
           </a:xfrm>
           <a:prstGeom prst="rect">
             <a:avLst/>
@@ -10673,14 +11125,14 @@
       </p:sp>
       <p:sp>
         <p:nvSpPr>
-          <p:cNvPr id="165" name="CustomShape 4"/>
+          <p:cNvPr id="168" name="CustomShape 4"/>
           <p:cNvSpPr/>
           <p:nvPr/>
         </p:nvSpPr>
         <p:spPr>
           <a:xfrm>
             <a:off x="180000" y="6840000"/>
-            <a:ext cx="528840" cy="528840"/>
+            <a:ext cx="528480" cy="528480"/>
           </a:xfrm>
           <a:prstGeom prst="rect">
             <a:avLst/>
@@ -10699,7 +11151,7 @@
       </p:sp>
       <p:sp>
         <p:nvSpPr>
-          <p:cNvPr id="166" name="PlaceHolder 1"/>
+          <p:cNvPr id="169" name="PlaceHolder 1"/>
           <p:cNvSpPr>
             <a:spLocks noGrp="1"/>
           </p:cNvSpPr>
@@ -10732,85 +11184,7 @@
               <a:rPr b="0" lang="pt-BR" sz="4400" spc="-1" strike="noStrike">
                 <a:latin typeface="Arial"/>
               </a:rPr>
-              <a:t>Cli</a:t>
-            </a:r>
-            <a:r>
-              <a:rPr b="0" lang="pt-BR" sz="4400" spc="-1" strike="noStrike">
-                <a:latin typeface="Arial"/>
-              </a:rPr>
-              <a:t>ck </a:t>
-            </a:r>
-            <a:r>
-              <a:rPr b="0" lang="pt-BR" sz="4400" spc="-1" strike="noStrike">
-                <a:latin typeface="Arial"/>
-              </a:rPr>
-              <a:t>to </a:t>
-            </a:r>
-            <a:r>
-              <a:rPr b="0" lang="pt-BR" sz="4400" spc="-1" strike="noStrike">
-                <a:latin typeface="Arial"/>
-              </a:rPr>
-              <a:t>ed</a:t>
-            </a:r>
-            <a:r>
-              <a:rPr b="0" lang="pt-BR" sz="4400" spc="-1" strike="noStrike">
-                <a:latin typeface="Arial"/>
-              </a:rPr>
-              <a:t>it </a:t>
-            </a:r>
-            <a:r>
-              <a:rPr b="0" lang="pt-BR" sz="4400" spc="-1" strike="noStrike">
-                <a:latin typeface="Arial"/>
-              </a:rPr>
-              <a:t>th</a:t>
-            </a:r>
-            <a:r>
-              <a:rPr b="0" lang="pt-BR" sz="4400" spc="-1" strike="noStrike">
-                <a:latin typeface="Arial"/>
-              </a:rPr>
-              <a:t>e </a:t>
-            </a:r>
-            <a:r>
-              <a:rPr b="0" lang="pt-BR" sz="4400" spc="-1" strike="noStrike">
-                <a:latin typeface="Arial"/>
-              </a:rPr>
-              <a:t>titl</a:t>
-            </a:r>
-            <a:r>
-              <a:rPr b="0" lang="pt-BR" sz="4400" spc="-1" strike="noStrike">
-                <a:latin typeface="Arial"/>
-              </a:rPr>
-              <a:t>e </a:t>
-            </a:r>
-            <a:r>
-              <a:rPr b="0" lang="pt-BR" sz="4400" spc="-1" strike="noStrike">
-                <a:latin typeface="Arial"/>
-              </a:rPr>
-              <a:t>te</a:t>
-            </a:r>
-            <a:r>
-              <a:rPr b="0" lang="pt-BR" sz="4400" spc="-1" strike="noStrike">
-                <a:latin typeface="Arial"/>
-              </a:rPr>
-              <a:t>xt </a:t>
-            </a:r>
-            <a:r>
-              <a:rPr b="0" lang="pt-BR" sz="4400" spc="-1" strike="noStrike">
-                <a:latin typeface="Arial"/>
-              </a:rPr>
-              <a:t>for</a:t>
-            </a:r>
-            <a:r>
-              <a:rPr b="0" lang="pt-BR" sz="4400" spc="-1" strike="noStrike">
-                <a:latin typeface="Arial"/>
-              </a:rPr>
-              <a:t>m</a:t>
-            </a:r>
-            <a:r>
-              <a:rPr b="0" lang="pt-BR" sz="4400" spc="-1" strike="noStrike">
-                <a:latin typeface="Arial"/>
-              </a:rPr>
-              <a:t>at</a:t>
+              <a:t>Click to edit the title text format</a:t>
             </a:r>
             <a:endParaRPr b="0" lang="pt-BR" sz="4400" spc="-1" strike="noStrike">
               <a:latin typeface="Arial"/>
@@ -10820,7 +11194,7 @@
       </p:sp>
       <p:sp>
         <p:nvSpPr>
-          <p:cNvPr id="167" name="PlaceHolder 2"/>
+          <p:cNvPr id="170" name="PlaceHolder 2"/>
           <p:cNvSpPr>
             <a:spLocks noGrp="1"/>
           </p:cNvSpPr>
@@ -11040,14 +11414,14 @@
       </p:grpSpPr>
       <p:sp>
         <p:nvSpPr>
-          <p:cNvPr id="210" name="CustomShape 1"/>
+          <p:cNvPr id="213" name="CustomShape 1"/>
           <p:cNvSpPr/>
           <p:nvPr/>
         </p:nvSpPr>
         <p:spPr>
           <a:xfrm>
             <a:off x="360000" y="3330000"/>
-            <a:ext cx="9355320" cy="895320"/>
+            <a:ext cx="9354960" cy="894960"/>
           </a:xfrm>
           <a:prstGeom prst="rect">
             <a:avLst/>
@@ -11092,14 +11466,14 @@
       </p:sp>
       <p:sp>
         <p:nvSpPr>
-          <p:cNvPr id="211" name="CustomShape 2"/>
+          <p:cNvPr id="214" name="CustomShape 2"/>
           <p:cNvSpPr/>
           <p:nvPr/>
         </p:nvSpPr>
         <p:spPr>
           <a:xfrm>
             <a:off x="540000" y="4680000"/>
-            <a:ext cx="9175320" cy="2515320"/>
+            <a:ext cx="9174960" cy="2514960"/>
           </a:xfrm>
           <a:prstGeom prst="rect">
             <a:avLst/>
@@ -11294,6 +11668,2428 @@
               <a:buNone/>
             </a:pPr>
             <a:endParaRPr b="0" lang="pt-BR" sz="2200" spc="-1" strike="noStrike">
+              <a:latin typeface="Arial"/>
+            </a:endParaRPr>
+          </a:p>
+        </p:txBody>
+      </p:sp>
+    </p:spTree>
+  </p:cSld>
+  <mc:AlternateContent>
+    <mc:Choice Requires="p14">
+      <p:transition spd="slow" p14:dur="2000"/>
+    </mc:Choice>
+    <mc:Fallback>
+      <p:transition spd="slow"/>
+    </mc:Fallback>
+  </mc:AlternateContent>
+</p:sld>
+</file>
+
+<file path=ppt/slides/slide10.xml><?xml version="1.0" encoding="utf-8"?>
+<p:sld xmlns:a="http://schemas.openxmlformats.org/drawingml/2006/main" xmlns:p="http://schemas.openxmlformats.org/presentationml/2006/main" xmlns:r="http://schemas.openxmlformats.org/officeDocument/2006/relationships" xmlns:p14="http://schemas.microsoft.com/office/powerpoint/2010/main" xmlns:p15="http://schemas.microsoft.com/office/powerpoint/2012/main" xmlns:mc="http://schemas.openxmlformats.org/markup-compatibility/2006">
+  <p:cSld>
+    <p:spTree>
+      <p:nvGrpSpPr>
+        <p:cNvPr id="1" name=""/>
+        <p:cNvGrpSpPr/>
+        <p:nvPr/>
+      </p:nvGrpSpPr>
+      <p:grpSpPr>
+        <a:xfrm>
+          <a:off x="0" y="0"/>
+          <a:ext cx="0" cy="0"/>
+          <a:chOff x="0" y="0"/>
+          <a:chExt cx="0" cy="0"/>
+        </a:xfrm>
+      </p:grpSpPr>
+      <p:sp>
+        <p:nvSpPr>
+          <p:cNvPr id="266" name="CustomShape 49"/>
+          <p:cNvSpPr/>
+          <p:nvPr/>
+        </p:nvSpPr>
+        <p:spPr>
+          <a:xfrm>
+            <a:off x="360000" y="360000"/>
+            <a:ext cx="9348480" cy="888480"/>
+          </a:xfrm>
+          <a:prstGeom prst="rect">
+            <a:avLst/>
+          </a:prstGeom>
+          <a:noFill/>
+          <a:ln w="0">
+            <a:noFill/>
+          </a:ln>
+        </p:spPr>
+        <p:style>
+          <a:lnRef idx="0"/>
+          <a:fillRef idx="0"/>
+          <a:effectRef idx="0"/>
+          <a:fontRef idx="minor"/>
+        </p:style>
+        <p:txBody>
+          <a:bodyPr lIns="0" rIns="0" tIns="0" bIns="0" anchor="b">
+            <a:noAutofit/>
+          </a:bodyPr>
+          <a:p>
+            <a:pPr>
+              <a:lnSpc>
+                <a:spcPct val="100000"/>
+              </a:lnSpc>
+              <a:buNone/>
+            </a:pPr>
+            <a:r>
+              <a:rPr b="1" lang="pt-BR" sz="2600" spc="-1" strike="noStrike">
+                <a:solidFill>
+                  <a:srgbClr val="ffffff"/>
+                </a:solidFill>
+                <a:latin typeface="Source Sans Pro Black"/>
+                <a:ea typeface="DejaVu Sans"/>
+              </a:rPr>
+              <a:t>Outras métricas</a:t>
+            </a:r>
+            <a:endParaRPr b="0" lang="pt-BR" sz="2600" spc="-1" strike="noStrike">
+              <a:latin typeface="Arial"/>
+            </a:endParaRPr>
+          </a:p>
+        </p:txBody>
+      </p:sp>
+      <p:sp>
+        <p:nvSpPr>
+          <p:cNvPr id="267" name="CustomShape 50"/>
+          <p:cNvSpPr/>
+          <p:nvPr/>
+        </p:nvSpPr>
+        <p:spPr>
+          <a:xfrm>
+            <a:off x="360000" y="1447920"/>
+            <a:ext cx="9168480" cy="4668480"/>
+          </a:xfrm>
+          <a:prstGeom prst="rect">
+            <a:avLst/>
+          </a:prstGeom>
+          <a:noFill/>
+          <a:ln w="0">
+            <a:noFill/>
+          </a:ln>
+        </p:spPr>
+        <p:style>
+          <a:lnRef idx="0"/>
+          <a:fillRef idx="0"/>
+          <a:effectRef idx="0"/>
+          <a:fontRef idx="minor"/>
+        </p:style>
+        <p:txBody>
+          <a:bodyPr lIns="0" rIns="0" tIns="0" bIns="0" anchor="t">
+            <a:normAutofit/>
+          </a:bodyPr>
+          <a:p>
+            <a:pPr>
+              <a:lnSpc>
+                <a:spcPct val="100000"/>
+              </a:lnSpc>
+              <a:spcAft>
+                <a:spcPts val="1134"/>
+              </a:spcAft>
+              <a:buNone/>
+            </a:pPr>
+            <a:r>
+              <a:rPr b="0" lang="pt-BR" sz="2000" spc="-1" strike="noStrike">
+                <a:solidFill>
+                  <a:srgbClr val="1c1c1c"/>
+                </a:solidFill>
+                <a:latin typeface="Latin Modern Sans"/>
+                <a:ea typeface="DejaVu Sans"/>
+              </a:rPr>
+              <a:t>	</a:t>
+            </a:r>
+            <a:endParaRPr b="0" lang="pt-BR" sz="2000" spc="-1" strike="noStrike">
+              <a:latin typeface="Arial"/>
+            </a:endParaRPr>
+          </a:p>
+          <a:p>
+            <a:pPr marL="216000" indent="-216000">
+              <a:lnSpc>
+                <a:spcPct val="100000"/>
+              </a:lnSpc>
+              <a:spcAft>
+                <a:spcPts val="1134"/>
+              </a:spcAft>
+              <a:buClr>
+                <a:srgbClr val="000000"/>
+              </a:buClr>
+              <a:buSzPct val="45000"/>
+              <a:buFont typeface="Wingdings" charset="2"/>
+              <a:buChar char=""/>
+            </a:pPr>
+            <a:endParaRPr b="0" lang="pt-BR" sz="2000" spc="-1" strike="noStrike">
+              <a:latin typeface="Arial"/>
+            </a:endParaRPr>
+          </a:p>
+        </p:txBody>
+      </p:sp>
+      <p:sp>
+        <p:nvSpPr>
+          <p:cNvPr id="268" name="CustomShape 51"/>
+          <p:cNvSpPr/>
+          <p:nvPr/>
+        </p:nvSpPr>
+        <p:spPr>
+          <a:xfrm>
+            <a:off x="897120" y="6886080"/>
+            <a:ext cx="6435720" cy="353520"/>
+          </a:xfrm>
+          <a:prstGeom prst="rect">
+            <a:avLst/>
+          </a:prstGeom>
+          <a:noFill/>
+          <a:ln w="0">
+            <a:noFill/>
+          </a:ln>
+        </p:spPr>
+        <p:style>
+          <a:lnRef idx="0"/>
+          <a:fillRef idx="0"/>
+          <a:effectRef idx="0"/>
+          <a:fontRef idx="minor"/>
+        </p:style>
+        <p:txBody>
+          <a:bodyPr lIns="90000" rIns="90000" tIns="45000" bIns="45000" anchor="t">
+            <a:noAutofit/>
+          </a:bodyPr>
+          <a:p>
+            <a:pPr>
+              <a:lnSpc>
+                <a:spcPct val="100000"/>
+              </a:lnSpc>
+              <a:buNone/>
+            </a:pPr>
+            <a:r>
+              <a:rPr b="0" lang="pt-BR" sz="1800" spc="-1" strike="noStrike">
+                <a:solidFill>
+                  <a:srgbClr val="000000"/>
+                </a:solidFill>
+                <a:latin typeface="Arial"/>
+                <a:ea typeface="DejaVu Sans"/>
+              </a:rPr>
+              <a:t>Aprendizado de Máquina - Prof. André Hochuli</a:t>
+            </a:r>
+            <a:endParaRPr b="0" lang="pt-BR" sz="1800" spc="-1" strike="noStrike">
+              <a:latin typeface="Arial"/>
+            </a:endParaRPr>
+          </a:p>
+        </p:txBody>
+      </p:sp>
+      <p:sp>
+        <p:nvSpPr>
+          <p:cNvPr id="269" name="CustomShape 52"/>
+          <p:cNvSpPr/>
+          <p:nvPr/>
+        </p:nvSpPr>
+        <p:spPr>
+          <a:xfrm>
+            <a:off x="7608600" y="6886080"/>
+            <a:ext cx="2273760" cy="353520"/>
+          </a:xfrm>
+          <a:prstGeom prst="rect">
+            <a:avLst/>
+          </a:prstGeom>
+          <a:noFill/>
+          <a:ln w="0">
+            <a:noFill/>
+          </a:ln>
+        </p:spPr>
+        <p:style>
+          <a:lnRef idx="0"/>
+          <a:fillRef idx="0"/>
+          <a:effectRef idx="0"/>
+          <a:fontRef idx="minor"/>
+        </p:style>
+        <p:txBody>
+          <a:bodyPr lIns="90000" rIns="90000" tIns="45000" bIns="45000" anchor="t">
+            <a:noAutofit/>
+          </a:bodyPr>
+          <a:p>
+            <a:pPr>
+              <a:lnSpc>
+                <a:spcPct val="100000"/>
+              </a:lnSpc>
+              <a:buNone/>
+            </a:pPr>
+            <a:r>
+              <a:rPr b="0" lang="pt-BR" sz="1800" spc="-1" strike="noStrike">
+                <a:solidFill>
+                  <a:srgbClr val="000000"/>
+                </a:solidFill>
+                <a:latin typeface="Arial"/>
+                <a:ea typeface="DejaVu Sans"/>
+              </a:rPr>
+              <a:t>KNN</a:t>
+            </a:r>
+            <a:endParaRPr b="0" lang="pt-BR" sz="1800" spc="-1" strike="noStrike">
+              <a:latin typeface="Arial"/>
+            </a:endParaRPr>
+          </a:p>
+        </p:txBody>
+      </p:sp>
+      <p:sp>
+        <p:nvSpPr>
+          <p:cNvPr id="270" name=""/>
+          <p:cNvSpPr/>
+          <p:nvPr/>
+        </p:nvSpPr>
+        <p:spPr>
+          <a:xfrm>
+            <a:off x="1962000" y="3637080"/>
+            <a:ext cx="6300720" cy="1113840"/>
+          </a:xfrm>
+          <a:prstGeom prst="rect">
+            <a:avLst/>
+          </a:prstGeom>
+          <a:noFill/>
+          <a:ln w="0">
+            <a:noFill/>
+          </a:ln>
+        </p:spPr>
+        <p:style>
+          <a:lnRef idx="0"/>
+          <a:fillRef idx="0"/>
+          <a:effectRef idx="0"/>
+          <a:fontRef idx="minor"/>
+        </p:style>
+      </p:sp>
+      <p:sp>
+        <p:nvSpPr>
+          <p:cNvPr id="271" name="CustomShape 53"/>
+          <p:cNvSpPr/>
+          <p:nvPr/>
+        </p:nvSpPr>
+        <p:spPr>
+          <a:xfrm>
+            <a:off x="360000" y="1447920"/>
+            <a:ext cx="9168480" cy="4668480"/>
+          </a:xfrm>
+          <a:prstGeom prst="rect">
+            <a:avLst/>
+          </a:prstGeom>
+          <a:noFill/>
+          <a:ln w="0">
+            <a:noFill/>
+          </a:ln>
+        </p:spPr>
+        <p:style>
+          <a:lnRef idx="0"/>
+          <a:fillRef idx="0"/>
+          <a:effectRef idx="0"/>
+          <a:fontRef idx="minor"/>
+        </p:style>
+        <p:txBody>
+          <a:bodyPr lIns="0" rIns="0" tIns="0" bIns="0" anchor="t">
+            <a:normAutofit/>
+          </a:bodyPr>
+          <a:p>
+            <a:pPr>
+              <a:lnSpc>
+                <a:spcPct val="100000"/>
+              </a:lnSpc>
+              <a:spcAft>
+                <a:spcPts val="1134"/>
+              </a:spcAft>
+              <a:buNone/>
+            </a:pPr>
+            <a:r>
+              <a:rPr b="0" lang="pt-BR" sz="2000" spc="-1" strike="noStrike">
+                <a:solidFill>
+                  <a:srgbClr val="1c1c1c"/>
+                </a:solidFill>
+                <a:latin typeface="Latin Modern Sans"/>
+                <a:ea typeface="DejaVu Sans"/>
+              </a:rPr>
+              <a:t>	</a:t>
+            </a:r>
+            <a:endParaRPr b="0" lang="pt-BR" sz="2000" spc="-1" strike="noStrike">
+              <a:latin typeface="Arial"/>
+            </a:endParaRPr>
+          </a:p>
+          <a:p>
+            <a:pPr marL="216000" indent="-216000">
+              <a:lnSpc>
+                <a:spcPct val="100000"/>
+              </a:lnSpc>
+              <a:spcAft>
+                <a:spcPts val="1134"/>
+              </a:spcAft>
+              <a:buClr>
+                <a:srgbClr val="000000"/>
+              </a:buClr>
+              <a:buSzPct val="45000"/>
+              <a:buFont typeface="Wingdings" charset="2"/>
+              <a:buChar char=""/>
+            </a:pPr>
+            <a:endParaRPr b="0" lang="pt-BR" sz="2000" spc="-1" strike="noStrike">
+              <a:latin typeface="Arial"/>
+            </a:endParaRPr>
+          </a:p>
+          <a:p>
+            <a:pPr marL="216000" indent="-216000">
+              <a:lnSpc>
+                <a:spcPct val="100000"/>
+              </a:lnSpc>
+              <a:spcAft>
+                <a:spcPts val="1134"/>
+              </a:spcAft>
+              <a:buClr>
+                <a:srgbClr val="000000"/>
+              </a:buClr>
+              <a:buSzPct val="45000"/>
+              <a:buFont typeface="Wingdings" charset="2"/>
+              <a:buChar char=""/>
+            </a:pPr>
+            <a:endParaRPr b="0" lang="pt-BR" sz="2000" spc="-1" strike="noStrike">
+              <a:latin typeface="Arial"/>
+            </a:endParaRPr>
+          </a:p>
+          <a:p>
+            <a:pPr marL="216000" indent="-216000">
+              <a:lnSpc>
+                <a:spcPct val="100000"/>
+              </a:lnSpc>
+              <a:spcAft>
+                <a:spcPts val="1134"/>
+              </a:spcAft>
+              <a:buClr>
+                <a:srgbClr val="000000"/>
+              </a:buClr>
+              <a:buSzPct val="45000"/>
+              <a:buFont typeface="Wingdings" charset="2"/>
+              <a:buChar char=""/>
+            </a:pPr>
+            <a:endParaRPr b="0" lang="pt-BR" sz="2000" spc="-1" strike="noStrike">
+              <a:latin typeface="Arial"/>
+            </a:endParaRPr>
+          </a:p>
+          <a:p>
+            <a:pPr marL="216000" indent="-216000">
+              <a:lnSpc>
+                <a:spcPct val="100000"/>
+              </a:lnSpc>
+              <a:spcAft>
+                <a:spcPts val="1134"/>
+              </a:spcAft>
+              <a:buClr>
+                <a:srgbClr val="000000"/>
+              </a:buClr>
+              <a:buSzPct val="45000"/>
+              <a:buFont typeface="Wingdings" charset="2"/>
+              <a:buChar char=""/>
+            </a:pPr>
+            <a:endParaRPr b="0" lang="pt-BR" sz="2000" spc="-1" strike="noStrike">
+              <a:latin typeface="Arial"/>
+            </a:endParaRPr>
+          </a:p>
+          <a:p>
+            <a:pPr>
+              <a:lnSpc>
+                <a:spcPct val="100000"/>
+              </a:lnSpc>
+              <a:spcAft>
+                <a:spcPts val="1134"/>
+              </a:spcAft>
+              <a:buNone/>
+            </a:pPr>
+            <a:endParaRPr b="0" lang="pt-BR" sz="2000" spc="-1" strike="noStrike">
+              <a:latin typeface="Arial"/>
+            </a:endParaRPr>
+          </a:p>
+          <a:p>
+            <a:pPr>
+              <a:lnSpc>
+                <a:spcPct val="100000"/>
+              </a:lnSpc>
+              <a:spcAft>
+                <a:spcPts val="1134"/>
+              </a:spcAft>
+              <a:buNone/>
+            </a:pPr>
+            <a:endParaRPr b="0" lang="pt-BR" sz="1300" spc="-1" strike="noStrike">
+              <a:latin typeface="Arial"/>
+            </a:endParaRPr>
+          </a:p>
+        </p:txBody>
+      </p:sp>
+      <p:pic>
+        <p:nvPicPr>
+          <p:cNvPr id="272" name="" descr=""/>
+          <p:cNvPicPr/>
+          <p:nvPr/>
+        </p:nvPicPr>
+        <p:blipFill>
+          <a:blip r:embed="rId1"/>
+          <a:stretch/>
+        </p:blipFill>
+        <p:spPr>
+          <a:xfrm>
+            <a:off x="1375560" y="2769840"/>
+            <a:ext cx="2408760" cy="2649600"/>
+          </a:xfrm>
+          <a:prstGeom prst="rect">
+            <a:avLst/>
+          </a:prstGeom>
+          <a:ln w="0">
+            <a:noFill/>
+          </a:ln>
+        </p:spPr>
+      </p:pic>
+      <p:pic>
+        <p:nvPicPr>
+          <p:cNvPr id="273" name="" descr=""/>
+          <p:cNvPicPr/>
+          <p:nvPr/>
+        </p:nvPicPr>
+        <p:blipFill>
+          <a:blip r:embed="rId2"/>
+          <a:stretch/>
+        </p:blipFill>
+        <p:spPr>
+          <a:xfrm>
+            <a:off x="1708200" y="5592960"/>
+            <a:ext cx="1470600" cy="618120"/>
+          </a:xfrm>
+          <a:prstGeom prst="rect">
+            <a:avLst/>
+          </a:prstGeom>
+          <a:ln w="0">
+            <a:noFill/>
+          </a:ln>
+        </p:spPr>
+      </p:pic>
+      <p:sp>
+        <p:nvSpPr>
+          <p:cNvPr id="274" name="CustomShape 55"/>
+          <p:cNvSpPr/>
+          <p:nvPr/>
+        </p:nvSpPr>
+        <p:spPr>
+          <a:xfrm>
+            <a:off x="360000" y="1447920"/>
+            <a:ext cx="9168480" cy="4668480"/>
+          </a:xfrm>
+          <a:prstGeom prst="rect">
+            <a:avLst/>
+          </a:prstGeom>
+          <a:noFill/>
+          <a:ln w="0">
+            <a:noFill/>
+          </a:ln>
+        </p:spPr>
+        <p:style>
+          <a:lnRef idx="0"/>
+          <a:fillRef idx="0"/>
+          <a:effectRef idx="0"/>
+          <a:fontRef idx="minor"/>
+        </p:style>
+        <p:txBody>
+          <a:bodyPr lIns="0" rIns="0" tIns="0" bIns="0" anchor="t">
+            <a:normAutofit/>
+          </a:bodyPr>
+          <a:p>
+            <a:pPr>
+              <a:lnSpc>
+                <a:spcPct val="100000"/>
+              </a:lnSpc>
+              <a:spcAft>
+                <a:spcPts val="1134"/>
+              </a:spcAft>
+              <a:buNone/>
+            </a:pPr>
+            <a:r>
+              <a:rPr b="0" lang="pt-BR" sz="2000" spc="-1" strike="noStrike">
+                <a:solidFill>
+                  <a:srgbClr val="1c1c1c"/>
+                </a:solidFill>
+                <a:latin typeface="Latin Modern Sans"/>
+                <a:ea typeface="DejaVu Sans"/>
+              </a:rPr>
+              <a:t>	</a:t>
+            </a:r>
+            <a:endParaRPr b="0" lang="pt-BR" sz="2000" spc="-1" strike="noStrike">
+              <a:latin typeface="Arial"/>
+            </a:endParaRPr>
+          </a:p>
+          <a:p>
+            <a:pPr marL="216000" indent="-216000">
+              <a:lnSpc>
+                <a:spcPct val="100000"/>
+              </a:lnSpc>
+              <a:spcAft>
+                <a:spcPts val="1134"/>
+              </a:spcAft>
+              <a:buClr>
+                <a:srgbClr val="000000"/>
+              </a:buClr>
+              <a:buSzPct val="45000"/>
+              <a:buFont typeface="Wingdings" charset="2"/>
+              <a:buChar char=""/>
+            </a:pPr>
+            <a:r>
+              <a:rPr b="0" lang="pt-BR" sz="2000" spc="-1" strike="noStrike">
+                <a:solidFill>
+                  <a:srgbClr val="1c1c1c"/>
+                </a:solidFill>
+                <a:latin typeface="Latin Modern Sans"/>
+                <a:ea typeface="DejaVu Sans"/>
+              </a:rPr>
+              <a:t>Distâncias</a:t>
+            </a:r>
+            <a:endParaRPr b="0" lang="pt-BR" sz="2000" spc="-1" strike="noStrike">
+              <a:latin typeface="Arial"/>
+            </a:endParaRPr>
+          </a:p>
+          <a:p>
+            <a:pPr marL="216000" indent="-216000">
+              <a:lnSpc>
+                <a:spcPct val="100000"/>
+              </a:lnSpc>
+              <a:spcAft>
+                <a:spcPts val="1134"/>
+              </a:spcAft>
+              <a:buClr>
+                <a:srgbClr val="000000"/>
+              </a:buClr>
+              <a:buSzPct val="45000"/>
+              <a:buFont typeface="Wingdings" charset="2"/>
+              <a:buChar char=""/>
+            </a:pPr>
+            <a:endParaRPr b="0" lang="pt-BR" sz="2000" spc="-1" strike="noStrike">
+              <a:latin typeface="Arial"/>
+            </a:endParaRPr>
+          </a:p>
+          <a:p>
+            <a:pPr>
+              <a:lnSpc>
+                <a:spcPct val="100000"/>
+              </a:lnSpc>
+              <a:spcAft>
+                <a:spcPts val="1134"/>
+              </a:spcAft>
+              <a:buNone/>
+            </a:pPr>
+            <a:endParaRPr b="0" lang="pt-BR" sz="2000" spc="-1" strike="noStrike">
+              <a:latin typeface="Arial"/>
+            </a:endParaRPr>
+          </a:p>
+          <a:p>
+            <a:pPr>
+              <a:lnSpc>
+                <a:spcPct val="100000"/>
+              </a:lnSpc>
+              <a:spcAft>
+                <a:spcPts val="1134"/>
+              </a:spcAft>
+              <a:buNone/>
+            </a:pPr>
+            <a:endParaRPr b="0" lang="pt-BR" sz="1300" spc="-1" strike="noStrike">
+              <a:latin typeface="Arial"/>
+            </a:endParaRPr>
+          </a:p>
+        </p:txBody>
+      </p:sp>
+      <p:pic>
+        <p:nvPicPr>
+          <p:cNvPr id="275" name="" descr=""/>
+          <p:cNvPicPr/>
+          <p:nvPr/>
+        </p:nvPicPr>
+        <p:blipFill>
+          <a:blip r:embed="rId3"/>
+          <a:stretch/>
+        </p:blipFill>
+        <p:spPr>
+          <a:xfrm>
+            <a:off x="6360480" y="2257560"/>
+            <a:ext cx="2518560" cy="2778120"/>
+          </a:xfrm>
+          <a:prstGeom prst="rect">
+            <a:avLst/>
+          </a:prstGeom>
+          <a:ln w="0">
+            <a:noFill/>
+          </a:ln>
+        </p:spPr>
+      </p:pic>
+      <p:pic>
+        <p:nvPicPr>
+          <p:cNvPr id="276" name="" descr=""/>
+          <p:cNvPicPr/>
+          <p:nvPr/>
+        </p:nvPicPr>
+        <p:blipFill>
+          <a:blip r:embed="rId4"/>
+          <a:stretch/>
+        </p:blipFill>
+        <p:spPr>
+          <a:xfrm>
+            <a:off x="6440040" y="5473080"/>
+            <a:ext cx="3038040" cy="1266480"/>
+          </a:xfrm>
+          <a:prstGeom prst="rect">
+            <a:avLst/>
+          </a:prstGeom>
+          <a:ln w="0">
+            <a:noFill/>
+          </a:ln>
+        </p:spPr>
+      </p:pic>
+    </p:spTree>
+  </p:cSld>
+  <mc:AlternateContent>
+    <mc:Choice Requires="p14">
+      <p:transition spd="slow" p14:dur="2000"/>
+    </mc:Choice>
+    <mc:Fallback>
+      <p:transition spd="slow"/>
+    </mc:Fallback>
+  </mc:AlternateContent>
+</p:sld>
+</file>
+
+<file path=ppt/slides/slide11.xml><?xml version="1.0" encoding="utf-8"?>
+<p:sld xmlns:a="http://schemas.openxmlformats.org/drawingml/2006/main" xmlns:p="http://schemas.openxmlformats.org/presentationml/2006/main" xmlns:r="http://schemas.openxmlformats.org/officeDocument/2006/relationships" xmlns:p14="http://schemas.microsoft.com/office/powerpoint/2010/main" xmlns:p15="http://schemas.microsoft.com/office/powerpoint/2012/main" xmlns:mc="http://schemas.openxmlformats.org/markup-compatibility/2006">
+  <p:cSld>
+    <p:spTree>
+      <p:nvGrpSpPr>
+        <p:cNvPr id="1" name=""/>
+        <p:cNvGrpSpPr/>
+        <p:nvPr/>
+      </p:nvGrpSpPr>
+      <p:grpSpPr>
+        <a:xfrm>
+          <a:off x="0" y="0"/>
+          <a:ext cx="0" cy="0"/>
+          <a:chOff x="0" y="0"/>
+          <a:chExt cx="0" cy="0"/>
+        </a:xfrm>
+      </p:grpSpPr>
+      <p:sp>
+        <p:nvSpPr>
+          <p:cNvPr id="277" name="CustomShape 33"/>
+          <p:cNvSpPr/>
+          <p:nvPr/>
+        </p:nvSpPr>
+        <p:spPr>
+          <a:xfrm>
+            <a:off x="360000" y="360000"/>
+            <a:ext cx="9348480" cy="888480"/>
+          </a:xfrm>
+          <a:prstGeom prst="rect">
+            <a:avLst/>
+          </a:prstGeom>
+          <a:noFill/>
+          <a:ln w="0">
+            <a:noFill/>
+          </a:ln>
+        </p:spPr>
+        <p:style>
+          <a:lnRef idx="0"/>
+          <a:fillRef idx="0"/>
+          <a:effectRef idx="0"/>
+          <a:fontRef idx="minor"/>
+        </p:style>
+        <p:txBody>
+          <a:bodyPr lIns="0" rIns="0" tIns="0" bIns="0" anchor="b">
+            <a:noAutofit/>
+          </a:bodyPr>
+          <a:p>
+            <a:pPr>
+              <a:lnSpc>
+                <a:spcPct val="100000"/>
+              </a:lnSpc>
+              <a:buNone/>
+            </a:pPr>
+            <a:r>
+              <a:rPr b="1" lang="pt-BR" sz="2600" spc="-1" strike="noStrike">
+                <a:solidFill>
+                  <a:srgbClr val="ffffff"/>
+                </a:solidFill>
+                <a:latin typeface="Source Sans Pro Black"/>
+                <a:ea typeface="DejaVu Sans"/>
+              </a:rPr>
+              <a:t>Dis</a:t>
+            </a:r>
+            <a:r>
+              <a:rPr b="1" lang="pt-BR" sz="2600" spc="-1" strike="noStrike">
+                <a:solidFill>
+                  <a:srgbClr val="ffffff"/>
+                </a:solidFill>
+                <a:latin typeface="Source Sans Pro Black"/>
+                <a:ea typeface="DejaVu Sans"/>
+              </a:rPr>
+              <a:t>tâ</a:t>
+            </a:r>
+            <a:r>
+              <a:rPr b="1" lang="pt-BR" sz="2600" spc="-1" strike="noStrike">
+                <a:solidFill>
+                  <a:srgbClr val="ffffff"/>
+                </a:solidFill>
+                <a:latin typeface="Source Sans Pro Black"/>
+                <a:ea typeface="DejaVu Sans"/>
+              </a:rPr>
+              <a:t>nci</a:t>
+            </a:r>
+            <a:r>
+              <a:rPr b="1" lang="pt-BR" sz="2600" spc="-1" strike="noStrike">
+                <a:solidFill>
+                  <a:srgbClr val="ffffff"/>
+                </a:solidFill>
+                <a:latin typeface="Source Sans Pro Black"/>
+                <a:ea typeface="DejaVu Sans"/>
+              </a:rPr>
+              <a:t>a </a:t>
+            </a:r>
+            <a:r>
+              <a:rPr b="1" lang="pt-BR" sz="2600" spc="-1" strike="noStrike">
+                <a:solidFill>
+                  <a:srgbClr val="ffffff"/>
+                </a:solidFill>
+                <a:latin typeface="Source Sans Pro Black"/>
+                <a:ea typeface="DejaVu Sans"/>
+              </a:rPr>
+              <a:t>Eu</a:t>
+            </a:r>
+            <a:r>
+              <a:rPr b="1" lang="pt-BR" sz="2600" spc="-1" strike="noStrike">
+                <a:solidFill>
+                  <a:srgbClr val="ffffff"/>
+                </a:solidFill>
+                <a:latin typeface="Source Sans Pro Black"/>
+                <a:ea typeface="DejaVu Sans"/>
+              </a:rPr>
+              <a:t>cli</a:t>
+            </a:r>
+            <a:r>
+              <a:rPr b="1" lang="pt-BR" sz="2600" spc="-1" strike="noStrike">
+                <a:solidFill>
+                  <a:srgbClr val="ffffff"/>
+                </a:solidFill>
+                <a:latin typeface="Source Sans Pro Black"/>
+                <a:ea typeface="DejaVu Sans"/>
+              </a:rPr>
+              <a:t>dia</a:t>
+            </a:r>
+            <a:r>
+              <a:rPr b="1" lang="pt-BR" sz="2600" spc="-1" strike="noStrike">
+                <a:solidFill>
+                  <a:srgbClr val="ffffff"/>
+                </a:solidFill>
+                <a:latin typeface="Source Sans Pro Black"/>
+                <a:ea typeface="DejaVu Sans"/>
+              </a:rPr>
+              <a:t>na</a:t>
+            </a:r>
+            <a:endParaRPr b="0" lang="pt-BR" sz="2600" spc="-1" strike="noStrike">
+              <a:latin typeface="Arial"/>
+            </a:endParaRPr>
+          </a:p>
+        </p:txBody>
+      </p:sp>
+      <p:sp>
+        <p:nvSpPr>
+          <p:cNvPr id="278" name="CustomShape 34"/>
+          <p:cNvSpPr/>
+          <p:nvPr/>
+        </p:nvSpPr>
+        <p:spPr>
+          <a:xfrm>
+            <a:off x="360000" y="1447920"/>
+            <a:ext cx="9168480" cy="4668480"/>
+          </a:xfrm>
+          <a:prstGeom prst="rect">
+            <a:avLst/>
+          </a:prstGeom>
+          <a:noFill/>
+          <a:ln w="0">
+            <a:noFill/>
+          </a:ln>
+        </p:spPr>
+        <p:style>
+          <a:lnRef idx="0"/>
+          <a:fillRef idx="0"/>
+          <a:effectRef idx="0"/>
+          <a:fontRef idx="minor"/>
+        </p:style>
+        <p:txBody>
+          <a:bodyPr lIns="0" rIns="0" tIns="0" bIns="0" anchor="t">
+            <a:normAutofit/>
+          </a:bodyPr>
+          <a:p>
+            <a:pPr>
+              <a:lnSpc>
+                <a:spcPct val="100000"/>
+              </a:lnSpc>
+              <a:spcAft>
+                <a:spcPts val="1134"/>
+              </a:spcAft>
+              <a:buNone/>
+            </a:pPr>
+            <a:r>
+              <a:rPr b="0" lang="pt-BR" sz="2000" spc="-1" strike="noStrike">
+                <a:solidFill>
+                  <a:srgbClr val="1c1c1c"/>
+                </a:solidFill>
+                <a:latin typeface="Latin Modern Sans"/>
+                <a:ea typeface="DejaVu Sans"/>
+              </a:rPr>
+              <a:t>	</a:t>
+            </a:r>
+            <a:endParaRPr b="0" lang="pt-BR" sz="2000" spc="-1" strike="noStrike">
+              <a:latin typeface="Arial"/>
+            </a:endParaRPr>
+          </a:p>
+          <a:p>
+            <a:pPr marL="216000" indent="-216000">
+              <a:lnSpc>
+                <a:spcPct val="100000"/>
+              </a:lnSpc>
+              <a:spcAft>
+                <a:spcPts val="1134"/>
+              </a:spcAft>
+              <a:buClr>
+                <a:srgbClr val="000000"/>
+              </a:buClr>
+              <a:buSzPct val="45000"/>
+              <a:buFont typeface="Wingdings" charset="2"/>
+              <a:buChar char=""/>
+            </a:pPr>
+            <a:r>
+              <a:rPr b="0" lang="pt-BR" sz="2000" spc="-1" strike="noStrike">
+                <a:solidFill>
+                  <a:srgbClr val="1c1c1c"/>
+                </a:solidFill>
+                <a:latin typeface="Latin Modern Sans"/>
+                <a:ea typeface="DejaVu Sans"/>
+              </a:rPr>
+              <a:t>De</a:t>
+            </a:r>
+            <a:r>
+              <a:rPr b="0" lang="pt-BR" sz="2000" spc="-1" strike="noStrike">
+                <a:solidFill>
+                  <a:srgbClr val="1c1c1c"/>
+                </a:solidFill>
+                <a:latin typeface="Latin Modern Sans"/>
+                <a:ea typeface="DejaVu Sans"/>
+              </a:rPr>
+              <a:t>ter</a:t>
+            </a:r>
+            <a:r>
+              <a:rPr b="0" lang="pt-BR" sz="2000" spc="-1" strike="noStrike">
+                <a:solidFill>
+                  <a:srgbClr val="1c1c1c"/>
+                </a:solidFill>
+                <a:latin typeface="Latin Modern Sans"/>
+                <a:ea typeface="DejaVu Sans"/>
+              </a:rPr>
+              <a:t>mi</a:t>
+            </a:r>
+            <a:r>
+              <a:rPr b="0" lang="pt-BR" sz="2000" spc="-1" strike="noStrike">
+                <a:solidFill>
+                  <a:srgbClr val="1c1c1c"/>
+                </a:solidFill>
+                <a:latin typeface="Latin Modern Sans"/>
+                <a:ea typeface="DejaVu Sans"/>
+              </a:rPr>
+              <a:t>na </a:t>
+            </a:r>
+            <a:r>
+              <a:rPr b="0" lang="pt-BR" sz="2000" spc="-1" strike="noStrike">
+                <a:solidFill>
+                  <a:srgbClr val="1c1c1c"/>
+                </a:solidFill>
+                <a:latin typeface="Latin Modern Sans"/>
+                <a:ea typeface="DejaVu Sans"/>
+              </a:rPr>
+              <a:t>a </a:t>
+            </a:r>
+            <a:r>
+              <a:rPr b="0" lang="pt-BR" sz="2000" spc="-1" strike="noStrike">
+                <a:solidFill>
+                  <a:srgbClr val="1c1c1c"/>
+                </a:solidFill>
+                <a:latin typeface="Latin Modern Sans"/>
+                <a:ea typeface="DejaVu Sans"/>
+              </a:rPr>
+              <a:t>dis</a:t>
+            </a:r>
+            <a:r>
+              <a:rPr b="0" lang="pt-BR" sz="2000" spc="-1" strike="noStrike">
+                <a:solidFill>
+                  <a:srgbClr val="1c1c1c"/>
+                </a:solidFill>
+                <a:latin typeface="Latin Modern Sans"/>
+                <a:ea typeface="DejaVu Sans"/>
+              </a:rPr>
+              <a:t>tâ</a:t>
+            </a:r>
+            <a:r>
+              <a:rPr b="0" lang="pt-BR" sz="2000" spc="-1" strike="noStrike">
+                <a:solidFill>
+                  <a:srgbClr val="1c1c1c"/>
+                </a:solidFill>
+                <a:latin typeface="Latin Modern Sans"/>
+                <a:ea typeface="DejaVu Sans"/>
+              </a:rPr>
+              <a:t>nci</a:t>
+            </a:r>
+            <a:r>
+              <a:rPr b="0" lang="pt-BR" sz="2000" spc="-1" strike="noStrike">
+                <a:solidFill>
+                  <a:srgbClr val="1c1c1c"/>
+                </a:solidFill>
+                <a:latin typeface="Latin Modern Sans"/>
+                <a:ea typeface="DejaVu Sans"/>
+              </a:rPr>
+              <a:t>a </a:t>
+            </a:r>
+            <a:r>
+              <a:rPr b="0" lang="pt-BR" sz="2000" spc="-1" strike="noStrike">
+                <a:solidFill>
+                  <a:srgbClr val="1c1c1c"/>
+                </a:solidFill>
+                <a:latin typeface="Latin Modern Sans"/>
+                <a:ea typeface="DejaVu Sans"/>
+              </a:rPr>
+              <a:t>en</a:t>
+            </a:r>
+            <a:r>
+              <a:rPr b="0" lang="pt-BR" sz="2000" spc="-1" strike="noStrike">
+                <a:solidFill>
+                  <a:srgbClr val="1c1c1c"/>
+                </a:solidFill>
+                <a:latin typeface="Latin Modern Sans"/>
+                <a:ea typeface="DejaVu Sans"/>
+              </a:rPr>
+              <a:t>tre </a:t>
+            </a:r>
+            <a:r>
+              <a:rPr b="0" lang="pt-BR" sz="2000" spc="-1" strike="noStrike">
+                <a:solidFill>
+                  <a:srgbClr val="1c1c1c"/>
+                </a:solidFill>
+                <a:latin typeface="Latin Modern Sans"/>
+                <a:ea typeface="DejaVu Sans"/>
+              </a:rPr>
+              <a:t>do</a:t>
+            </a:r>
+            <a:r>
+              <a:rPr b="0" lang="pt-BR" sz="2000" spc="-1" strike="noStrike">
+                <a:solidFill>
+                  <a:srgbClr val="1c1c1c"/>
+                </a:solidFill>
+                <a:latin typeface="Latin Modern Sans"/>
+                <a:ea typeface="DejaVu Sans"/>
+              </a:rPr>
+              <a:t>is </a:t>
+            </a:r>
+            <a:r>
+              <a:rPr b="0" lang="pt-BR" sz="2000" spc="-1" strike="noStrike">
+                <a:solidFill>
+                  <a:srgbClr val="1c1c1c"/>
+                </a:solidFill>
+                <a:latin typeface="Latin Modern Sans"/>
+                <a:ea typeface="DejaVu Sans"/>
+              </a:rPr>
+              <a:t>po</a:t>
+            </a:r>
+            <a:r>
+              <a:rPr b="0" lang="pt-BR" sz="2000" spc="-1" strike="noStrike">
+                <a:solidFill>
+                  <a:srgbClr val="1c1c1c"/>
+                </a:solidFill>
+                <a:latin typeface="Latin Modern Sans"/>
+                <a:ea typeface="DejaVu Sans"/>
+              </a:rPr>
+              <a:t>nt</a:t>
+            </a:r>
+            <a:r>
+              <a:rPr b="0" lang="pt-BR" sz="2000" spc="-1" strike="noStrike">
+                <a:solidFill>
+                  <a:srgbClr val="1c1c1c"/>
+                </a:solidFill>
+                <a:latin typeface="Latin Modern Sans"/>
+                <a:ea typeface="DejaVu Sans"/>
+              </a:rPr>
+              <a:t>os </a:t>
+            </a:r>
+            <a:r>
+              <a:rPr b="0" lang="pt-BR" sz="2000" spc="-1" strike="noStrike">
+                <a:solidFill>
+                  <a:srgbClr val="1c1c1c"/>
+                </a:solidFill>
+                <a:latin typeface="Latin Modern Sans"/>
+                <a:ea typeface="DejaVu Sans"/>
+              </a:rPr>
+              <a:t>de </a:t>
+            </a:r>
+            <a:r>
+              <a:rPr b="0" lang="pt-BR" sz="2000" spc="-1" strike="noStrike">
+                <a:solidFill>
+                  <a:srgbClr val="1c1c1c"/>
+                </a:solidFill>
+                <a:latin typeface="Latin Modern Sans"/>
+                <a:ea typeface="DejaVu Sans"/>
+              </a:rPr>
+              <a:t>no </a:t>
+            </a:r>
+            <a:r>
+              <a:rPr b="0" lang="pt-BR" sz="2000" spc="-1" strike="noStrike">
+                <a:solidFill>
+                  <a:srgbClr val="1c1c1c"/>
+                </a:solidFill>
+                <a:latin typeface="Latin Modern Sans"/>
+                <a:ea typeface="DejaVu Sans"/>
+              </a:rPr>
+              <a:t>pl</a:t>
+            </a:r>
+            <a:r>
+              <a:rPr b="0" lang="pt-BR" sz="2000" spc="-1" strike="noStrike">
+                <a:solidFill>
+                  <a:srgbClr val="1c1c1c"/>
+                </a:solidFill>
+                <a:latin typeface="Latin Modern Sans"/>
+                <a:ea typeface="DejaVu Sans"/>
+              </a:rPr>
+              <a:t>an</a:t>
+            </a:r>
+            <a:r>
+              <a:rPr b="0" lang="pt-BR" sz="2000" spc="-1" strike="noStrike">
+                <a:solidFill>
+                  <a:srgbClr val="1c1c1c"/>
+                </a:solidFill>
+                <a:latin typeface="Latin Modern Sans"/>
+                <a:ea typeface="DejaVu Sans"/>
+              </a:rPr>
+              <a:t>o </a:t>
+            </a:r>
+            <a:r>
+              <a:rPr b="0" lang="pt-BR" sz="2000" spc="-1" strike="noStrike">
+                <a:solidFill>
+                  <a:srgbClr val="1c1c1c"/>
+                </a:solidFill>
+                <a:latin typeface="Latin Modern Sans"/>
+                <a:ea typeface="DejaVu Sans"/>
+              </a:rPr>
+              <a:t>ca</a:t>
+            </a:r>
+            <a:r>
+              <a:rPr b="0" lang="pt-BR" sz="2000" spc="-1" strike="noStrike">
+                <a:solidFill>
+                  <a:srgbClr val="1c1c1c"/>
+                </a:solidFill>
+                <a:latin typeface="Latin Modern Sans"/>
+                <a:ea typeface="DejaVu Sans"/>
+              </a:rPr>
+              <a:t>rte</a:t>
+            </a:r>
+            <a:r>
+              <a:rPr b="0" lang="pt-BR" sz="2000" spc="-1" strike="noStrike">
+                <a:solidFill>
+                  <a:srgbClr val="1c1c1c"/>
+                </a:solidFill>
+                <a:latin typeface="Latin Modern Sans"/>
+                <a:ea typeface="DejaVu Sans"/>
+              </a:rPr>
+              <a:t>sia</a:t>
+            </a:r>
+            <a:r>
+              <a:rPr b="0" lang="pt-BR" sz="2000" spc="-1" strike="noStrike">
+                <a:solidFill>
+                  <a:srgbClr val="1c1c1c"/>
+                </a:solidFill>
+                <a:latin typeface="Latin Modern Sans"/>
+                <a:ea typeface="DejaVu Sans"/>
+              </a:rPr>
+              <a:t>no</a:t>
+            </a:r>
+            <a:endParaRPr b="0" lang="pt-BR" sz="2000" spc="-1" strike="noStrike">
+              <a:latin typeface="Arial"/>
+            </a:endParaRPr>
+          </a:p>
+          <a:p>
+            <a:pPr>
+              <a:lnSpc>
+                <a:spcPct val="100000"/>
+              </a:lnSpc>
+              <a:spcAft>
+                <a:spcPts val="1134"/>
+              </a:spcAft>
+              <a:buNone/>
+            </a:pPr>
+            <a:endParaRPr b="0" lang="pt-BR" sz="2000" spc="-1" strike="noStrike">
+              <a:latin typeface="Arial"/>
+            </a:endParaRPr>
+          </a:p>
+          <a:p>
+            <a:pPr>
+              <a:lnSpc>
+                <a:spcPct val="100000"/>
+              </a:lnSpc>
+              <a:spcAft>
+                <a:spcPts val="1134"/>
+              </a:spcAft>
+              <a:buNone/>
+            </a:pPr>
+            <a:endParaRPr b="0" lang="pt-BR" sz="1300" spc="-1" strike="noStrike">
+              <a:latin typeface="Arial"/>
+            </a:endParaRPr>
+          </a:p>
+        </p:txBody>
+      </p:sp>
+      <p:sp>
+        <p:nvSpPr>
+          <p:cNvPr id="279" name="CustomShape 35"/>
+          <p:cNvSpPr/>
+          <p:nvPr/>
+        </p:nvSpPr>
+        <p:spPr>
+          <a:xfrm>
+            <a:off x="897120" y="6886080"/>
+            <a:ext cx="6435720" cy="353520"/>
+          </a:xfrm>
+          <a:prstGeom prst="rect">
+            <a:avLst/>
+          </a:prstGeom>
+          <a:noFill/>
+          <a:ln w="0">
+            <a:noFill/>
+          </a:ln>
+        </p:spPr>
+        <p:style>
+          <a:lnRef idx="0"/>
+          <a:fillRef idx="0"/>
+          <a:effectRef idx="0"/>
+          <a:fontRef idx="minor"/>
+        </p:style>
+        <p:txBody>
+          <a:bodyPr lIns="90000" rIns="90000" tIns="45000" bIns="45000" anchor="t">
+            <a:noAutofit/>
+          </a:bodyPr>
+          <a:p>
+            <a:pPr>
+              <a:lnSpc>
+                <a:spcPct val="100000"/>
+              </a:lnSpc>
+              <a:buNone/>
+            </a:pPr>
+            <a:r>
+              <a:rPr b="0" lang="pt-BR" sz="1800" spc="-1" strike="noStrike">
+                <a:solidFill>
+                  <a:srgbClr val="000000"/>
+                </a:solidFill>
+                <a:latin typeface="Arial"/>
+                <a:ea typeface="DejaVu Sans"/>
+              </a:rPr>
+              <a:t>Apren</a:t>
+            </a:r>
+            <a:r>
+              <a:rPr b="0" lang="pt-BR" sz="1800" spc="-1" strike="noStrike">
+                <a:solidFill>
+                  <a:srgbClr val="000000"/>
+                </a:solidFill>
+                <a:latin typeface="Arial"/>
+                <a:ea typeface="DejaVu Sans"/>
+              </a:rPr>
+              <a:t>dizad</a:t>
+            </a:r>
+            <a:r>
+              <a:rPr b="0" lang="pt-BR" sz="1800" spc="-1" strike="noStrike">
+                <a:solidFill>
+                  <a:srgbClr val="000000"/>
+                </a:solidFill>
+                <a:latin typeface="Arial"/>
+                <a:ea typeface="DejaVu Sans"/>
+              </a:rPr>
+              <a:t>o de </a:t>
+            </a:r>
+            <a:r>
+              <a:rPr b="0" lang="pt-BR" sz="1800" spc="-1" strike="noStrike">
+                <a:solidFill>
+                  <a:srgbClr val="000000"/>
+                </a:solidFill>
+                <a:latin typeface="Arial"/>
+                <a:ea typeface="DejaVu Sans"/>
+              </a:rPr>
+              <a:t>Máqui</a:t>
+            </a:r>
+            <a:r>
+              <a:rPr b="0" lang="pt-BR" sz="1800" spc="-1" strike="noStrike">
+                <a:solidFill>
+                  <a:srgbClr val="000000"/>
+                </a:solidFill>
+                <a:latin typeface="Arial"/>
+                <a:ea typeface="DejaVu Sans"/>
+              </a:rPr>
+              <a:t>na - </a:t>
+            </a:r>
+            <a:r>
+              <a:rPr b="0" lang="pt-BR" sz="1800" spc="-1" strike="noStrike">
+                <a:solidFill>
+                  <a:srgbClr val="000000"/>
+                </a:solidFill>
+                <a:latin typeface="Arial"/>
+                <a:ea typeface="DejaVu Sans"/>
+              </a:rPr>
+              <a:t>Prof. </a:t>
+            </a:r>
+            <a:r>
+              <a:rPr b="0" lang="pt-BR" sz="1800" spc="-1" strike="noStrike">
+                <a:solidFill>
+                  <a:srgbClr val="000000"/>
+                </a:solidFill>
+                <a:latin typeface="Arial"/>
+                <a:ea typeface="DejaVu Sans"/>
+              </a:rPr>
+              <a:t>André </a:t>
+            </a:r>
+            <a:r>
+              <a:rPr b="0" lang="pt-BR" sz="1800" spc="-1" strike="noStrike">
+                <a:solidFill>
+                  <a:srgbClr val="000000"/>
+                </a:solidFill>
+                <a:latin typeface="Arial"/>
+                <a:ea typeface="DejaVu Sans"/>
+              </a:rPr>
+              <a:t>Hoch</a:t>
+            </a:r>
+            <a:r>
+              <a:rPr b="0" lang="pt-BR" sz="1800" spc="-1" strike="noStrike">
+                <a:solidFill>
+                  <a:srgbClr val="000000"/>
+                </a:solidFill>
+                <a:latin typeface="Arial"/>
+                <a:ea typeface="DejaVu Sans"/>
+              </a:rPr>
+              <a:t>uli</a:t>
+            </a:r>
+            <a:endParaRPr b="0" lang="pt-BR" sz="1800" spc="-1" strike="noStrike">
+              <a:latin typeface="Arial"/>
+            </a:endParaRPr>
+          </a:p>
+        </p:txBody>
+      </p:sp>
+      <p:sp>
+        <p:nvSpPr>
+          <p:cNvPr id="280" name="CustomShape 36"/>
+          <p:cNvSpPr/>
+          <p:nvPr/>
+        </p:nvSpPr>
+        <p:spPr>
+          <a:xfrm>
+            <a:off x="7608600" y="6886080"/>
+            <a:ext cx="2273760" cy="353520"/>
+          </a:xfrm>
+          <a:prstGeom prst="rect">
+            <a:avLst/>
+          </a:prstGeom>
+          <a:noFill/>
+          <a:ln w="0">
+            <a:noFill/>
+          </a:ln>
+        </p:spPr>
+        <p:style>
+          <a:lnRef idx="0"/>
+          <a:fillRef idx="0"/>
+          <a:effectRef idx="0"/>
+          <a:fontRef idx="minor"/>
+        </p:style>
+        <p:txBody>
+          <a:bodyPr lIns="90000" rIns="90000" tIns="45000" bIns="45000" anchor="t">
+            <a:noAutofit/>
+          </a:bodyPr>
+          <a:p>
+            <a:pPr>
+              <a:lnSpc>
+                <a:spcPct val="100000"/>
+              </a:lnSpc>
+              <a:buNone/>
+            </a:pPr>
+            <a:r>
+              <a:rPr b="0" lang="pt-BR" sz="1800" spc="-1" strike="noStrike">
+                <a:solidFill>
+                  <a:srgbClr val="000000"/>
+                </a:solidFill>
+                <a:latin typeface="Arial"/>
+                <a:ea typeface="DejaVu Sans"/>
+              </a:rPr>
+              <a:t>KNN</a:t>
+            </a:r>
+            <a:endParaRPr b="0" lang="pt-BR" sz="1800" spc="-1" strike="noStrike">
+              <a:latin typeface="Arial"/>
+            </a:endParaRPr>
+          </a:p>
+        </p:txBody>
+      </p:sp>
+      <p:sp>
+        <p:nvSpPr>
+          <p:cNvPr id="281" name=""/>
+          <p:cNvSpPr/>
+          <p:nvPr/>
+        </p:nvSpPr>
+        <p:spPr>
+          <a:xfrm>
+            <a:off x="1962000" y="3637080"/>
+            <a:ext cx="6300720" cy="1113840"/>
+          </a:xfrm>
+          <a:prstGeom prst="rect">
+            <a:avLst/>
+          </a:prstGeom>
+          <a:noFill/>
+          <a:ln w="0">
+            <a:noFill/>
+          </a:ln>
+        </p:spPr>
+        <p:style>
+          <a:lnRef idx="0"/>
+          <a:fillRef idx="0"/>
+          <a:effectRef idx="0"/>
+          <a:fontRef idx="minor"/>
+        </p:style>
+        <p:txBody>
+          <a:bodyPr lIns="90000" rIns="90000" tIns="45000" bIns="45000" anchor="t">
+            <a:noAutofit/>
+          </a:bodyPr>
+          <a:p>
+            <a:pPr>
+              <a:lnSpc>
+                <a:spcPct val="100000"/>
+              </a:lnSpc>
+              <a:buNone/>
+            </a:pPr>
+            <a:r>
+              <a:rPr b="0" lang="pt-BR" sz="1800" spc="-1" strike="noStrike" u="sng">
+                <a:solidFill>
+                  <a:srgbClr val="0000ff"/>
+                </a:solidFill>
+                <a:uFillTx/>
+                <a:latin typeface="Arial"/>
+                <a:hlinkClick r:id="rId1"/>
+              </a:rPr>
+              <a:t>https://colab.research.google.com/#scrollTo=rgQW2nlZ09aO</a:t>
+            </a:r>
+            <a:endParaRPr b="0" lang="pt-BR" sz="1800" spc="-1" strike="noStrike">
+              <a:latin typeface="Arial"/>
+            </a:endParaRPr>
+          </a:p>
+          <a:p>
+            <a:pPr>
+              <a:lnSpc>
+                <a:spcPct val="100000"/>
+              </a:lnSpc>
+              <a:buNone/>
+            </a:pPr>
+            <a:endParaRPr b="0" lang="pt-BR" sz="1800" spc="-1" strike="noStrike">
+              <a:latin typeface="Arial"/>
+            </a:endParaRPr>
+          </a:p>
+          <a:p>
+            <a:pPr>
+              <a:lnSpc>
+                <a:spcPct val="100000"/>
+              </a:lnSpc>
+              <a:buNone/>
+            </a:pPr>
+            <a:r>
+              <a:rPr b="0" lang="pt-BR" sz="1800" spc="-1" strike="noStrike">
+                <a:latin typeface="Arial"/>
+              </a:rPr>
+              <a:t>https:</a:t>
+            </a:r>
+            <a:r>
+              <a:rPr b="0" lang="pt-BR" sz="1800" spc="-1" strike="noStrike">
+                <a:latin typeface="Arial"/>
+              </a:rPr>
+              <a:t>//</a:t>
+            </a:r>
+            <a:r>
+              <a:rPr b="0" lang="pt-BR" sz="1800" spc="-1" strike="noStrike">
+                <a:latin typeface="Arial"/>
+              </a:rPr>
+              <a:t>pytho</a:t>
+            </a:r>
+            <a:r>
+              <a:rPr b="0" lang="pt-BR" sz="1800" spc="-1" strike="noStrike">
+                <a:latin typeface="Arial"/>
+              </a:rPr>
+              <a:t>n-</a:t>
+            </a:r>
+            <a:r>
+              <a:rPr b="0" lang="pt-BR" sz="1800" spc="-1" strike="noStrike">
+                <a:latin typeface="Arial"/>
+              </a:rPr>
+              <a:t>cours</a:t>
+            </a:r>
+            <a:r>
+              <a:rPr b="0" lang="pt-BR" sz="1800" spc="-1" strike="noStrike">
+                <a:latin typeface="Arial"/>
+              </a:rPr>
+              <a:t>e.eu/</a:t>
+            </a:r>
+            <a:r>
+              <a:rPr b="0" lang="pt-BR" sz="1800" spc="-1" strike="noStrike">
+                <a:latin typeface="Arial"/>
+              </a:rPr>
+              <a:t>machi</a:t>
+            </a:r>
+            <a:r>
+              <a:rPr b="0" lang="pt-BR" sz="1800" spc="-1" strike="noStrike">
+                <a:latin typeface="Arial"/>
+              </a:rPr>
+              <a:t>ne-</a:t>
+            </a:r>
+            <a:r>
+              <a:rPr b="0" lang="pt-BR" sz="1800" spc="-1" strike="noStrike">
+                <a:latin typeface="Arial"/>
+              </a:rPr>
+              <a:t>learni</a:t>
+            </a:r>
+            <a:r>
+              <a:rPr b="0" lang="pt-BR" sz="1800" spc="-1" strike="noStrike">
+                <a:latin typeface="Arial"/>
+              </a:rPr>
+              <a:t>ng/k-</a:t>
+            </a:r>
+            <a:r>
+              <a:rPr b="0" lang="pt-BR" sz="1800" spc="-1" strike="noStrike">
+                <a:latin typeface="Arial"/>
+              </a:rPr>
+              <a:t>neare</a:t>
+            </a:r>
+            <a:r>
+              <a:rPr b="0" lang="pt-BR" sz="1800" spc="-1" strike="noStrike">
+                <a:latin typeface="Arial"/>
+              </a:rPr>
+              <a:t>st-</a:t>
+            </a:r>
+            <a:r>
+              <a:rPr b="0" lang="pt-BR" sz="1800" spc="-1" strike="noStrike">
+                <a:latin typeface="Arial"/>
+              </a:rPr>
+              <a:t>neigh</a:t>
+            </a:r>
+            <a:r>
+              <a:rPr b="0" lang="pt-BR" sz="1800" spc="-1" strike="noStrike">
+                <a:latin typeface="Arial"/>
+              </a:rPr>
+              <a:t>bor-</a:t>
+            </a:r>
+            <a:r>
+              <a:rPr b="0" lang="pt-BR" sz="1800" spc="-1" strike="noStrike">
+                <a:latin typeface="Arial"/>
+              </a:rPr>
+              <a:t>classi</a:t>
+            </a:r>
+            <a:r>
+              <a:rPr b="0" lang="pt-BR" sz="1800" spc="-1" strike="noStrike">
+                <a:latin typeface="Arial"/>
+              </a:rPr>
+              <a:t>fier-</a:t>
+            </a:r>
+            <a:r>
+              <a:rPr b="0" lang="pt-BR" sz="1800" spc="-1" strike="noStrike">
+                <a:latin typeface="Arial"/>
+              </a:rPr>
+              <a:t>with-</a:t>
+            </a:r>
+            <a:r>
+              <a:rPr b="0" lang="pt-BR" sz="1800" spc="-1" strike="noStrike">
+                <a:latin typeface="Arial"/>
+              </a:rPr>
+              <a:t>sklear</a:t>
+            </a:r>
+            <a:r>
+              <a:rPr b="0" lang="pt-BR" sz="1800" spc="-1" strike="noStrike">
+                <a:latin typeface="Arial"/>
+              </a:rPr>
+              <a:t>n.php</a:t>
+            </a:r>
+            <a:endParaRPr b="0" lang="pt-BR" sz="1800" spc="-1" strike="noStrike">
+              <a:latin typeface="Arial"/>
+            </a:endParaRPr>
+          </a:p>
+        </p:txBody>
+      </p:sp>
+    </p:spTree>
+  </p:cSld>
+  <mc:AlternateContent>
+    <mc:Choice Requires="p14">
+      <p:transition spd="slow" p14:dur="2000"/>
+    </mc:Choice>
+    <mc:Fallback>
+      <p:transition spd="slow"/>
+    </mc:Fallback>
+  </mc:AlternateContent>
+</p:sld>
+</file>
+
+<file path=ppt/slides/slide12.xml><?xml version="1.0" encoding="utf-8"?>
+<p:sld xmlns:a="http://schemas.openxmlformats.org/drawingml/2006/main" xmlns:p="http://schemas.openxmlformats.org/presentationml/2006/main" xmlns:r="http://schemas.openxmlformats.org/officeDocument/2006/relationships" xmlns:p14="http://schemas.microsoft.com/office/powerpoint/2010/main" xmlns:p15="http://schemas.microsoft.com/office/powerpoint/2012/main" xmlns:mc="http://schemas.openxmlformats.org/markup-compatibility/2006">
+  <p:cSld>
+    <p:spTree>
+      <p:nvGrpSpPr>
+        <p:cNvPr id="1" name=""/>
+        <p:cNvGrpSpPr/>
+        <p:nvPr/>
+      </p:nvGrpSpPr>
+      <p:grpSpPr>
+        <a:xfrm>
+          <a:off x="0" y="0"/>
+          <a:ext cx="0" cy="0"/>
+          <a:chOff x="0" y="0"/>
+          <a:chExt cx="0" cy="0"/>
+        </a:xfrm>
+      </p:grpSpPr>
+      <p:sp>
+        <p:nvSpPr>
+          <p:cNvPr id="282" name="CustomShape 38"/>
+          <p:cNvSpPr/>
+          <p:nvPr/>
+        </p:nvSpPr>
+        <p:spPr>
+          <a:xfrm>
+            <a:off x="360000" y="360000"/>
+            <a:ext cx="9348480" cy="888480"/>
+          </a:xfrm>
+          <a:prstGeom prst="rect">
+            <a:avLst/>
+          </a:prstGeom>
+          <a:noFill/>
+          <a:ln w="0">
+            <a:noFill/>
+          </a:ln>
+        </p:spPr>
+        <p:style>
+          <a:lnRef idx="0"/>
+          <a:fillRef idx="0"/>
+          <a:effectRef idx="0"/>
+          <a:fontRef idx="minor"/>
+        </p:style>
+        <p:txBody>
+          <a:bodyPr lIns="0" rIns="0" tIns="0" bIns="0" anchor="b">
+            <a:noAutofit/>
+          </a:bodyPr>
+          <a:p>
+            <a:pPr>
+              <a:lnSpc>
+                <a:spcPct val="100000"/>
+              </a:lnSpc>
+              <a:buNone/>
+            </a:pPr>
+            <a:r>
+              <a:rPr b="1" lang="pt-BR" sz="2600" spc="-1" strike="noStrike">
+                <a:solidFill>
+                  <a:srgbClr val="ffffff"/>
+                </a:solidFill>
+                <a:latin typeface="Source Sans Pro Black"/>
+                <a:ea typeface="DejaVu Sans"/>
+              </a:rPr>
+              <a:t>Dis</a:t>
+            </a:r>
+            <a:r>
+              <a:rPr b="1" lang="pt-BR" sz="2600" spc="-1" strike="noStrike">
+                <a:solidFill>
+                  <a:srgbClr val="ffffff"/>
+                </a:solidFill>
+                <a:latin typeface="Source Sans Pro Black"/>
+                <a:ea typeface="DejaVu Sans"/>
+              </a:rPr>
+              <a:t>tâ</a:t>
+            </a:r>
+            <a:r>
+              <a:rPr b="1" lang="pt-BR" sz="2600" spc="-1" strike="noStrike">
+                <a:solidFill>
+                  <a:srgbClr val="ffffff"/>
+                </a:solidFill>
+                <a:latin typeface="Source Sans Pro Black"/>
+                <a:ea typeface="DejaVu Sans"/>
+              </a:rPr>
+              <a:t>nci</a:t>
+            </a:r>
+            <a:r>
+              <a:rPr b="1" lang="pt-BR" sz="2600" spc="-1" strike="noStrike">
+                <a:solidFill>
+                  <a:srgbClr val="ffffff"/>
+                </a:solidFill>
+                <a:latin typeface="Source Sans Pro Black"/>
+                <a:ea typeface="DejaVu Sans"/>
+              </a:rPr>
+              <a:t>a </a:t>
+            </a:r>
+            <a:r>
+              <a:rPr b="1" lang="pt-BR" sz="2600" spc="-1" strike="noStrike">
+                <a:solidFill>
+                  <a:srgbClr val="ffffff"/>
+                </a:solidFill>
+                <a:latin typeface="Source Sans Pro Black"/>
+                <a:ea typeface="DejaVu Sans"/>
+              </a:rPr>
+              <a:t>Eu</a:t>
+            </a:r>
+            <a:r>
+              <a:rPr b="1" lang="pt-BR" sz="2600" spc="-1" strike="noStrike">
+                <a:solidFill>
+                  <a:srgbClr val="ffffff"/>
+                </a:solidFill>
+                <a:latin typeface="Source Sans Pro Black"/>
+                <a:ea typeface="DejaVu Sans"/>
+              </a:rPr>
+              <a:t>cli</a:t>
+            </a:r>
+            <a:r>
+              <a:rPr b="1" lang="pt-BR" sz="2600" spc="-1" strike="noStrike">
+                <a:solidFill>
+                  <a:srgbClr val="ffffff"/>
+                </a:solidFill>
+                <a:latin typeface="Source Sans Pro Black"/>
+                <a:ea typeface="DejaVu Sans"/>
+              </a:rPr>
+              <a:t>dia</a:t>
+            </a:r>
+            <a:r>
+              <a:rPr b="1" lang="pt-BR" sz="2600" spc="-1" strike="noStrike">
+                <a:solidFill>
+                  <a:srgbClr val="ffffff"/>
+                </a:solidFill>
+                <a:latin typeface="Source Sans Pro Black"/>
+                <a:ea typeface="DejaVu Sans"/>
+              </a:rPr>
+              <a:t>na</a:t>
+            </a:r>
+            <a:endParaRPr b="0" lang="pt-BR" sz="2600" spc="-1" strike="noStrike">
+              <a:latin typeface="Arial"/>
+            </a:endParaRPr>
+          </a:p>
+        </p:txBody>
+      </p:sp>
+      <p:sp>
+        <p:nvSpPr>
+          <p:cNvPr id="283" name="CustomShape 39"/>
+          <p:cNvSpPr/>
+          <p:nvPr/>
+        </p:nvSpPr>
+        <p:spPr>
+          <a:xfrm>
+            <a:off x="360000" y="1447920"/>
+            <a:ext cx="9168480" cy="4668480"/>
+          </a:xfrm>
+          <a:prstGeom prst="rect">
+            <a:avLst/>
+          </a:prstGeom>
+          <a:noFill/>
+          <a:ln w="0">
+            <a:noFill/>
+          </a:ln>
+        </p:spPr>
+        <p:style>
+          <a:lnRef idx="0"/>
+          <a:fillRef idx="0"/>
+          <a:effectRef idx="0"/>
+          <a:fontRef idx="minor"/>
+        </p:style>
+        <p:txBody>
+          <a:bodyPr lIns="0" rIns="0" tIns="0" bIns="0" anchor="t">
+            <a:normAutofit/>
+          </a:bodyPr>
+          <a:p>
+            <a:pPr>
+              <a:lnSpc>
+                <a:spcPct val="100000"/>
+              </a:lnSpc>
+              <a:spcAft>
+                <a:spcPts val="1134"/>
+              </a:spcAft>
+              <a:buNone/>
+            </a:pPr>
+            <a:r>
+              <a:rPr b="0" lang="pt-BR" sz="2000" spc="-1" strike="noStrike">
+                <a:solidFill>
+                  <a:srgbClr val="1c1c1c"/>
+                </a:solidFill>
+                <a:latin typeface="Latin Modern Sans"/>
+                <a:ea typeface="DejaVu Sans"/>
+              </a:rPr>
+              <a:t>	</a:t>
+            </a:r>
+            <a:endParaRPr b="0" lang="pt-BR" sz="2000" spc="-1" strike="noStrike">
+              <a:latin typeface="Arial"/>
+            </a:endParaRPr>
+          </a:p>
+          <a:p>
+            <a:pPr marL="216000" indent="-216000">
+              <a:lnSpc>
+                <a:spcPct val="100000"/>
+              </a:lnSpc>
+              <a:spcAft>
+                <a:spcPts val="1134"/>
+              </a:spcAft>
+              <a:buClr>
+                <a:srgbClr val="000000"/>
+              </a:buClr>
+              <a:buSzPct val="45000"/>
+              <a:buFont typeface="Wingdings" charset="2"/>
+              <a:buChar char=""/>
+            </a:pPr>
+            <a:r>
+              <a:rPr b="0" lang="pt-BR" sz="2000" spc="-1" strike="noStrike">
+                <a:solidFill>
+                  <a:srgbClr val="1c1c1c"/>
+                </a:solidFill>
+                <a:latin typeface="Latin Modern Sans"/>
+                <a:ea typeface="DejaVu Sans"/>
+              </a:rPr>
+              <a:t>De</a:t>
+            </a:r>
+            <a:r>
+              <a:rPr b="0" lang="pt-BR" sz="2000" spc="-1" strike="noStrike">
+                <a:solidFill>
+                  <a:srgbClr val="1c1c1c"/>
+                </a:solidFill>
+                <a:latin typeface="Latin Modern Sans"/>
+                <a:ea typeface="DejaVu Sans"/>
+              </a:rPr>
+              <a:t>ter</a:t>
+            </a:r>
+            <a:r>
+              <a:rPr b="0" lang="pt-BR" sz="2000" spc="-1" strike="noStrike">
+                <a:solidFill>
+                  <a:srgbClr val="1c1c1c"/>
+                </a:solidFill>
+                <a:latin typeface="Latin Modern Sans"/>
+                <a:ea typeface="DejaVu Sans"/>
+              </a:rPr>
+              <a:t>mi</a:t>
+            </a:r>
+            <a:r>
+              <a:rPr b="0" lang="pt-BR" sz="2000" spc="-1" strike="noStrike">
+                <a:solidFill>
+                  <a:srgbClr val="1c1c1c"/>
+                </a:solidFill>
+                <a:latin typeface="Latin Modern Sans"/>
+                <a:ea typeface="DejaVu Sans"/>
+              </a:rPr>
+              <a:t>na </a:t>
+            </a:r>
+            <a:r>
+              <a:rPr b="0" lang="pt-BR" sz="2000" spc="-1" strike="noStrike">
+                <a:solidFill>
+                  <a:srgbClr val="1c1c1c"/>
+                </a:solidFill>
+                <a:latin typeface="Latin Modern Sans"/>
+                <a:ea typeface="DejaVu Sans"/>
+              </a:rPr>
+              <a:t>a </a:t>
+            </a:r>
+            <a:r>
+              <a:rPr b="0" lang="pt-BR" sz="2000" spc="-1" strike="noStrike">
+                <a:solidFill>
+                  <a:srgbClr val="1c1c1c"/>
+                </a:solidFill>
+                <a:latin typeface="Latin Modern Sans"/>
+                <a:ea typeface="DejaVu Sans"/>
+              </a:rPr>
+              <a:t>dis</a:t>
+            </a:r>
+            <a:r>
+              <a:rPr b="0" lang="pt-BR" sz="2000" spc="-1" strike="noStrike">
+                <a:solidFill>
+                  <a:srgbClr val="1c1c1c"/>
+                </a:solidFill>
+                <a:latin typeface="Latin Modern Sans"/>
+                <a:ea typeface="DejaVu Sans"/>
+              </a:rPr>
+              <a:t>tâ</a:t>
+            </a:r>
+            <a:r>
+              <a:rPr b="0" lang="pt-BR" sz="2000" spc="-1" strike="noStrike">
+                <a:solidFill>
+                  <a:srgbClr val="1c1c1c"/>
+                </a:solidFill>
+                <a:latin typeface="Latin Modern Sans"/>
+                <a:ea typeface="DejaVu Sans"/>
+              </a:rPr>
+              <a:t>nci</a:t>
+            </a:r>
+            <a:r>
+              <a:rPr b="0" lang="pt-BR" sz="2000" spc="-1" strike="noStrike">
+                <a:solidFill>
+                  <a:srgbClr val="1c1c1c"/>
+                </a:solidFill>
+                <a:latin typeface="Latin Modern Sans"/>
+                <a:ea typeface="DejaVu Sans"/>
+              </a:rPr>
+              <a:t>a </a:t>
+            </a:r>
+            <a:r>
+              <a:rPr b="0" lang="pt-BR" sz="2000" spc="-1" strike="noStrike">
+                <a:solidFill>
+                  <a:srgbClr val="1c1c1c"/>
+                </a:solidFill>
+                <a:latin typeface="Latin Modern Sans"/>
+                <a:ea typeface="DejaVu Sans"/>
+              </a:rPr>
+              <a:t>en</a:t>
+            </a:r>
+            <a:r>
+              <a:rPr b="0" lang="pt-BR" sz="2000" spc="-1" strike="noStrike">
+                <a:solidFill>
+                  <a:srgbClr val="1c1c1c"/>
+                </a:solidFill>
+                <a:latin typeface="Latin Modern Sans"/>
+                <a:ea typeface="DejaVu Sans"/>
+              </a:rPr>
+              <a:t>tre </a:t>
+            </a:r>
+            <a:r>
+              <a:rPr b="0" lang="pt-BR" sz="2000" spc="-1" strike="noStrike">
+                <a:solidFill>
+                  <a:srgbClr val="1c1c1c"/>
+                </a:solidFill>
+                <a:latin typeface="Latin Modern Sans"/>
+                <a:ea typeface="DejaVu Sans"/>
+              </a:rPr>
+              <a:t>do</a:t>
+            </a:r>
+            <a:r>
+              <a:rPr b="0" lang="pt-BR" sz="2000" spc="-1" strike="noStrike">
+                <a:solidFill>
+                  <a:srgbClr val="1c1c1c"/>
+                </a:solidFill>
+                <a:latin typeface="Latin Modern Sans"/>
+                <a:ea typeface="DejaVu Sans"/>
+              </a:rPr>
+              <a:t>is </a:t>
+            </a:r>
+            <a:r>
+              <a:rPr b="0" lang="pt-BR" sz="2000" spc="-1" strike="noStrike">
+                <a:solidFill>
+                  <a:srgbClr val="1c1c1c"/>
+                </a:solidFill>
+                <a:latin typeface="Latin Modern Sans"/>
+                <a:ea typeface="DejaVu Sans"/>
+              </a:rPr>
+              <a:t>po</a:t>
+            </a:r>
+            <a:r>
+              <a:rPr b="0" lang="pt-BR" sz="2000" spc="-1" strike="noStrike">
+                <a:solidFill>
+                  <a:srgbClr val="1c1c1c"/>
+                </a:solidFill>
+                <a:latin typeface="Latin Modern Sans"/>
+                <a:ea typeface="DejaVu Sans"/>
+              </a:rPr>
+              <a:t>nt</a:t>
+            </a:r>
+            <a:r>
+              <a:rPr b="0" lang="pt-BR" sz="2000" spc="-1" strike="noStrike">
+                <a:solidFill>
+                  <a:srgbClr val="1c1c1c"/>
+                </a:solidFill>
+                <a:latin typeface="Latin Modern Sans"/>
+                <a:ea typeface="DejaVu Sans"/>
+              </a:rPr>
+              <a:t>os </a:t>
+            </a:r>
+            <a:r>
+              <a:rPr b="0" lang="pt-BR" sz="2000" spc="-1" strike="noStrike">
+                <a:solidFill>
+                  <a:srgbClr val="1c1c1c"/>
+                </a:solidFill>
+                <a:latin typeface="Latin Modern Sans"/>
+                <a:ea typeface="DejaVu Sans"/>
+              </a:rPr>
+              <a:t>de </a:t>
+            </a:r>
+            <a:r>
+              <a:rPr b="0" lang="pt-BR" sz="2000" spc="-1" strike="noStrike">
+                <a:solidFill>
+                  <a:srgbClr val="1c1c1c"/>
+                </a:solidFill>
+                <a:latin typeface="Latin Modern Sans"/>
+                <a:ea typeface="DejaVu Sans"/>
+              </a:rPr>
+              <a:t>no </a:t>
+            </a:r>
+            <a:r>
+              <a:rPr b="0" lang="pt-BR" sz="2000" spc="-1" strike="noStrike">
+                <a:solidFill>
+                  <a:srgbClr val="1c1c1c"/>
+                </a:solidFill>
+                <a:latin typeface="Latin Modern Sans"/>
+                <a:ea typeface="DejaVu Sans"/>
+              </a:rPr>
+              <a:t>pl</a:t>
+            </a:r>
+            <a:r>
+              <a:rPr b="0" lang="pt-BR" sz="2000" spc="-1" strike="noStrike">
+                <a:solidFill>
+                  <a:srgbClr val="1c1c1c"/>
+                </a:solidFill>
+                <a:latin typeface="Latin Modern Sans"/>
+                <a:ea typeface="DejaVu Sans"/>
+              </a:rPr>
+              <a:t>an</a:t>
+            </a:r>
+            <a:r>
+              <a:rPr b="0" lang="pt-BR" sz="2000" spc="-1" strike="noStrike">
+                <a:solidFill>
+                  <a:srgbClr val="1c1c1c"/>
+                </a:solidFill>
+                <a:latin typeface="Latin Modern Sans"/>
+                <a:ea typeface="DejaVu Sans"/>
+              </a:rPr>
+              <a:t>o </a:t>
+            </a:r>
+            <a:r>
+              <a:rPr b="0" lang="pt-BR" sz="2000" spc="-1" strike="noStrike">
+                <a:solidFill>
+                  <a:srgbClr val="1c1c1c"/>
+                </a:solidFill>
+                <a:latin typeface="Latin Modern Sans"/>
+                <a:ea typeface="DejaVu Sans"/>
+              </a:rPr>
+              <a:t>ca</a:t>
+            </a:r>
+            <a:r>
+              <a:rPr b="0" lang="pt-BR" sz="2000" spc="-1" strike="noStrike">
+                <a:solidFill>
+                  <a:srgbClr val="1c1c1c"/>
+                </a:solidFill>
+                <a:latin typeface="Latin Modern Sans"/>
+                <a:ea typeface="DejaVu Sans"/>
+              </a:rPr>
+              <a:t>rte</a:t>
+            </a:r>
+            <a:r>
+              <a:rPr b="0" lang="pt-BR" sz="2000" spc="-1" strike="noStrike">
+                <a:solidFill>
+                  <a:srgbClr val="1c1c1c"/>
+                </a:solidFill>
+                <a:latin typeface="Latin Modern Sans"/>
+                <a:ea typeface="DejaVu Sans"/>
+              </a:rPr>
+              <a:t>sia</a:t>
+            </a:r>
+            <a:r>
+              <a:rPr b="0" lang="pt-BR" sz="2000" spc="-1" strike="noStrike">
+                <a:solidFill>
+                  <a:srgbClr val="1c1c1c"/>
+                </a:solidFill>
+                <a:latin typeface="Latin Modern Sans"/>
+                <a:ea typeface="DejaVu Sans"/>
+              </a:rPr>
+              <a:t>no</a:t>
+            </a:r>
+            <a:endParaRPr b="0" lang="pt-BR" sz="2000" spc="-1" strike="noStrike">
+              <a:latin typeface="Arial"/>
+            </a:endParaRPr>
+          </a:p>
+          <a:p>
+            <a:pPr>
+              <a:lnSpc>
+                <a:spcPct val="100000"/>
+              </a:lnSpc>
+              <a:spcAft>
+                <a:spcPts val="1134"/>
+              </a:spcAft>
+              <a:buNone/>
+            </a:pPr>
+            <a:endParaRPr b="0" lang="pt-BR" sz="2000" spc="-1" strike="noStrike">
+              <a:latin typeface="Arial"/>
+            </a:endParaRPr>
+          </a:p>
+          <a:p>
+            <a:pPr>
+              <a:lnSpc>
+                <a:spcPct val="100000"/>
+              </a:lnSpc>
+              <a:spcAft>
+                <a:spcPts val="1134"/>
+              </a:spcAft>
+              <a:buNone/>
+            </a:pPr>
+            <a:endParaRPr b="0" lang="pt-BR" sz="1300" spc="-1" strike="noStrike">
+              <a:latin typeface="Arial"/>
+            </a:endParaRPr>
+          </a:p>
+        </p:txBody>
+      </p:sp>
+      <p:sp>
+        <p:nvSpPr>
+          <p:cNvPr id="284" name="CustomShape 40"/>
+          <p:cNvSpPr/>
+          <p:nvPr/>
+        </p:nvSpPr>
+        <p:spPr>
+          <a:xfrm>
+            <a:off x="897120" y="6886080"/>
+            <a:ext cx="6435720" cy="353520"/>
+          </a:xfrm>
+          <a:prstGeom prst="rect">
+            <a:avLst/>
+          </a:prstGeom>
+          <a:noFill/>
+          <a:ln w="0">
+            <a:noFill/>
+          </a:ln>
+        </p:spPr>
+        <p:style>
+          <a:lnRef idx="0"/>
+          <a:fillRef idx="0"/>
+          <a:effectRef idx="0"/>
+          <a:fontRef idx="minor"/>
+        </p:style>
+        <p:txBody>
+          <a:bodyPr lIns="90000" rIns="90000" tIns="45000" bIns="45000" anchor="t">
+            <a:noAutofit/>
+          </a:bodyPr>
+          <a:p>
+            <a:pPr>
+              <a:lnSpc>
+                <a:spcPct val="100000"/>
+              </a:lnSpc>
+              <a:buNone/>
+            </a:pPr>
+            <a:r>
+              <a:rPr b="0" lang="pt-BR" sz="1800" spc="-1" strike="noStrike">
+                <a:solidFill>
+                  <a:srgbClr val="000000"/>
+                </a:solidFill>
+                <a:latin typeface="Arial"/>
+                <a:ea typeface="DejaVu Sans"/>
+              </a:rPr>
+              <a:t>Apren</a:t>
+            </a:r>
+            <a:r>
+              <a:rPr b="0" lang="pt-BR" sz="1800" spc="-1" strike="noStrike">
+                <a:solidFill>
+                  <a:srgbClr val="000000"/>
+                </a:solidFill>
+                <a:latin typeface="Arial"/>
+                <a:ea typeface="DejaVu Sans"/>
+              </a:rPr>
+              <a:t>dizad</a:t>
+            </a:r>
+            <a:r>
+              <a:rPr b="0" lang="pt-BR" sz="1800" spc="-1" strike="noStrike">
+                <a:solidFill>
+                  <a:srgbClr val="000000"/>
+                </a:solidFill>
+                <a:latin typeface="Arial"/>
+                <a:ea typeface="DejaVu Sans"/>
+              </a:rPr>
+              <a:t>o de </a:t>
+            </a:r>
+            <a:r>
+              <a:rPr b="0" lang="pt-BR" sz="1800" spc="-1" strike="noStrike">
+                <a:solidFill>
+                  <a:srgbClr val="000000"/>
+                </a:solidFill>
+                <a:latin typeface="Arial"/>
+                <a:ea typeface="DejaVu Sans"/>
+              </a:rPr>
+              <a:t>Máqui</a:t>
+            </a:r>
+            <a:r>
+              <a:rPr b="0" lang="pt-BR" sz="1800" spc="-1" strike="noStrike">
+                <a:solidFill>
+                  <a:srgbClr val="000000"/>
+                </a:solidFill>
+                <a:latin typeface="Arial"/>
+                <a:ea typeface="DejaVu Sans"/>
+              </a:rPr>
+              <a:t>na - </a:t>
+            </a:r>
+            <a:r>
+              <a:rPr b="0" lang="pt-BR" sz="1800" spc="-1" strike="noStrike">
+                <a:solidFill>
+                  <a:srgbClr val="000000"/>
+                </a:solidFill>
+                <a:latin typeface="Arial"/>
+                <a:ea typeface="DejaVu Sans"/>
+              </a:rPr>
+              <a:t>Prof. </a:t>
+            </a:r>
+            <a:r>
+              <a:rPr b="0" lang="pt-BR" sz="1800" spc="-1" strike="noStrike">
+                <a:solidFill>
+                  <a:srgbClr val="000000"/>
+                </a:solidFill>
+                <a:latin typeface="Arial"/>
+                <a:ea typeface="DejaVu Sans"/>
+              </a:rPr>
+              <a:t>André </a:t>
+            </a:r>
+            <a:r>
+              <a:rPr b="0" lang="pt-BR" sz="1800" spc="-1" strike="noStrike">
+                <a:solidFill>
+                  <a:srgbClr val="000000"/>
+                </a:solidFill>
+                <a:latin typeface="Arial"/>
+                <a:ea typeface="DejaVu Sans"/>
+              </a:rPr>
+              <a:t>Hoch</a:t>
+            </a:r>
+            <a:r>
+              <a:rPr b="0" lang="pt-BR" sz="1800" spc="-1" strike="noStrike">
+                <a:solidFill>
+                  <a:srgbClr val="000000"/>
+                </a:solidFill>
+                <a:latin typeface="Arial"/>
+                <a:ea typeface="DejaVu Sans"/>
+              </a:rPr>
+              <a:t>uli</a:t>
+            </a:r>
+            <a:endParaRPr b="0" lang="pt-BR" sz="1800" spc="-1" strike="noStrike">
+              <a:latin typeface="Arial"/>
+            </a:endParaRPr>
+          </a:p>
+        </p:txBody>
+      </p:sp>
+      <p:sp>
+        <p:nvSpPr>
+          <p:cNvPr id="285" name="CustomShape 41"/>
+          <p:cNvSpPr/>
+          <p:nvPr/>
+        </p:nvSpPr>
+        <p:spPr>
+          <a:xfrm>
+            <a:off x="7608600" y="6886080"/>
+            <a:ext cx="2273760" cy="353520"/>
+          </a:xfrm>
+          <a:prstGeom prst="rect">
+            <a:avLst/>
+          </a:prstGeom>
+          <a:noFill/>
+          <a:ln w="0">
+            <a:noFill/>
+          </a:ln>
+        </p:spPr>
+        <p:style>
+          <a:lnRef idx="0"/>
+          <a:fillRef idx="0"/>
+          <a:effectRef idx="0"/>
+          <a:fontRef idx="minor"/>
+        </p:style>
+        <p:txBody>
+          <a:bodyPr lIns="90000" rIns="90000" tIns="45000" bIns="45000" anchor="t">
+            <a:noAutofit/>
+          </a:bodyPr>
+          <a:p>
+            <a:pPr>
+              <a:lnSpc>
+                <a:spcPct val="100000"/>
+              </a:lnSpc>
+              <a:buNone/>
+            </a:pPr>
+            <a:r>
+              <a:rPr b="0" lang="pt-BR" sz="1800" spc="-1" strike="noStrike">
+                <a:solidFill>
+                  <a:srgbClr val="000000"/>
+                </a:solidFill>
+                <a:latin typeface="Arial"/>
+                <a:ea typeface="DejaVu Sans"/>
+              </a:rPr>
+              <a:t>KNN</a:t>
+            </a:r>
+            <a:endParaRPr b="0" lang="pt-BR" sz="1800" spc="-1" strike="noStrike">
+              <a:latin typeface="Arial"/>
+            </a:endParaRPr>
+          </a:p>
+        </p:txBody>
+      </p:sp>
+      <p:sp>
+        <p:nvSpPr>
+          <p:cNvPr id="286" name=""/>
+          <p:cNvSpPr/>
+          <p:nvPr/>
+        </p:nvSpPr>
+        <p:spPr>
+          <a:xfrm>
+            <a:off x="1962000" y="3637080"/>
+            <a:ext cx="6300720" cy="1113840"/>
+          </a:xfrm>
+          <a:prstGeom prst="rect">
+            <a:avLst/>
+          </a:prstGeom>
+          <a:noFill/>
+          <a:ln w="0">
+            <a:noFill/>
+          </a:ln>
+        </p:spPr>
+        <p:style>
+          <a:lnRef idx="0"/>
+          <a:fillRef idx="0"/>
+          <a:effectRef idx="0"/>
+          <a:fontRef idx="minor"/>
+        </p:style>
+        <p:txBody>
+          <a:bodyPr lIns="90000" rIns="90000" tIns="45000" bIns="45000" anchor="t">
+            <a:noAutofit/>
+          </a:bodyPr>
+          <a:p>
+            <a:pPr>
+              <a:lnSpc>
+                <a:spcPct val="100000"/>
+              </a:lnSpc>
+              <a:buNone/>
+            </a:pPr>
+            <a:r>
+              <a:rPr b="0" lang="pt-BR" sz="1800" spc="-1" strike="noStrike" u="sng">
+                <a:solidFill>
+                  <a:srgbClr val="0000ff"/>
+                </a:solidFill>
+                <a:uFillTx/>
+                <a:latin typeface="Arial"/>
+                <a:hlinkClick r:id="rId1"/>
+              </a:rPr>
+              <a:t>https://colab.research.google.com/#scrollTo=rgQW2nlZ09aO</a:t>
+            </a:r>
+            <a:endParaRPr b="0" lang="pt-BR" sz="1800" spc="-1" strike="noStrike">
+              <a:latin typeface="Arial"/>
+            </a:endParaRPr>
+          </a:p>
+          <a:p>
+            <a:pPr>
+              <a:lnSpc>
+                <a:spcPct val="100000"/>
+              </a:lnSpc>
+              <a:buNone/>
+            </a:pPr>
+            <a:endParaRPr b="0" lang="pt-BR" sz="1800" spc="-1" strike="noStrike">
+              <a:latin typeface="Arial"/>
+            </a:endParaRPr>
+          </a:p>
+          <a:p>
+            <a:pPr>
+              <a:lnSpc>
+                <a:spcPct val="100000"/>
+              </a:lnSpc>
+              <a:buNone/>
+            </a:pPr>
+            <a:r>
+              <a:rPr b="0" lang="pt-BR" sz="1800" spc="-1" strike="noStrike">
+                <a:latin typeface="Arial"/>
+              </a:rPr>
+              <a:t>https:</a:t>
+            </a:r>
+            <a:r>
+              <a:rPr b="0" lang="pt-BR" sz="1800" spc="-1" strike="noStrike">
+                <a:latin typeface="Arial"/>
+              </a:rPr>
+              <a:t>//</a:t>
+            </a:r>
+            <a:r>
+              <a:rPr b="0" lang="pt-BR" sz="1800" spc="-1" strike="noStrike">
+                <a:latin typeface="Arial"/>
+              </a:rPr>
+              <a:t>pytho</a:t>
+            </a:r>
+            <a:r>
+              <a:rPr b="0" lang="pt-BR" sz="1800" spc="-1" strike="noStrike">
+                <a:latin typeface="Arial"/>
+              </a:rPr>
+              <a:t>n-</a:t>
+            </a:r>
+            <a:r>
+              <a:rPr b="0" lang="pt-BR" sz="1800" spc="-1" strike="noStrike">
+                <a:latin typeface="Arial"/>
+              </a:rPr>
+              <a:t>cours</a:t>
+            </a:r>
+            <a:r>
+              <a:rPr b="0" lang="pt-BR" sz="1800" spc="-1" strike="noStrike">
+                <a:latin typeface="Arial"/>
+              </a:rPr>
+              <a:t>e.eu/</a:t>
+            </a:r>
+            <a:r>
+              <a:rPr b="0" lang="pt-BR" sz="1800" spc="-1" strike="noStrike">
+                <a:latin typeface="Arial"/>
+              </a:rPr>
+              <a:t>machi</a:t>
+            </a:r>
+            <a:r>
+              <a:rPr b="0" lang="pt-BR" sz="1800" spc="-1" strike="noStrike">
+                <a:latin typeface="Arial"/>
+              </a:rPr>
+              <a:t>ne-</a:t>
+            </a:r>
+            <a:r>
+              <a:rPr b="0" lang="pt-BR" sz="1800" spc="-1" strike="noStrike">
+                <a:latin typeface="Arial"/>
+              </a:rPr>
+              <a:t>learni</a:t>
+            </a:r>
+            <a:r>
+              <a:rPr b="0" lang="pt-BR" sz="1800" spc="-1" strike="noStrike">
+                <a:latin typeface="Arial"/>
+              </a:rPr>
+              <a:t>ng/k-</a:t>
+            </a:r>
+            <a:r>
+              <a:rPr b="0" lang="pt-BR" sz="1800" spc="-1" strike="noStrike">
+                <a:latin typeface="Arial"/>
+              </a:rPr>
+              <a:t>neare</a:t>
+            </a:r>
+            <a:r>
+              <a:rPr b="0" lang="pt-BR" sz="1800" spc="-1" strike="noStrike">
+                <a:latin typeface="Arial"/>
+              </a:rPr>
+              <a:t>st-</a:t>
+            </a:r>
+            <a:r>
+              <a:rPr b="0" lang="pt-BR" sz="1800" spc="-1" strike="noStrike">
+                <a:latin typeface="Arial"/>
+              </a:rPr>
+              <a:t>neigh</a:t>
+            </a:r>
+            <a:r>
+              <a:rPr b="0" lang="pt-BR" sz="1800" spc="-1" strike="noStrike">
+                <a:latin typeface="Arial"/>
+              </a:rPr>
+              <a:t>bor-</a:t>
+            </a:r>
+            <a:r>
+              <a:rPr b="0" lang="pt-BR" sz="1800" spc="-1" strike="noStrike">
+                <a:latin typeface="Arial"/>
+              </a:rPr>
+              <a:t>classi</a:t>
+            </a:r>
+            <a:r>
+              <a:rPr b="0" lang="pt-BR" sz="1800" spc="-1" strike="noStrike">
+                <a:latin typeface="Arial"/>
+              </a:rPr>
+              <a:t>fier-</a:t>
+            </a:r>
+            <a:r>
+              <a:rPr b="0" lang="pt-BR" sz="1800" spc="-1" strike="noStrike">
+                <a:latin typeface="Arial"/>
+              </a:rPr>
+              <a:t>with-</a:t>
+            </a:r>
+            <a:r>
+              <a:rPr b="0" lang="pt-BR" sz="1800" spc="-1" strike="noStrike">
+                <a:latin typeface="Arial"/>
+              </a:rPr>
+              <a:t>sklear</a:t>
+            </a:r>
+            <a:r>
+              <a:rPr b="0" lang="pt-BR" sz="1800" spc="-1" strike="noStrike">
+                <a:latin typeface="Arial"/>
+              </a:rPr>
+              <a:t>n.php</a:t>
+            </a:r>
+            <a:endParaRPr b="0" lang="pt-BR" sz="1800" spc="-1" strike="noStrike">
               <a:latin typeface="Arial"/>
             </a:endParaRPr>
           </a:p>
@@ -11331,14 +14127,14 @@
       </p:grpSpPr>
       <p:sp>
         <p:nvSpPr>
-          <p:cNvPr id="212" name="CustomShape 1"/>
+          <p:cNvPr id="215" name="CustomShape 1"/>
           <p:cNvSpPr/>
           <p:nvPr/>
         </p:nvSpPr>
         <p:spPr>
           <a:xfrm>
             <a:off x="360000" y="360000"/>
-            <a:ext cx="9355320" cy="895320"/>
+            <a:ext cx="9354960" cy="894960"/>
           </a:xfrm>
           <a:prstGeom prst="rect">
             <a:avLst/>
@@ -11383,14 +14179,14 @@
       </p:sp>
       <p:sp>
         <p:nvSpPr>
-          <p:cNvPr id="213" name="CustomShape 4"/>
+          <p:cNvPr id="216" name="CustomShape 4"/>
           <p:cNvSpPr/>
           <p:nvPr/>
         </p:nvSpPr>
         <p:spPr>
           <a:xfrm>
             <a:off x="360000" y="1980000"/>
-            <a:ext cx="9175320" cy="4675320"/>
+            <a:ext cx="9174960" cy="4674960"/>
           </a:xfrm>
           <a:prstGeom prst="rect">
             <a:avLst/>
@@ -11556,25 +14352,6 @@
             </a:endParaRPr>
           </a:p>
           <a:p>
-            <a:pPr marL="216000" indent="-212400">
-              <a:lnSpc>
-                <a:spcPct val="100000"/>
-              </a:lnSpc>
-              <a:spcAft>
-                <a:spcPts val="1140"/>
-              </a:spcAft>
-              <a:buClr>
-                <a:srgbClr val="000000"/>
-              </a:buClr>
-              <a:buSzPct val="45000"/>
-              <a:buFont typeface="Wingdings" charset="2"/>
-              <a:buChar char=""/>
-            </a:pPr>
-            <a:endParaRPr b="0" lang="pt-BR" sz="1600" spc="-1" strike="noStrike">
-              <a:latin typeface="Arial"/>
-            </a:endParaRPr>
-          </a:p>
-          <a:p>
             <a:pPr>
               <a:lnSpc>
                 <a:spcPct val="100000"/>
@@ -11584,6 +14361,20 @@
               </a:spcAft>
               <a:buNone/>
             </a:pPr>
+            <a:endParaRPr b="0" lang="pt-BR" sz="1600" spc="-1" strike="noStrike">
+              <a:latin typeface="Arial"/>
+            </a:endParaRPr>
+          </a:p>
+          <a:p>
+            <a:pPr>
+              <a:lnSpc>
+                <a:spcPct val="100000"/>
+              </a:lnSpc>
+              <a:spcAft>
+                <a:spcPts val="1140"/>
+              </a:spcAft>
+              <a:buNone/>
+            </a:pPr>
             <a:endParaRPr b="0" lang="pt-BR" sz="2000" spc="-1" strike="noStrike">
               <a:latin typeface="Arial"/>
             </a:endParaRPr>
@@ -11592,14 +14383,14 @@
       </p:sp>
       <p:sp>
         <p:nvSpPr>
-          <p:cNvPr id="214" name="CustomShape 2"/>
+          <p:cNvPr id="217" name="CustomShape 2"/>
           <p:cNvSpPr/>
           <p:nvPr/>
         </p:nvSpPr>
         <p:spPr>
           <a:xfrm>
             <a:off x="897120" y="6886080"/>
-            <a:ext cx="6442560" cy="360360"/>
+            <a:ext cx="6442200" cy="360000"/>
           </a:xfrm>
           <a:prstGeom prst="rect">
             <a:avLst/>
@@ -11644,14 +14435,14 @@
       </p:sp>
       <p:sp>
         <p:nvSpPr>
-          <p:cNvPr id="215" name="CustomShape 3"/>
+          <p:cNvPr id="218" name="CustomShape 3"/>
           <p:cNvSpPr/>
           <p:nvPr/>
         </p:nvSpPr>
         <p:spPr>
           <a:xfrm>
             <a:off x="7608600" y="6886080"/>
-            <a:ext cx="2280600" cy="360360"/>
+            <a:ext cx="2280240" cy="360000"/>
           </a:xfrm>
           <a:prstGeom prst="rect">
             <a:avLst/>
@@ -11696,7 +14487,7 @@
       </p:sp>
       <p:pic>
         <p:nvPicPr>
-          <p:cNvPr id="216" name="" descr=""/>
+          <p:cNvPr id="219" name="" descr=""/>
           <p:cNvPicPr/>
           <p:nvPr/>
         </p:nvPicPr>
@@ -11707,7 +14498,7 @@
         <p:spPr>
           <a:xfrm>
             <a:off x="2045520" y="3960000"/>
-            <a:ext cx="6134040" cy="1856880"/>
+            <a:ext cx="6133680" cy="1856520"/>
           </a:xfrm>
           <a:prstGeom prst="rect">
             <a:avLst/>
@@ -11719,14 +14510,14 @@
       </p:pic>
       <p:sp>
         <p:nvSpPr>
-          <p:cNvPr id="217" name=""/>
+          <p:cNvPr id="220" name=""/>
           <p:cNvSpPr/>
           <p:nvPr/>
         </p:nvSpPr>
         <p:spPr>
           <a:xfrm>
             <a:off x="2520360" y="5508360"/>
-            <a:ext cx="270000" cy="270000"/>
+            <a:ext cx="269640" cy="269640"/>
           </a:xfrm>
           <a:prstGeom prst="ellipse">
             <a:avLst/>
@@ -11749,14 +14540,14 @@
       </p:sp>
       <p:sp>
         <p:nvSpPr>
-          <p:cNvPr id="218" name=""/>
+          <p:cNvPr id="221" name=""/>
           <p:cNvSpPr/>
           <p:nvPr/>
         </p:nvSpPr>
         <p:spPr>
           <a:xfrm>
             <a:off x="2016360" y="5508360"/>
-            <a:ext cx="270000" cy="270000"/>
+            <a:ext cx="269640" cy="269640"/>
           </a:xfrm>
           <a:prstGeom prst="ellipse">
             <a:avLst/>
@@ -11809,14 +14600,14 @@
       </p:grpSpPr>
       <p:sp>
         <p:nvSpPr>
-          <p:cNvPr id="219" name="CustomShape 10"/>
+          <p:cNvPr id="222" name="CustomShape 10"/>
           <p:cNvSpPr/>
           <p:nvPr/>
         </p:nvSpPr>
         <p:spPr>
           <a:xfrm>
             <a:off x="360000" y="360000"/>
-            <a:ext cx="9348840" cy="888840"/>
+            <a:ext cx="9348480" cy="888480"/>
           </a:xfrm>
           <a:prstGeom prst="rect">
             <a:avLst/>
@@ -11861,14 +14652,14 @@
       </p:sp>
       <p:sp>
         <p:nvSpPr>
-          <p:cNvPr id="220" name="CustomShape 13"/>
+          <p:cNvPr id="223" name="CustomShape 13"/>
           <p:cNvSpPr/>
           <p:nvPr/>
         </p:nvSpPr>
         <p:spPr>
           <a:xfrm>
             <a:off x="897120" y="6886080"/>
-            <a:ext cx="6436080" cy="353880"/>
+            <a:ext cx="6435720" cy="353520"/>
           </a:xfrm>
           <a:prstGeom prst="rect">
             <a:avLst/>
@@ -11913,14 +14704,14 @@
       </p:sp>
       <p:sp>
         <p:nvSpPr>
-          <p:cNvPr id="221" name="CustomShape 14"/>
+          <p:cNvPr id="224" name="CustomShape 14"/>
           <p:cNvSpPr/>
           <p:nvPr/>
         </p:nvSpPr>
         <p:spPr>
           <a:xfrm>
             <a:off x="7608600" y="6886080"/>
-            <a:ext cx="2274120" cy="353880"/>
+            <a:ext cx="2273760" cy="353520"/>
           </a:xfrm>
           <a:prstGeom prst="rect">
             <a:avLst/>
@@ -11965,7 +14756,7 @@
       </p:sp>
       <p:pic>
         <p:nvPicPr>
-          <p:cNvPr id="222" name="" descr=""/>
+          <p:cNvPr id="225" name="" descr=""/>
           <p:cNvPicPr/>
           <p:nvPr/>
         </p:nvPicPr>
@@ -11975,8 +14766,8 @@
         </p:blipFill>
         <p:spPr>
           <a:xfrm>
-            <a:off x="900000" y="1980000"/>
-            <a:ext cx="8094240" cy="4360320"/>
+            <a:off x="652320" y="2123640"/>
+            <a:ext cx="8629200" cy="4648320"/>
           </a:xfrm>
           <a:prstGeom prst="rect">
             <a:avLst/>
@@ -11986,6 +14777,46 @@
           </a:ln>
         </p:spPr>
       </p:pic>
+      <p:sp>
+        <p:nvSpPr>
+          <p:cNvPr id="226" name=""/>
+          <p:cNvSpPr txBox="1"/>
+          <p:nvPr/>
+        </p:nvSpPr>
+        <p:spPr>
+          <a:xfrm>
+            <a:off x="342720" y="1529280"/>
+            <a:ext cx="6778080" cy="386280"/>
+          </a:xfrm>
+          <a:prstGeom prst="rect">
+            <a:avLst/>
+          </a:prstGeom>
+          <a:noFill/>
+          <a:ln w="0">
+            <a:noFill/>
+          </a:ln>
+        </p:spPr>
+        <p:txBody>
+          <a:bodyPr lIns="90000" rIns="90000" tIns="45000" bIns="45000" anchor="t">
+            <a:noAutofit/>
+          </a:bodyPr>
+          <a:p>
+            <a:r>
+              <a:rPr b="0" lang="pt-BR" sz="2000" spc="-1" strike="noStrike">
+                <a:solidFill>
+                  <a:srgbClr val="1c1c1c"/>
+                </a:solidFill>
+                <a:latin typeface="Latin Modern Sans"/>
+                <a:ea typeface="DejaVu Sans"/>
+              </a:rPr>
+              <a:t>Tipos de Aprendizado</a:t>
+            </a:r>
+            <a:endParaRPr b="0" lang="pt-BR" sz="2000" spc="-1" strike="noStrike">
+              <a:latin typeface="Arial"/>
+            </a:endParaRPr>
+          </a:p>
+        </p:txBody>
+      </p:sp>
     </p:spTree>
   </p:cSld>
   <mc:AlternateContent>
@@ -12018,14 +14849,14 @@
       </p:grpSpPr>
       <p:sp>
         <p:nvSpPr>
-          <p:cNvPr id="223" name="CustomShape 11"/>
+          <p:cNvPr id="227" name="CustomShape 11"/>
           <p:cNvSpPr/>
           <p:nvPr/>
         </p:nvSpPr>
         <p:spPr>
           <a:xfrm>
             <a:off x="360000" y="360000"/>
-            <a:ext cx="9348840" cy="888840"/>
+            <a:ext cx="9348480" cy="888480"/>
           </a:xfrm>
           <a:prstGeom prst="rect">
             <a:avLst/>
@@ -12060,57 +14891,7 @@
                 <a:latin typeface="Source Sans Pro Black"/>
                 <a:ea typeface="DejaVu Sans"/>
               </a:rPr>
-              <a:t>Dis</a:t>
-            </a:r>
-            <a:r>
-              <a:rPr b="1" lang="pt-BR" sz="2600" spc="-1" strike="noStrike">
-                <a:solidFill>
-                  <a:srgbClr val="ffffff"/>
-                </a:solidFill>
-                <a:latin typeface="Source Sans Pro Black"/>
-                <a:ea typeface="DejaVu Sans"/>
-              </a:rPr>
-              <a:t>cus</a:t>
-            </a:r>
-            <a:r>
-              <a:rPr b="1" lang="pt-BR" sz="2600" spc="-1" strike="noStrike">
-                <a:solidFill>
-                  <a:srgbClr val="ffffff"/>
-                </a:solidFill>
-                <a:latin typeface="Source Sans Pro Black"/>
-                <a:ea typeface="DejaVu Sans"/>
-              </a:rPr>
-              <a:t>sõe</a:t>
-            </a:r>
-            <a:r>
-              <a:rPr b="1" lang="pt-BR" sz="2600" spc="-1" strike="noStrike">
-                <a:solidFill>
-                  <a:srgbClr val="ffffff"/>
-                </a:solidFill>
-                <a:latin typeface="Source Sans Pro Black"/>
-                <a:ea typeface="DejaVu Sans"/>
-              </a:rPr>
-              <a:t>s </a:t>
-            </a:r>
-            <a:r>
-              <a:rPr b="1" lang="pt-BR" sz="2600" spc="-1" strike="noStrike">
-                <a:solidFill>
-                  <a:srgbClr val="ffffff"/>
-                </a:solidFill>
-                <a:latin typeface="Source Sans Pro Black"/>
-                <a:ea typeface="DejaVu Sans"/>
-              </a:rPr>
-              <a:t>Inic</a:t>
-            </a:r>
-            <a:r>
-              <a:rPr b="1" lang="pt-BR" sz="2600" spc="-1" strike="noStrike">
-                <a:solidFill>
-                  <a:srgbClr val="ffffff"/>
-                </a:solidFill>
-                <a:latin typeface="Source Sans Pro Black"/>
-                <a:ea typeface="DejaVu Sans"/>
-              </a:rPr>
-              <a:t>iais</a:t>
+              <a:t>Discussões Iniciais</a:t>
             </a:r>
             <a:endParaRPr b="0" lang="pt-BR" sz="2600" spc="-1" strike="noStrike">
               <a:latin typeface="Arial"/>
@@ -12120,14 +14901,14 @@
       </p:sp>
       <p:sp>
         <p:nvSpPr>
-          <p:cNvPr id="224" name="CustomShape 12"/>
+          <p:cNvPr id="228" name="CustomShape 12"/>
           <p:cNvSpPr/>
           <p:nvPr/>
         </p:nvSpPr>
         <p:spPr>
           <a:xfrm>
             <a:off x="897120" y="6886080"/>
-            <a:ext cx="6436080" cy="353880"/>
+            <a:ext cx="6435720" cy="353520"/>
           </a:xfrm>
           <a:prstGeom prst="rect">
             <a:avLst/>
@@ -12162,8 +14943,50 @@
                 <a:latin typeface="Arial"/>
                 <a:ea typeface="DejaVu Sans"/>
               </a:rPr>
-              <a:t>Apren</a:t>
-            </a:r>
+              <a:t>Aprendizado de Máquina - Prof. André Hochuli</a:t>
+            </a:r>
+            <a:endParaRPr b="0" lang="pt-BR" sz="1800" spc="-1" strike="noStrike">
+              <a:latin typeface="Arial"/>
+            </a:endParaRPr>
+          </a:p>
+        </p:txBody>
+      </p:sp>
+      <p:sp>
+        <p:nvSpPr>
+          <p:cNvPr id="229" name="CustomShape 17"/>
+          <p:cNvSpPr/>
+          <p:nvPr/>
+        </p:nvSpPr>
+        <p:spPr>
+          <a:xfrm>
+            <a:off x="7608600" y="6886080"/>
+            <a:ext cx="2273760" cy="353520"/>
+          </a:xfrm>
+          <a:prstGeom prst="rect">
+            <a:avLst/>
+          </a:prstGeom>
+          <a:noFill/>
+          <a:ln w="0">
+            <a:noFill/>
+          </a:ln>
+        </p:spPr>
+        <p:style>
+          <a:lnRef idx="0"/>
+          <a:fillRef idx="0"/>
+          <a:effectRef idx="0"/>
+          <a:fontRef idx="minor"/>
+        </p:style>
+        <p:txBody>
+          <a:bodyPr lIns="90000" rIns="90000" tIns="45000" bIns="45000" anchor="t">
+            <a:noAutofit/>
+          </a:bodyPr>
+          <a:p>
+            <a:pPr>
+              <a:lnSpc>
+                <a:spcPct val="100000"/>
+              </a:lnSpc>
+              <a:buNone/>
+            </a:pPr>
             <a:r>
               <a:rPr b="0" lang="pt-BR" sz="1800" spc="-1" strike="noStrike">
                 <a:solidFill>
@@ -12172,128 +14995,6 @@
                 <a:latin typeface="Arial"/>
                 <a:ea typeface="DejaVu Sans"/>
               </a:rPr>
-              <a:t>dizado </a:t>
-            </a:r>
-            <a:r>
-              <a:rPr b="0" lang="pt-BR" sz="1800" spc="-1" strike="noStrike">
-                <a:solidFill>
-                  <a:srgbClr val="000000"/>
-                </a:solidFill>
-                <a:latin typeface="Arial"/>
-                <a:ea typeface="DejaVu Sans"/>
-              </a:rPr>
-              <a:t>de </a:t>
-            </a:r>
-            <a:r>
-              <a:rPr b="0" lang="pt-BR" sz="1800" spc="-1" strike="noStrike">
-                <a:solidFill>
-                  <a:srgbClr val="000000"/>
-                </a:solidFill>
-                <a:latin typeface="Arial"/>
-                <a:ea typeface="DejaVu Sans"/>
-              </a:rPr>
-              <a:t>Máqui</a:t>
-            </a:r>
-            <a:r>
-              <a:rPr b="0" lang="pt-BR" sz="1800" spc="-1" strike="noStrike">
-                <a:solidFill>
-                  <a:srgbClr val="000000"/>
-                </a:solidFill>
-                <a:latin typeface="Arial"/>
-                <a:ea typeface="DejaVu Sans"/>
-              </a:rPr>
-              <a:t>na - </a:t>
-            </a:r>
-            <a:r>
-              <a:rPr b="0" lang="pt-BR" sz="1800" spc="-1" strike="noStrike">
-                <a:solidFill>
-                  <a:srgbClr val="000000"/>
-                </a:solidFill>
-                <a:latin typeface="Arial"/>
-                <a:ea typeface="DejaVu Sans"/>
-              </a:rPr>
-              <a:t>Prof. </a:t>
-            </a:r>
-            <a:r>
-              <a:rPr b="0" lang="pt-BR" sz="1800" spc="-1" strike="noStrike">
-                <a:solidFill>
-                  <a:srgbClr val="000000"/>
-                </a:solidFill>
-                <a:latin typeface="Arial"/>
-                <a:ea typeface="DejaVu Sans"/>
-              </a:rPr>
-              <a:t>André </a:t>
-            </a:r>
-            <a:r>
-              <a:rPr b="0" lang="pt-BR" sz="1800" spc="-1" strike="noStrike">
-                <a:solidFill>
-                  <a:srgbClr val="000000"/>
-                </a:solidFill>
-                <a:latin typeface="Arial"/>
-                <a:ea typeface="DejaVu Sans"/>
-              </a:rPr>
-              <a:t>Hochul</a:t>
-            </a:r>
-            <a:r>
-              <a:rPr b="0" lang="pt-BR" sz="1800" spc="-1" strike="noStrike">
-                <a:solidFill>
-                  <a:srgbClr val="000000"/>
-                </a:solidFill>
-                <a:latin typeface="Arial"/>
-                <a:ea typeface="DejaVu Sans"/>
-              </a:rPr>
-              <a:t>i</a:t>
-            </a:r>
-            <a:endParaRPr b="0" lang="pt-BR" sz="1800" spc="-1" strike="noStrike">
-              <a:latin typeface="Arial"/>
-            </a:endParaRPr>
-          </a:p>
-        </p:txBody>
-      </p:sp>
-      <p:sp>
-        <p:nvSpPr>
-          <p:cNvPr id="225" name="CustomShape 17"/>
-          <p:cNvSpPr/>
-          <p:nvPr/>
-        </p:nvSpPr>
-        <p:spPr>
-          <a:xfrm>
-            <a:off x="7608600" y="6886080"/>
-            <a:ext cx="2274120" cy="353880"/>
-          </a:xfrm>
-          <a:prstGeom prst="rect">
-            <a:avLst/>
-          </a:prstGeom>
-          <a:noFill/>
-          <a:ln w="0">
-            <a:noFill/>
-          </a:ln>
-        </p:spPr>
-        <p:style>
-          <a:lnRef idx="0"/>
-          <a:fillRef idx="0"/>
-          <a:effectRef idx="0"/>
-          <a:fontRef idx="minor"/>
-        </p:style>
-        <p:txBody>
-          <a:bodyPr lIns="90000" rIns="90000" tIns="45000" bIns="45000" anchor="t">
-            <a:noAutofit/>
-          </a:bodyPr>
-          <a:p>
-            <a:pPr>
-              <a:lnSpc>
-                <a:spcPct val="100000"/>
-              </a:lnSpc>
-              <a:buNone/>
-            </a:pPr>
-            <a:r>
-              <a:rPr b="0" lang="pt-BR" sz="1800" spc="-1" strike="noStrike">
-                <a:solidFill>
-                  <a:srgbClr val="000000"/>
-                </a:solidFill>
-                <a:latin typeface="Arial"/>
-                <a:ea typeface="DejaVu Sans"/>
-              </a:rPr>
               <a:t>KNN</a:t>
             </a:r>
             <a:endParaRPr b="0" lang="pt-BR" sz="1800" spc="-1" strike="noStrike">
@@ -12304,7 +15005,7 @@
       </p:sp>
       <p:pic>
         <p:nvPicPr>
-          <p:cNvPr id="226" name="" descr=""/>
+          <p:cNvPr id="230" name="" descr=""/>
           <p:cNvPicPr/>
           <p:nvPr/>
         </p:nvPicPr>
@@ -12316,7 +15017,7 @@
         <p:spPr>
           <a:xfrm>
             <a:off x="540000" y="2768400"/>
-            <a:ext cx="2584800" cy="2684160"/>
+            <a:ext cx="2584440" cy="2683800"/>
           </a:xfrm>
           <a:prstGeom prst="rect">
             <a:avLst/>
@@ -12328,12 +15029,12 @@
       </p:pic>
       <p:graphicFrame>
         <p:nvGraphicFramePr>
-          <p:cNvPr id="227" name=""/>
+          <p:cNvPr id="231" name=""/>
           <p:cNvGraphicFramePr/>
           <p:nvPr/>
         </p:nvGraphicFramePr>
         <p:xfrm rot="10800000">
-          <a:off x="-3259080" y="-2773440"/>
+          <a:off x="-3184920" y="-2658600"/>
           <a:ext cx="6473520" cy="4573440"/>
         </p:xfrm>
         <a:graphic>
@@ -12567,13 +15268,13 @@
                         <a:rPr b="1" lang="pt-BR" sz="1800" spc="-1" strike="noStrike">
                           <a:latin typeface="Arial"/>
                         </a:rPr>
-                        <a:t>Focin</a:t>
+                        <a:t>Foci</a:t>
                       </a:r>
                       <a:r>
                         <a:rPr b="1" lang="pt-BR" sz="1800" spc="-1" strike="noStrike">
                           <a:latin typeface="Arial"/>
                         </a:rPr>
-                        <a:t>ho</a:t>
+                        <a:t>nho</a:t>
                       </a:r>
                       <a:endParaRPr b="0" lang="pt-BR" sz="1800" spc="-1" strike="noStrike">
                         <a:latin typeface="Times New Roman"/>
@@ -12887,13 +15588,13 @@
                         <a:rPr b="0" lang="pt-BR" sz="1800" spc="-1" strike="noStrike">
                           <a:latin typeface="Arial"/>
                         </a:rPr>
-                        <a:t>Norma</a:t>
+                        <a:t>Norm</a:t>
                       </a:r>
                       <a:r>
                         <a:rPr b="0" lang="pt-BR" sz="1800" spc="-1" strike="noStrike">
                           <a:latin typeface="Arial"/>
                         </a:rPr>
-                        <a:t>l</a:t>
+                        <a:t>al</a:t>
                       </a:r>
                       <a:endParaRPr b="0" lang="pt-BR" sz="1800" spc="-1" strike="noStrike">
                         <a:latin typeface="Times New Roman"/>
@@ -12942,7 +15643,13 @@
                         <a:rPr b="0" lang="pt-BR" sz="1800" spc="-1" strike="noStrike">
                           <a:latin typeface="Arial"/>
                         </a:rPr>
-                        <a:t>Husky</a:t>
+                        <a:t>Husk</a:t>
+                      </a:r>
+                      <a:r>
+                        <a:rPr b="0" lang="pt-BR" sz="1800" spc="-1" strike="noStrike">
+                          <a:latin typeface="Arial"/>
+                        </a:rPr>
+                        <a:t>y</a:t>
                       </a:r>
                       <a:endParaRPr b="0" lang="pt-BR" sz="1800" spc="-1" strike="noStrike">
                         <a:latin typeface="Times New Roman"/>
@@ -13201,13 +15908,13 @@
                         <a:rPr b="0" lang="pt-BR" sz="1800" spc="-1" strike="noStrike">
                           <a:latin typeface="Arial"/>
                         </a:rPr>
-                        <a:t>Achata</a:t>
+                        <a:t>Achat</a:t>
                       </a:r>
                       <a:r>
                         <a:rPr b="0" lang="pt-BR" sz="1800" spc="-1" strike="noStrike">
                           <a:latin typeface="Arial"/>
                         </a:rPr>
-                        <a:t>do</a:t>
+                        <a:t>ado</a:t>
                       </a:r>
                       <a:endParaRPr b="0" lang="pt-BR" sz="1800" spc="-1" strike="noStrike">
                         <a:latin typeface="Times New Roman"/>
@@ -13405,13 +16112,13 @@
                         <a:rPr b="0" lang="pt-BR" sz="1800" spc="-1" strike="noStrike">
                           <a:latin typeface="Arial"/>
                         </a:rPr>
-                        <a:t>Caram</a:t>
+                        <a:t>Cara</a:t>
                       </a:r>
                       <a:r>
                         <a:rPr b="0" lang="pt-BR" sz="1800" spc="-1" strike="noStrike">
                           <a:latin typeface="Arial"/>
                         </a:rPr>
-                        <a:t>elo</a:t>
+                        <a:t>melo</a:t>
                       </a:r>
                       <a:endParaRPr b="0" lang="pt-BR" sz="1800" spc="-1" strike="noStrike">
                         <a:latin typeface="Times New Roman"/>
@@ -13515,13 +16222,13 @@
                         <a:rPr b="0" lang="pt-BR" sz="1800" spc="-1" strike="noStrike">
                           <a:latin typeface="Arial"/>
                         </a:rPr>
-                        <a:t>Norma</a:t>
+                        <a:t>Norm</a:t>
                       </a:r>
                       <a:r>
                         <a:rPr b="0" lang="pt-BR" sz="1800" spc="-1" strike="noStrike">
                           <a:latin typeface="Arial"/>
                         </a:rPr>
-                        <a:t>l</a:t>
+                        <a:t>al</a:t>
                       </a:r>
                       <a:endParaRPr b="0" lang="pt-BR" sz="1800" spc="-1" strike="noStrike">
                         <a:latin typeface="Times New Roman"/>
@@ -13570,13 +16277,13 @@
                         <a:rPr b="0" lang="pt-BR" sz="1800" spc="-1" strike="noStrike">
                           <a:latin typeface="Arial"/>
                         </a:rPr>
-                        <a:t>Chihua</a:t>
+                        <a:t>Chihu</a:t>
                       </a:r>
                       <a:r>
                         <a:rPr b="0" lang="pt-BR" sz="1800" spc="-1" strike="noStrike">
                           <a:latin typeface="Arial"/>
                         </a:rPr>
-                        <a:t>hua</a:t>
+                        <a:t>ahua</a:t>
                       </a:r>
                       <a:endParaRPr b="0" lang="pt-BR" sz="1800" spc="-1" strike="noStrike">
                         <a:latin typeface="Times New Roman"/>
@@ -13725,25 +16432,7 @@
                         <a:rPr b="0" lang="pt-BR" sz="1800" spc="-1" strike="noStrike">
                           <a:latin typeface="Arial"/>
                         </a:rPr>
-                        <a:t>Branc</a:t>
-                      </a:r>
-                      <a:r>
-                        <a:rPr b="0" lang="pt-BR" sz="1800" spc="-1" strike="noStrike">
-                          <a:latin typeface="Arial"/>
-                        </a:rPr>
-                        <a:t>o/</a:t>
-                      </a:r>
-                      <a:r>
-                        <a:rPr b="0" lang="pt-BR" sz="1800" spc="-1" strike="noStrike">
-                          <a:latin typeface="Arial"/>
-                        </a:rPr>
-                        <a:t>Caram</a:t>
-                      </a:r>
-                      <a:r>
-                        <a:rPr b="0" lang="pt-BR" sz="1800" spc="-1" strike="noStrike">
-                          <a:latin typeface="Arial"/>
-                        </a:rPr>
-                        <a:t>elo</a:t>
+                        <a:t>Branco/Caramelo</a:t>
                       </a:r>
                       <a:endParaRPr b="0" lang="pt-BR" sz="1800" spc="-1" strike="noStrike">
                         <a:latin typeface="Times New Roman"/>
@@ -13841,13 +16530,13 @@
                         <a:rPr b="0" lang="pt-BR" sz="1800" spc="-1" strike="noStrike">
                           <a:latin typeface="Arial"/>
                         </a:rPr>
-                        <a:t>Norma</a:t>
+                        <a:t>Norm</a:t>
                       </a:r>
                       <a:r>
                         <a:rPr b="0" lang="pt-BR" sz="1800" spc="-1" strike="noStrike">
                           <a:latin typeface="Arial"/>
                         </a:rPr>
-                        <a:t>l</a:t>
+                        <a:t>al</a:t>
                       </a:r>
                       <a:endParaRPr b="0" lang="pt-BR" sz="1800" spc="-1" strike="noStrike">
                         <a:latin typeface="Times New Roman"/>
@@ -13896,7 +16585,13 @@
                         <a:rPr b="0" lang="pt-BR" sz="1800" spc="-1" strike="noStrike">
                           <a:latin typeface="Arial"/>
                         </a:rPr>
-                        <a:t>Beagle</a:t>
+                        <a:t>Beagl</a:t>
+                      </a:r>
+                      <a:r>
+                        <a:rPr b="0" lang="pt-BR" sz="1800" spc="-1" strike="noStrike">
+                          <a:latin typeface="Arial"/>
+                        </a:rPr>
+                        <a:t>e</a:t>
                       </a:r>
                       <a:endParaRPr b="0" lang="pt-BR" sz="1800" spc="-1" strike="noStrike">
                         <a:latin typeface="Times New Roman"/>
@@ -13996,7 +16691,13 @@
                         <a:rPr b="0" lang="pt-BR" sz="1800" spc="-1" strike="noStrike">
                           <a:latin typeface="Arial"/>
                         </a:rPr>
-                        <a:t>Longa</a:t>
+                        <a:t>Long</a:t>
+                      </a:r>
+                      <a:r>
+                        <a:rPr b="0" lang="pt-BR" sz="1800" spc="-1" strike="noStrike">
+                          <a:latin typeface="Arial"/>
+                        </a:rPr>
+                        <a:t>a</a:t>
                       </a:r>
                       <a:endParaRPr b="0" lang="pt-BR" sz="1800" spc="-1" strike="noStrike">
                         <a:latin typeface="Times New Roman"/>
@@ -14051,13 +16752,13 @@
                         <a:rPr b="0" lang="pt-BR" sz="1800" spc="-1" strike="noStrike">
                           <a:latin typeface="Arial"/>
                         </a:rPr>
-                        <a:t>Caram</a:t>
+                        <a:t>Cara</a:t>
                       </a:r>
                       <a:r>
                         <a:rPr b="0" lang="pt-BR" sz="1800" spc="-1" strike="noStrike">
                           <a:latin typeface="Arial"/>
                         </a:rPr>
-                        <a:t>elo</a:t>
+                        <a:t>melo</a:t>
                       </a:r>
                       <a:endParaRPr b="0" lang="pt-BR" sz="1800" spc="-1" strike="noStrike">
                         <a:latin typeface="Times New Roman"/>
@@ -14161,13 +16862,13 @@
                         <a:rPr b="0" lang="pt-BR" sz="1800" spc="-1" strike="noStrike">
                           <a:latin typeface="Arial"/>
                         </a:rPr>
-                        <a:t>Norma</a:t>
+                        <a:t>Norm</a:t>
                       </a:r>
                       <a:r>
                         <a:rPr b="0" lang="pt-BR" sz="1800" spc="-1" strike="noStrike">
                           <a:latin typeface="Arial"/>
                         </a:rPr>
-                        <a:t>l</a:t>
+                        <a:t>al</a:t>
                       </a:r>
                       <a:endParaRPr b="0" lang="pt-BR" sz="1800" spc="-1" strike="noStrike">
                         <a:latin typeface="Times New Roman"/>
@@ -14216,7 +16917,13 @@
                         <a:rPr b="0" lang="pt-BR" sz="1800" spc="-1" strike="noStrike">
                           <a:latin typeface="Arial"/>
                         </a:rPr>
-                        <a:t>Yorkshire</a:t>
+                        <a:t>Yorks</a:t>
+                      </a:r>
+                      <a:r>
+                        <a:rPr b="0" lang="pt-BR" sz="1800" spc="-1" strike="noStrike">
+                          <a:latin typeface="Arial"/>
+                        </a:rPr>
+                        <a:t>hire</a:t>
                       </a:r>
                       <a:endParaRPr b="0" lang="pt-BR" sz="1800" spc="-1" strike="noStrike">
                         <a:latin typeface="Times New Roman"/>
@@ -14316,7 +17023,13 @@
                         <a:rPr b="0" lang="pt-BR" sz="1800" spc="-1" strike="noStrike">
                           <a:latin typeface="Arial"/>
                         </a:rPr>
-                        <a:t>Longa</a:t>
+                        <a:t>Long</a:t>
+                      </a:r>
+                      <a:r>
+                        <a:rPr b="0" lang="pt-BR" sz="1800" spc="-1" strike="noStrike">
+                          <a:latin typeface="Arial"/>
+                        </a:rPr>
+                        <a:t>a</a:t>
                       </a:r>
                       <a:endParaRPr b="0" lang="pt-BR" sz="1800" spc="-1" strike="noStrike">
                         <a:latin typeface="Times New Roman"/>
@@ -14365,7 +17078,13 @@
                         <a:rPr b="0" lang="pt-BR" sz="1800" spc="-1" strike="noStrike">
                           <a:latin typeface="Arial"/>
                         </a:rPr>
-                        <a:t>Caramelo</a:t>
+                        <a:t>Cara</a:t>
+                      </a:r>
+                      <a:r>
+                        <a:rPr b="0" lang="pt-BR" sz="1800" spc="-1" strike="noStrike">
+                          <a:latin typeface="Arial"/>
+                        </a:rPr>
+                        <a:t>melo</a:t>
                       </a:r>
                       <a:endParaRPr b="0" lang="pt-BR" sz="1800" spc="-1" strike="noStrike">
                         <a:latin typeface="Times New Roman"/>
@@ -14414,7 +17133,13 @@
                         <a:rPr b="0" lang="pt-BR" sz="1800" spc="-1" strike="noStrike">
                           <a:latin typeface="Arial"/>
                         </a:rPr>
-                        <a:t>Pontuda</a:t>
+                        <a:t>Pontu</a:t>
+                      </a:r>
+                      <a:r>
+                        <a:rPr b="0" lang="pt-BR" sz="1800" spc="-1" strike="noStrike">
+                          <a:latin typeface="Arial"/>
+                        </a:rPr>
+                        <a:t>da</a:t>
                       </a:r>
                       <a:endParaRPr b="0" lang="pt-BR" sz="1800" spc="-1" strike="noStrike">
                         <a:latin typeface="Times New Roman"/>
@@ -14463,7 +17188,13 @@
                         <a:rPr b="0" lang="pt-BR" sz="1800" spc="-1" strike="noStrike">
                           <a:latin typeface="Arial"/>
                         </a:rPr>
-                        <a:t>Normal</a:t>
+                        <a:t>Norm</a:t>
+                      </a:r>
+                      <a:r>
+                        <a:rPr b="0" lang="pt-BR" sz="1800" spc="-1" strike="noStrike">
+                          <a:latin typeface="Arial"/>
+                        </a:rPr>
+                        <a:t>al</a:t>
                       </a:r>
                       <a:endParaRPr b="0" lang="pt-BR" sz="1800" spc="-1" strike="noStrike">
                         <a:latin typeface="Times New Roman"/>
@@ -14512,7 +17243,25 @@
                         <a:rPr b="0" lang="pt-BR" sz="1800" spc="-1" strike="noStrike">
                           <a:latin typeface="Arial"/>
                         </a:rPr>
-                        <a:t>Pastor Alemão</a:t>
+                        <a:t>Pasto</a:t>
+                      </a:r>
+                      <a:r>
+                        <a:rPr b="0" lang="pt-BR" sz="1800" spc="-1" strike="noStrike">
+                          <a:latin typeface="Arial"/>
+                        </a:rPr>
+                        <a:t>r </a:t>
+                      </a:r>
+                      <a:r>
+                        <a:rPr b="0" lang="pt-BR" sz="1800" spc="-1" strike="noStrike">
+                          <a:latin typeface="Arial"/>
+                        </a:rPr>
+                        <a:t>Alem</a:t>
+                      </a:r>
+                      <a:r>
+                        <a:rPr b="0" lang="pt-BR" sz="1800" spc="-1" strike="noStrike">
+                          <a:latin typeface="Arial"/>
+                        </a:rPr>
+                        <a:t>ão</a:t>
                       </a:r>
                       <a:endParaRPr b="0" lang="pt-BR" sz="1800" spc="-1" strike="noStrike">
                         <a:latin typeface="Times New Roman"/>
@@ -14661,7 +17410,31 @@
                         <a:rPr b="0" lang="pt-BR" sz="1800" spc="-1" strike="noStrike">
                           <a:latin typeface="Arial"/>
                         </a:rPr>
-                        <a:t>Branco/Caramelo/Preta</a:t>
+                        <a:t>Branc</a:t>
+                      </a:r>
+                      <a:r>
+                        <a:rPr b="0" lang="pt-BR" sz="1800" spc="-1" strike="noStrike">
+                          <a:latin typeface="Arial"/>
+                        </a:rPr>
+                        <a:t>o/</a:t>
+                      </a:r>
+                      <a:r>
+                        <a:rPr b="0" lang="pt-BR" sz="1800" spc="-1" strike="noStrike">
+                          <a:latin typeface="Arial"/>
+                        </a:rPr>
+                        <a:t>Cara</a:t>
+                      </a:r>
+                      <a:r>
+                        <a:rPr b="0" lang="pt-BR" sz="1800" spc="-1" strike="noStrike">
+                          <a:latin typeface="Arial"/>
+                        </a:rPr>
+                        <a:t>melo/</a:t>
+                      </a:r>
+                      <a:r>
+                        <a:rPr b="0" lang="pt-BR" sz="1800" spc="-1" strike="noStrike">
+                          <a:latin typeface="Arial"/>
+                        </a:rPr>
+                        <a:t>Preta</a:t>
                       </a:r>
                       <a:endParaRPr b="0" lang="pt-BR" sz="1800" spc="-1" strike="noStrike">
                         <a:latin typeface="Times New Roman"/>
@@ -14759,7 +17532,13 @@
                         <a:rPr b="0" lang="pt-BR" sz="1800" spc="-1" strike="noStrike">
                           <a:latin typeface="Arial"/>
                         </a:rPr>
-                        <a:t>Normal</a:t>
+                        <a:t>Norm</a:t>
+                      </a:r>
+                      <a:r>
+                        <a:rPr b="0" lang="pt-BR" sz="1800" spc="-1" strike="noStrike">
+                          <a:latin typeface="Arial"/>
+                        </a:rPr>
+                        <a:t>al</a:t>
                       </a:r>
                       <a:endParaRPr b="0" lang="pt-BR" sz="1800" spc="-1" strike="noStrike">
                         <a:latin typeface="Times New Roman"/>
@@ -14808,7 +17587,13 @@
                         <a:rPr b="0" lang="pt-BR" sz="1800" spc="-1" strike="noStrike">
                           <a:latin typeface="Arial"/>
                         </a:rPr>
-                        <a:t>Labrador</a:t>
+                        <a:t>Labra</a:t>
+                      </a:r>
+                      <a:r>
+                        <a:rPr b="0" lang="pt-BR" sz="1800" spc="-1" strike="noStrike">
+                          <a:latin typeface="Arial"/>
+                        </a:rPr>
+                        <a:t>dor</a:t>
                       </a:r>
                       <a:endParaRPr b="0" lang="pt-BR" sz="1800" spc="-1" strike="noStrike">
                         <a:latin typeface="Times New Roman"/>
@@ -14846,6 +17631,46 @@
           </a:graphicData>
         </a:graphic>
       </p:graphicFrame>
+      <p:sp>
+        <p:nvSpPr>
+          <p:cNvPr id="232" name=""/>
+          <p:cNvSpPr txBox="1"/>
+          <p:nvPr/>
+        </p:nvSpPr>
+        <p:spPr>
+          <a:xfrm>
+            <a:off x="525240" y="1594800"/>
+            <a:ext cx="6778080" cy="386280"/>
+          </a:xfrm>
+          <a:prstGeom prst="rect">
+            <a:avLst/>
+          </a:prstGeom>
+          <a:noFill/>
+          <a:ln w="0">
+            <a:noFill/>
+          </a:ln>
+        </p:spPr>
+        <p:txBody>
+          <a:bodyPr lIns="90000" rIns="90000" tIns="45000" bIns="45000" anchor="t">
+            <a:noAutofit/>
+          </a:bodyPr>
+          <a:p>
+            <a:r>
+              <a:rPr b="0" lang="pt-BR" sz="2000" spc="-1" strike="noStrike">
+                <a:solidFill>
+                  <a:srgbClr val="1c1c1c"/>
+                </a:solidFill>
+                <a:latin typeface="Latin Modern Sans"/>
+                <a:ea typeface="DejaVu Sans"/>
+              </a:rPr>
+              <a:t>Representação</a:t>
+            </a:r>
+            <a:endParaRPr b="0" lang="pt-BR" sz="2000" spc="-1" strike="noStrike">
+              <a:latin typeface="Arial"/>
+            </a:endParaRPr>
+          </a:p>
+        </p:txBody>
+      </p:sp>
     </p:spTree>
   </p:cSld>
   <mc:AlternateContent>
@@ -14878,14 +17703,14 @@
       </p:grpSpPr>
       <p:sp>
         <p:nvSpPr>
-          <p:cNvPr id="228" name="CustomShape 5"/>
+          <p:cNvPr id="233" name="CustomShape 5"/>
           <p:cNvSpPr/>
           <p:nvPr/>
         </p:nvSpPr>
         <p:spPr>
           <a:xfrm>
             <a:off x="360000" y="360000"/>
-            <a:ext cx="9348840" cy="888840"/>
+            <a:ext cx="9348480" cy="888480"/>
           </a:xfrm>
           <a:prstGeom prst="rect">
             <a:avLst/>
@@ -14930,14 +17755,14 @@
       </p:sp>
       <p:sp>
         <p:nvSpPr>
-          <p:cNvPr id="229" name="CustomShape 7"/>
+          <p:cNvPr id="234" name="CustomShape 7"/>
           <p:cNvSpPr/>
           <p:nvPr/>
         </p:nvSpPr>
         <p:spPr>
           <a:xfrm>
             <a:off x="360000" y="1447920"/>
-            <a:ext cx="9168840" cy="4668840"/>
+            <a:ext cx="9168480" cy="4668480"/>
           </a:xfrm>
           <a:prstGeom prst="rect">
             <a:avLst/>
@@ -15004,487 +17829,7 @@
                 <a:latin typeface="Latin Modern Sans"/>
                 <a:ea typeface="DejaVu Sans"/>
               </a:rPr>
-              <a:t>C</a:t>
-            </a:r>
-            <a:r>
-              <a:rPr b="0" lang="pt-BR" sz="2000" spc="-1" strike="noStrike">
-                <a:solidFill>
-                  <a:srgbClr val="1c1c1c"/>
-                </a:solidFill>
-                <a:latin typeface="Latin Modern Sans"/>
-                <a:ea typeface="DejaVu Sans"/>
-              </a:rPr>
-              <a:t>a</a:t>
-            </a:r>
-            <a:r>
-              <a:rPr b="0" lang="pt-BR" sz="2000" spc="-1" strike="noStrike">
-                <a:solidFill>
-                  <a:srgbClr val="1c1c1c"/>
-                </a:solidFill>
-                <a:latin typeface="Latin Modern Sans"/>
-                <a:ea typeface="DejaVu Sans"/>
-              </a:rPr>
-              <a:t>r</a:t>
-            </a:r>
-            <a:r>
-              <a:rPr b="0" lang="pt-BR" sz="2000" spc="-1" strike="noStrike">
-                <a:solidFill>
-                  <a:srgbClr val="1c1c1c"/>
-                </a:solidFill>
-                <a:latin typeface="Latin Modern Sans"/>
-                <a:ea typeface="DejaVu Sans"/>
-              </a:rPr>
-              <a:t>a</a:t>
-            </a:r>
-            <a:r>
-              <a:rPr b="0" lang="pt-BR" sz="2000" spc="-1" strike="noStrike">
-                <a:solidFill>
-                  <a:srgbClr val="1c1c1c"/>
-                </a:solidFill>
-                <a:latin typeface="Latin Modern Sans"/>
-                <a:ea typeface="DejaVu Sans"/>
-              </a:rPr>
-              <a:t>c</a:t>
-            </a:r>
-            <a:r>
-              <a:rPr b="0" lang="pt-BR" sz="2000" spc="-1" strike="noStrike">
-                <a:solidFill>
-                  <a:srgbClr val="1c1c1c"/>
-                </a:solidFill>
-                <a:latin typeface="Latin Modern Sans"/>
-                <a:ea typeface="DejaVu Sans"/>
-              </a:rPr>
-              <a:t>t</a:t>
-            </a:r>
-            <a:r>
-              <a:rPr b="0" lang="pt-BR" sz="2000" spc="-1" strike="noStrike">
-                <a:solidFill>
-                  <a:srgbClr val="1c1c1c"/>
-                </a:solidFill>
-                <a:latin typeface="Latin Modern Sans"/>
-                <a:ea typeface="DejaVu Sans"/>
-              </a:rPr>
-              <a:t>e</a:t>
-            </a:r>
-            <a:r>
-              <a:rPr b="0" lang="pt-BR" sz="2000" spc="-1" strike="noStrike">
-                <a:solidFill>
-                  <a:srgbClr val="1c1c1c"/>
-                </a:solidFill>
-                <a:latin typeface="Latin Modern Sans"/>
-                <a:ea typeface="DejaVu Sans"/>
-              </a:rPr>
-              <a:t>r</a:t>
-            </a:r>
-            <a:r>
-              <a:rPr b="0" lang="pt-BR" sz="2000" spc="-1" strike="noStrike">
-                <a:solidFill>
-                  <a:srgbClr val="1c1c1c"/>
-                </a:solidFill>
-                <a:latin typeface="Latin Modern Sans"/>
-                <a:ea typeface="DejaVu Sans"/>
-              </a:rPr>
-              <a:t>í</a:t>
-            </a:r>
-            <a:r>
-              <a:rPr b="0" lang="pt-BR" sz="2000" spc="-1" strike="noStrike">
-                <a:solidFill>
-                  <a:srgbClr val="1c1c1c"/>
-                </a:solidFill>
-                <a:latin typeface="Latin Modern Sans"/>
-                <a:ea typeface="DejaVu Sans"/>
-              </a:rPr>
-              <a:t>s</a:t>
-            </a:r>
-            <a:r>
-              <a:rPr b="0" lang="pt-BR" sz="2000" spc="-1" strike="noStrike">
-                <a:solidFill>
-                  <a:srgbClr val="1c1c1c"/>
-                </a:solidFill>
-                <a:latin typeface="Latin Modern Sans"/>
-                <a:ea typeface="DejaVu Sans"/>
-              </a:rPr>
-              <a:t>t</a:t>
-            </a:r>
-            <a:r>
-              <a:rPr b="0" lang="pt-BR" sz="2000" spc="-1" strike="noStrike">
-                <a:solidFill>
-                  <a:srgbClr val="1c1c1c"/>
-                </a:solidFill>
-                <a:latin typeface="Latin Modern Sans"/>
-                <a:ea typeface="DejaVu Sans"/>
-              </a:rPr>
-              <a:t>i</a:t>
-            </a:r>
-            <a:r>
-              <a:rPr b="0" lang="pt-BR" sz="2000" spc="-1" strike="noStrike">
-                <a:solidFill>
-                  <a:srgbClr val="1c1c1c"/>
-                </a:solidFill>
-                <a:latin typeface="Latin Modern Sans"/>
-                <a:ea typeface="DejaVu Sans"/>
-              </a:rPr>
-              <a:t>c</a:t>
-            </a:r>
-            <a:r>
-              <a:rPr b="0" lang="pt-BR" sz="2000" spc="-1" strike="noStrike">
-                <a:solidFill>
-                  <a:srgbClr val="1c1c1c"/>
-                </a:solidFill>
-                <a:latin typeface="Latin Modern Sans"/>
-                <a:ea typeface="DejaVu Sans"/>
-              </a:rPr>
-              <a:t>a</a:t>
-            </a:r>
-            <a:r>
-              <a:rPr b="0" lang="pt-BR" sz="2000" spc="-1" strike="noStrike">
-                <a:solidFill>
-                  <a:srgbClr val="1c1c1c"/>
-                </a:solidFill>
-                <a:latin typeface="Latin Modern Sans"/>
-                <a:ea typeface="DejaVu Sans"/>
-              </a:rPr>
-              <a:t>s</a:t>
-            </a:r>
-            <a:r>
-              <a:rPr b="0" lang="pt-BR" sz="2000" spc="-1" strike="noStrike">
-                <a:solidFill>
-                  <a:srgbClr val="1c1c1c"/>
-                </a:solidFill>
-                <a:latin typeface="Latin Modern Sans"/>
-                <a:ea typeface="DejaVu Sans"/>
-              </a:rPr>
-              <a:t> </a:t>
-            </a:r>
-            <a:r>
-              <a:rPr b="0" lang="pt-BR" sz="2000" spc="-1" strike="noStrike">
-                <a:solidFill>
-                  <a:srgbClr val="1c1c1c"/>
-                </a:solidFill>
-                <a:latin typeface="Latin Modern Sans"/>
-                <a:ea typeface="DejaVu Sans"/>
-              </a:rPr>
-              <a:t>s</a:t>
-            </a:r>
-            <a:r>
-              <a:rPr b="0" lang="pt-BR" sz="2000" spc="-1" strike="noStrike">
-                <a:solidFill>
-                  <a:srgbClr val="1c1c1c"/>
-                </a:solidFill>
-                <a:latin typeface="Latin Modern Sans"/>
-                <a:ea typeface="DejaVu Sans"/>
-              </a:rPr>
-              <a:t>ã</a:t>
-            </a:r>
-            <a:r>
-              <a:rPr b="0" lang="pt-BR" sz="2000" spc="-1" strike="noStrike">
-                <a:solidFill>
-                  <a:srgbClr val="1c1c1c"/>
-                </a:solidFill>
-                <a:latin typeface="Latin Modern Sans"/>
-                <a:ea typeface="DejaVu Sans"/>
-              </a:rPr>
-              <a:t>o</a:t>
-            </a:r>
-            <a:r>
-              <a:rPr b="0" lang="pt-BR" sz="2000" spc="-1" strike="noStrike">
-                <a:solidFill>
-                  <a:srgbClr val="1c1c1c"/>
-                </a:solidFill>
-                <a:latin typeface="Latin Modern Sans"/>
-                <a:ea typeface="DejaVu Sans"/>
-              </a:rPr>
-              <a:t> </a:t>
-            </a:r>
-            <a:r>
-              <a:rPr b="0" lang="pt-BR" sz="2000" spc="-1" strike="noStrike">
-                <a:solidFill>
-                  <a:srgbClr val="1c1c1c"/>
-                </a:solidFill>
-                <a:latin typeface="Latin Modern Sans"/>
-                <a:ea typeface="DejaVu Sans"/>
-              </a:rPr>
-              <a:t>m</a:t>
-            </a:r>
-            <a:r>
-              <a:rPr b="0" lang="pt-BR" sz="2000" spc="-1" strike="noStrike">
-                <a:solidFill>
-                  <a:srgbClr val="1c1c1c"/>
-                </a:solidFill>
-                <a:latin typeface="Latin Modern Sans"/>
-                <a:ea typeface="DejaVu Sans"/>
-              </a:rPr>
-              <a:t>a</a:t>
-            </a:r>
-            <a:r>
-              <a:rPr b="0" lang="pt-BR" sz="2000" spc="-1" strike="noStrike">
-                <a:solidFill>
-                  <a:srgbClr val="1c1c1c"/>
-                </a:solidFill>
-                <a:latin typeface="Latin Modern Sans"/>
-                <a:ea typeface="DejaVu Sans"/>
-              </a:rPr>
-              <a:t>p</a:t>
-            </a:r>
-            <a:r>
-              <a:rPr b="0" lang="pt-BR" sz="2000" spc="-1" strike="noStrike">
-                <a:solidFill>
-                  <a:srgbClr val="1c1c1c"/>
-                </a:solidFill>
-                <a:latin typeface="Latin Modern Sans"/>
-                <a:ea typeface="DejaVu Sans"/>
-              </a:rPr>
-              <a:t>e</a:t>
-            </a:r>
-            <a:r>
-              <a:rPr b="0" lang="pt-BR" sz="2000" spc="-1" strike="noStrike">
-                <a:solidFill>
-                  <a:srgbClr val="1c1c1c"/>
-                </a:solidFill>
-                <a:latin typeface="Latin Modern Sans"/>
-                <a:ea typeface="DejaVu Sans"/>
-              </a:rPr>
-              <a:t>a</a:t>
-            </a:r>
-            <a:r>
-              <a:rPr b="0" lang="pt-BR" sz="2000" spc="-1" strike="noStrike">
-                <a:solidFill>
-                  <a:srgbClr val="1c1c1c"/>
-                </a:solidFill>
-                <a:latin typeface="Latin Modern Sans"/>
-                <a:ea typeface="DejaVu Sans"/>
-              </a:rPr>
-              <a:t>d</a:t>
-            </a:r>
-            <a:r>
-              <a:rPr b="0" lang="pt-BR" sz="2000" spc="-1" strike="noStrike">
-                <a:solidFill>
-                  <a:srgbClr val="1c1c1c"/>
-                </a:solidFill>
-                <a:latin typeface="Latin Modern Sans"/>
-                <a:ea typeface="DejaVu Sans"/>
-              </a:rPr>
-              <a:t>a</a:t>
-            </a:r>
-            <a:r>
-              <a:rPr b="0" lang="pt-BR" sz="2000" spc="-1" strike="noStrike">
-                <a:solidFill>
-                  <a:srgbClr val="1c1c1c"/>
-                </a:solidFill>
-                <a:latin typeface="Latin Modern Sans"/>
-                <a:ea typeface="DejaVu Sans"/>
-              </a:rPr>
-              <a:t>s</a:t>
-            </a:r>
-            <a:r>
-              <a:rPr b="0" lang="pt-BR" sz="2000" spc="-1" strike="noStrike">
-                <a:solidFill>
-                  <a:srgbClr val="1c1c1c"/>
-                </a:solidFill>
-                <a:latin typeface="Latin Modern Sans"/>
-                <a:ea typeface="DejaVu Sans"/>
-              </a:rPr>
-              <a:t> </a:t>
-            </a:r>
-            <a:r>
-              <a:rPr b="0" lang="pt-BR" sz="2000" spc="-1" strike="noStrike">
-                <a:solidFill>
-                  <a:srgbClr val="1c1c1c"/>
-                </a:solidFill>
-                <a:latin typeface="Latin Modern Sans"/>
-                <a:ea typeface="DejaVu Sans"/>
-              </a:rPr>
-              <a:t>n</a:t>
-            </a:r>
-            <a:r>
-              <a:rPr b="0" lang="pt-BR" sz="2000" spc="-1" strike="noStrike">
-                <a:solidFill>
-                  <a:srgbClr val="1c1c1c"/>
-                </a:solidFill>
-                <a:latin typeface="Latin Modern Sans"/>
-                <a:ea typeface="DejaVu Sans"/>
-              </a:rPr>
-              <a:t>o</a:t>
-            </a:r>
-            <a:r>
-              <a:rPr b="0" lang="pt-BR" sz="2000" spc="-1" strike="noStrike">
-                <a:solidFill>
-                  <a:srgbClr val="1c1c1c"/>
-                </a:solidFill>
-                <a:latin typeface="Latin Modern Sans"/>
-                <a:ea typeface="DejaVu Sans"/>
-              </a:rPr>
-              <a:t> </a:t>
-            </a:r>
-            <a:r>
-              <a:rPr b="0" lang="pt-BR" sz="2000" spc="-1" strike="noStrike">
-                <a:solidFill>
-                  <a:srgbClr val="1c1c1c"/>
-                </a:solidFill>
-                <a:latin typeface="Latin Modern Sans"/>
-                <a:ea typeface="DejaVu Sans"/>
-              </a:rPr>
-              <a:t>e</a:t>
-            </a:r>
-            <a:r>
-              <a:rPr b="0" lang="pt-BR" sz="2000" spc="-1" strike="noStrike">
-                <a:solidFill>
-                  <a:srgbClr val="1c1c1c"/>
-                </a:solidFill>
-                <a:latin typeface="Latin Modern Sans"/>
-                <a:ea typeface="DejaVu Sans"/>
-              </a:rPr>
-              <a:t>s</a:t>
-            </a:r>
-            <a:r>
-              <a:rPr b="0" lang="pt-BR" sz="2000" spc="-1" strike="noStrike">
-                <a:solidFill>
-                  <a:srgbClr val="1c1c1c"/>
-                </a:solidFill>
-                <a:latin typeface="Latin Modern Sans"/>
-                <a:ea typeface="DejaVu Sans"/>
-              </a:rPr>
-              <a:t>p</a:t>
-            </a:r>
-            <a:r>
-              <a:rPr b="0" lang="pt-BR" sz="2000" spc="-1" strike="noStrike">
-                <a:solidFill>
-                  <a:srgbClr val="1c1c1c"/>
-                </a:solidFill>
-                <a:latin typeface="Latin Modern Sans"/>
-                <a:ea typeface="DejaVu Sans"/>
-              </a:rPr>
-              <a:t>a</a:t>
-            </a:r>
-            <a:r>
-              <a:rPr b="0" lang="pt-BR" sz="2000" spc="-1" strike="noStrike">
-                <a:solidFill>
-                  <a:srgbClr val="1c1c1c"/>
-                </a:solidFill>
-                <a:latin typeface="Latin Modern Sans"/>
-                <a:ea typeface="DejaVu Sans"/>
-              </a:rPr>
-              <a:t>ç</a:t>
-            </a:r>
-            <a:r>
-              <a:rPr b="0" lang="pt-BR" sz="2000" spc="-1" strike="noStrike">
-                <a:solidFill>
-                  <a:srgbClr val="1c1c1c"/>
-                </a:solidFill>
-                <a:latin typeface="Latin Modern Sans"/>
-                <a:ea typeface="DejaVu Sans"/>
-              </a:rPr>
-              <a:t>o</a:t>
-            </a:r>
-            <a:r>
-              <a:rPr b="0" lang="pt-BR" sz="2000" spc="-1" strike="noStrike">
-                <a:solidFill>
-                  <a:srgbClr val="1c1c1c"/>
-                </a:solidFill>
-                <a:latin typeface="Latin Modern Sans"/>
-                <a:ea typeface="DejaVu Sans"/>
-              </a:rPr>
-              <a:t> </a:t>
-            </a:r>
-            <a:r>
-              <a:rPr b="0" lang="pt-BR" sz="2000" spc="-1" strike="noStrike">
-                <a:solidFill>
-                  <a:srgbClr val="1c1c1c"/>
-                </a:solidFill>
-                <a:latin typeface="Latin Modern Sans"/>
-                <a:ea typeface="DejaVu Sans"/>
-              </a:rPr>
-              <a:t>E</a:t>
-            </a:r>
-            <a:r>
-              <a:rPr b="0" lang="pt-BR" sz="2000" spc="-1" strike="noStrike">
-                <a:solidFill>
-                  <a:srgbClr val="1c1c1c"/>
-                </a:solidFill>
-                <a:latin typeface="Latin Modern Sans"/>
-                <a:ea typeface="DejaVu Sans"/>
-              </a:rPr>
-              <a:t>u</a:t>
-            </a:r>
-            <a:r>
-              <a:rPr b="0" lang="pt-BR" sz="2000" spc="-1" strike="noStrike">
-                <a:solidFill>
-                  <a:srgbClr val="1c1c1c"/>
-                </a:solidFill>
-                <a:latin typeface="Latin Modern Sans"/>
-                <a:ea typeface="DejaVu Sans"/>
-              </a:rPr>
-              <a:t>c</a:t>
-            </a:r>
-            <a:r>
-              <a:rPr b="0" lang="pt-BR" sz="2000" spc="-1" strike="noStrike">
-                <a:solidFill>
-                  <a:srgbClr val="1c1c1c"/>
-                </a:solidFill>
-                <a:latin typeface="Latin Modern Sans"/>
-                <a:ea typeface="DejaVu Sans"/>
-              </a:rPr>
-              <a:t>l</a:t>
-            </a:r>
-            <a:r>
-              <a:rPr b="0" lang="pt-BR" sz="2000" spc="-1" strike="noStrike">
-                <a:solidFill>
-                  <a:srgbClr val="1c1c1c"/>
-                </a:solidFill>
-                <a:latin typeface="Latin Modern Sans"/>
-                <a:ea typeface="DejaVu Sans"/>
-              </a:rPr>
-              <a:t>i</a:t>
-            </a:r>
-            <a:r>
-              <a:rPr b="0" lang="pt-BR" sz="2000" spc="-1" strike="noStrike">
-                <a:solidFill>
-                  <a:srgbClr val="1c1c1c"/>
-                </a:solidFill>
-                <a:latin typeface="Latin Modern Sans"/>
-                <a:ea typeface="DejaVu Sans"/>
-              </a:rPr>
-              <a:t>d</a:t>
-            </a:r>
-            <a:r>
-              <a:rPr b="0" lang="pt-BR" sz="2000" spc="-1" strike="noStrike">
-                <a:solidFill>
-                  <a:srgbClr val="1c1c1c"/>
-                </a:solidFill>
-                <a:latin typeface="Latin Modern Sans"/>
-                <a:ea typeface="DejaVu Sans"/>
-              </a:rPr>
-              <a:t>i</a:t>
-            </a:r>
-            <a:r>
-              <a:rPr b="0" lang="pt-BR" sz="2000" spc="-1" strike="noStrike">
-                <a:solidFill>
-                  <a:srgbClr val="1c1c1c"/>
-                </a:solidFill>
-                <a:latin typeface="Latin Modern Sans"/>
-                <a:ea typeface="DejaVu Sans"/>
-              </a:rPr>
-              <a:t>a</a:t>
-            </a:r>
-            <a:r>
-              <a:rPr b="0" lang="pt-BR" sz="2000" spc="-1" strike="noStrike">
-                <a:solidFill>
-                  <a:srgbClr val="1c1c1c"/>
-                </a:solidFill>
-                <a:latin typeface="Latin Modern Sans"/>
-                <a:ea typeface="DejaVu Sans"/>
-              </a:rPr>
-              <a:t>n</a:t>
-            </a:r>
-            <a:r>
-              <a:rPr b="0" lang="pt-BR" sz="2000" spc="-1" strike="noStrike">
-                <a:solidFill>
-                  <a:srgbClr val="1c1c1c"/>
-                </a:solidFill>
-                <a:latin typeface="Latin Modern Sans"/>
-                <a:ea typeface="DejaVu Sans"/>
-              </a:rPr>
-              <a:t>o</a:t>
+              <a:t>Características são mapeadas no espaço Euclidiano</a:t>
             </a:r>
             <a:endParaRPr b="0" lang="pt-BR" sz="2000" spc="-1" strike="noStrike">
               <a:latin typeface="Arial"/>
@@ -15513,237 +17858,7 @@
                 <a:latin typeface="Latin Modern Sans"/>
                 <a:ea typeface="DejaVu Sans"/>
               </a:rPr>
-              <a:t>M</a:t>
-            </a:r>
-            <a:r>
-              <a:rPr b="0" lang="pt-BR" sz="2000" spc="-1" strike="noStrike">
-                <a:solidFill>
-                  <a:srgbClr val="1c1c1c"/>
-                </a:solidFill>
-                <a:latin typeface="Latin Modern Sans"/>
-                <a:ea typeface="DejaVu Sans"/>
-              </a:rPr>
-              <a:t>é</a:t>
-            </a:r>
-            <a:r>
-              <a:rPr b="0" lang="pt-BR" sz="2000" spc="-1" strike="noStrike">
-                <a:solidFill>
-                  <a:srgbClr val="1c1c1c"/>
-                </a:solidFill>
-                <a:latin typeface="Latin Modern Sans"/>
-                <a:ea typeface="DejaVu Sans"/>
-              </a:rPr>
-              <a:t>t</a:t>
-            </a:r>
-            <a:r>
-              <a:rPr b="0" lang="pt-BR" sz="2000" spc="-1" strike="noStrike">
-                <a:solidFill>
-                  <a:srgbClr val="1c1c1c"/>
-                </a:solidFill>
-                <a:latin typeface="Latin Modern Sans"/>
-                <a:ea typeface="DejaVu Sans"/>
-              </a:rPr>
-              <a:t>o</a:t>
-            </a:r>
-            <a:r>
-              <a:rPr b="0" lang="pt-BR" sz="2000" spc="-1" strike="noStrike">
-                <a:solidFill>
-                  <a:srgbClr val="1c1c1c"/>
-                </a:solidFill>
-                <a:latin typeface="Latin Modern Sans"/>
-                <a:ea typeface="DejaVu Sans"/>
-              </a:rPr>
-              <a:t>d</a:t>
-            </a:r>
-            <a:r>
-              <a:rPr b="0" lang="pt-BR" sz="2000" spc="-1" strike="noStrike">
-                <a:solidFill>
-                  <a:srgbClr val="1c1c1c"/>
-                </a:solidFill>
-                <a:latin typeface="Latin Modern Sans"/>
-                <a:ea typeface="DejaVu Sans"/>
-              </a:rPr>
-              <a:t>o</a:t>
-            </a:r>
-            <a:r>
-              <a:rPr b="0" lang="pt-BR" sz="2000" spc="-1" strike="noStrike">
-                <a:solidFill>
-                  <a:srgbClr val="1c1c1c"/>
-                </a:solidFill>
-                <a:latin typeface="Latin Modern Sans"/>
-                <a:ea typeface="DejaVu Sans"/>
-              </a:rPr>
-              <a:t>s</a:t>
-            </a:r>
-            <a:r>
-              <a:rPr b="0" lang="pt-BR" sz="2000" spc="-1" strike="noStrike">
-                <a:solidFill>
-                  <a:srgbClr val="1c1c1c"/>
-                </a:solidFill>
-                <a:latin typeface="Latin Modern Sans"/>
-                <a:ea typeface="DejaVu Sans"/>
-              </a:rPr>
-              <a:t> </a:t>
-            </a:r>
-            <a:r>
-              <a:rPr b="0" lang="pt-BR" sz="2000" spc="-1" strike="noStrike">
-                <a:solidFill>
-                  <a:srgbClr val="1c1c1c"/>
-                </a:solidFill>
-                <a:latin typeface="Latin Modern Sans"/>
-                <a:ea typeface="DejaVu Sans"/>
-              </a:rPr>
-              <a:t>n</a:t>
-            </a:r>
-            <a:r>
-              <a:rPr b="0" lang="pt-BR" sz="2000" spc="-1" strike="noStrike">
-                <a:solidFill>
-                  <a:srgbClr val="1c1c1c"/>
-                </a:solidFill>
-                <a:latin typeface="Latin Modern Sans"/>
-                <a:ea typeface="DejaVu Sans"/>
-              </a:rPr>
-              <a:t>ã</a:t>
-            </a:r>
-            <a:r>
-              <a:rPr b="0" lang="pt-BR" sz="2000" spc="-1" strike="noStrike">
-                <a:solidFill>
-                  <a:srgbClr val="1c1c1c"/>
-                </a:solidFill>
-                <a:latin typeface="Latin Modern Sans"/>
-                <a:ea typeface="DejaVu Sans"/>
-              </a:rPr>
-              <a:t>o</a:t>
-            </a:r>
-            <a:r>
-              <a:rPr b="0" lang="pt-BR" sz="2000" spc="-1" strike="noStrike">
-                <a:solidFill>
-                  <a:srgbClr val="1c1c1c"/>
-                </a:solidFill>
-                <a:latin typeface="Latin Modern Sans"/>
-                <a:ea typeface="DejaVu Sans"/>
-              </a:rPr>
-              <a:t> </a:t>
-            </a:r>
-            <a:r>
-              <a:rPr b="0" lang="pt-BR" sz="2000" spc="-1" strike="noStrike">
-                <a:solidFill>
-                  <a:srgbClr val="1c1c1c"/>
-                </a:solidFill>
-                <a:latin typeface="Latin Modern Sans"/>
-                <a:ea typeface="DejaVu Sans"/>
-              </a:rPr>
-              <a:t>p</a:t>
-            </a:r>
-            <a:r>
-              <a:rPr b="0" lang="pt-BR" sz="2000" spc="-1" strike="noStrike">
-                <a:solidFill>
-                  <a:srgbClr val="1c1c1c"/>
-                </a:solidFill>
-                <a:latin typeface="Latin Modern Sans"/>
-                <a:ea typeface="DejaVu Sans"/>
-              </a:rPr>
-              <a:t>a</a:t>
-            </a:r>
-            <a:r>
-              <a:rPr b="0" lang="pt-BR" sz="2000" spc="-1" strike="noStrike">
-                <a:solidFill>
-                  <a:srgbClr val="1c1c1c"/>
-                </a:solidFill>
-                <a:latin typeface="Latin Modern Sans"/>
-                <a:ea typeface="DejaVu Sans"/>
-              </a:rPr>
-              <a:t>r</a:t>
-            </a:r>
-            <a:r>
-              <a:rPr b="0" lang="pt-BR" sz="2000" spc="-1" strike="noStrike">
-                <a:solidFill>
-                  <a:srgbClr val="1c1c1c"/>
-                </a:solidFill>
-                <a:latin typeface="Latin Modern Sans"/>
-                <a:ea typeface="DejaVu Sans"/>
-              </a:rPr>
-              <a:t>a</a:t>
-            </a:r>
-            <a:r>
-              <a:rPr b="0" lang="pt-BR" sz="2000" spc="-1" strike="noStrike">
-                <a:solidFill>
-                  <a:srgbClr val="1c1c1c"/>
-                </a:solidFill>
-                <a:latin typeface="Latin Modern Sans"/>
-                <a:ea typeface="DejaVu Sans"/>
-              </a:rPr>
-              <a:t>m</a:t>
-            </a:r>
-            <a:r>
-              <a:rPr b="0" lang="pt-BR" sz="2000" spc="-1" strike="noStrike">
-                <a:solidFill>
-                  <a:srgbClr val="1c1c1c"/>
-                </a:solidFill>
-                <a:latin typeface="Latin Modern Sans"/>
-                <a:ea typeface="DejaVu Sans"/>
-              </a:rPr>
-              <a:t>é</a:t>
-            </a:r>
-            <a:r>
-              <a:rPr b="0" lang="pt-BR" sz="2000" spc="-1" strike="noStrike">
-                <a:solidFill>
-                  <a:srgbClr val="1c1c1c"/>
-                </a:solidFill>
-                <a:latin typeface="Latin Modern Sans"/>
-                <a:ea typeface="DejaVu Sans"/>
-              </a:rPr>
-              <a:t>t</a:t>
-            </a:r>
-            <a:r>
-              <a:rPr b="0" lang="pt-BR" sz="2000" spc="-1" strike="noStrike">
-                <a:solidFill>
-                  <a:srgbClr val="1c1c1c"/>
-                </a:solidFill>
-                <a:latin typeface="Latin Modern Sans"/>
-                <a:ea typeface="DejaVu Sans"/>
-              </a:rPr>
-              <a:t>r</a:t>
-            </a:r>
-            <a:r>
-              <a:rPr b="0" lang="pt-BR" sz="2000" spc="-1" strike="noStrike">
-                <a:solidFill>
-                  <a:srgbClr val="1c1c1c"/>
-                </a:solidFill>
-                <a:latin typeface="Latin Modern Sans"/>
-                <a:ea typeface="DejaVu Sans"/>
-              </a:rPr>
-              <a:t>i</a:t>
-            </a:r>
-            <a:r>
-              <a:rPr b="0" lang="pt-BR" sz="2000" spc="-1" strike="noStrike">
-                <a:solidFill>
-                  <a:srgbClr val="1c1c1c"/>
-                </a:solidFill>
-                <a:latin typeface="Latin Modern Sans"/>
-                <a:ea typeface="DejaVu Sans"/>
-              </a:rPr>
-              <a:t>c</a:t>
-            </a:r>
-            <a:r>
-              <a:rPr b="0" lang="pt-BR" sz="2000" spc="-1" strike="noStrike">
-                <a:solidFill>
-                  <a:srgbClr val="1c1c1c"/>
-                </a:solidFill>
-                <a:latin typeface="Latin Modern Sans"/>
-                <a:ea typeface="DejaVu Sans"/>
-              </a:rPr>
-              <a:t>o</a:t>
-            </a:r>
-            <a:r>
-              <a:rPr b="0" lang="pt-BR" sz="2000" spc="-1" strike="noStrike">
-                <a:solidFill>
-                  <a:srgbClr val="1c1c1c"/>
-                </a:solidFill>
-                <a:latin typeface="Latin Modern Sans"/>
-                <a:ea typeface="DejaVu Sans"/>
-              </a:rPr>
-              <a:t>s</a:t>
+              <a:t>Métodos não paramétricos</a:t>
             </a:r>
             <a:endParaRPr b="0" lang="pt-BR" sz="2000" spc="-1" strike="noStrike">
               <a:latin typeface="Arial"/>
@@ -15772,247 +17887,7 @@
                 <a:latin typeface="Latin Modern Sans"/>
                 <a:ea typeface="DejaVu Sans"/>
               </a:rPr>
-              <a:t>D</a:t>
-            </a:r>
-            <a:r>
-              <a:rPr b="0" lang="pt-BR" sz="2000" spc="-1" strike="noStrike">
-                <a:solidFill>
-                  <a:srgbClr val="1c1c1c"/>
-                </a:solidFill>
-                <a:latin typeface="Latin Modern Sans"/>
-                <a:ea typeface="DejaVu Sans"/>
-              </a:rPr>
-              <a:t>i</a:t>
-            </a:r>
-            <a:r>
-              <a:rPr b="0" lang="pt-BR" sz="2000" spc="-1" strike="noStrike">
-                <a:solidFill>
-                  <a:srgbClr val="1c1c1c"/>
-                </a:solidFill>
-                <a:latin typeface="Latin Modern Sans"/>
-                <a:ea typeface="DejaVu Sans"/>
-              </a:rPr>
-              <a:t>s</a:t>
-            </a:r>
-            <a:r>
-              <a:rPr b="0" lang="pt-BR" sz="2000" spc="-1" strike="noStrike">
-                <a:solidFill>
-                  <a:srgbClr val="1c1c1c"/>
-                </a:solidFill>
-                <a:latin typeface="Latin Modern Sans"/>
-                <a:ea typeface="DejaVu Sans"/>
-              </a:rPr>
-              <a:t>t</a:t>
-            </a:r>
-            <a:r>
-              <a:rPr b="0" lang="pt-BR" sz="2000" spc="-1" strike="noStrike">
-                <a:solidFill>
-                  <a:srgbClr val="1c1c1c"/>
-                </a:solidFill>
-                <a:latin typeface="Latin Modern Sans"/>
-                <a:ea typeface="DejaVu Sans"/>
-              </a:rPr>
-              <a:t>r</a:t>
-            </a:r>
-            <a:r>
-              <a:rPr b="0" lang="pt-BR" sz="2000" spc="-1" strike="noStrike">
-                <a:solidFill>
-                  <a:srgbClr val="1c1c1c"/>
-                </a:solidFill>
-                <a:latin typeface="Latin Modern Sans"/>
-                <a:ea typeface="DejaVu Sans"/>
-              </a:rPr>
-              <a:t>i</a:t>
-            </a:r>
-            <a:r>
-              <a:rPr b="0" lang="pt-BR" sz="2000" spc="-1" strike="noStrike">
-                <a:solidFill>
-                  <a:srgbClr val="1c1c1c"/>
-                </a:solidFill>
-                <a:latin typeface="Latin Modern Sans"/>
-                <a:ea typeface="DejaVu Sans"/>
-              </a:rPr>
-              <a:t>b</a:t>
-            </a:r>
-            <a:r>
-              <a:rPr b="0" lang="pt-BR" sz="2000" spc="-1" strike="noStrike">
-                <a:solidFill>
-                  <a:srgbClr val="1c1c1c"/>
-                </a:solidFill>
-                <a:latin typeface="Latin Modern Sans"/>
-                <a:ea typeface="DejaVu Sans"/>
-              </a:rPr>
-              <a:t>u</a:t>
-            </a:r>
-            <a:r>
-              <a:rPr b="0" lang="pt-BR" sz="2000" spc="-1" strike="noStrike">
-                <a:solidFill>
-                  <a:srgbClr val="1c1c1c"/>
-                </a:solidFill>
-                <a:latin typeface="Latin Modern Sans"/>
-                <a:ea typeface="DejaVu Sans"/>
-              </a:rPr>
-              <a:t>i</a:t>
-            </a:r>
-            <a:r>
-              <a:rPr b="0" lang="pt-BR" sz="2000" spc="-1" strike="noStrike">
-                <a:solidFill>
-                  <a:srgbClr val="1c1c1c"/>
-                </a:solidFill>
-                <a:latin typeface="Latin Modern Sans"/>
-                <a:ea typeface="DejaVu Sans"/>
-              </a:rPr>
-              <a:t>ç</a:t>
-            </a:r>
-            <a:r>
-              <a:rPr b="0" lang="pt-BR" sz="2000" spc="-1" strike="noStrike">
-                <a:solidFill>
-                  <a:srgbClr val="1c1c1c"/>
-                </a:solidFill>
-                <a:latin typeface="Latin Modern Sans"/>
-                <a:ea typeface="DejaVu Sans"/>
-              </a:rPr>
-              <a:t>õ</a:t>
-            </a:r>
-            <a:r>
-              <a:rPr b="0" lang="pt-BR" sz="2000" spc="-1" strike="noStrike">
-                <a:solidFill>
-                  <a:srgbClr val="1c1c1c"/>
-                </a:solidFill>
-                <a:latin typeface="Latin Modern Sans"/>
-                <a:ea typeface="DejaVu Sans"/>
-              </a:rPr>
-              <a:t>e</a:t>
-            </a:r>
-            <a:r>
-              <a:rPr b="0" lang="pt-BR" sz="2000" spc="-1" strike="noStrike">
-                <a:solidFill>
-                  <a:srgbClr val="1c1c1c"/>
-                </a:solidFill>
-                <a:latin typeface="Latin Modern Sans"/>
-                <a:ea typeface="DejaVu Sans"/>
-              </a:rPr>
-              <a:t>s</a:t>
-            </a:r>
-            <a:r>
-              <a:rPr b="0" lang="pt-BR" sz="2000" spc="-1" strike="noStrike">
-                <a:solidFill>
-                  <a:srgbClr val="1c1c1c"/>
-                </a:solidFill>
-                <a:latin typeface="Latin Modern Sans"/>
-                <a:ea typeface="DejaVu Sans"/>
-              </a:rPr>
-              <a:t> </a:t>
-            </a:r>
-            <a:r>
-              <a:rPr b="0" lang="pt-BR" sz="2000" spc="-1" strike="noStrike">
-                <a:solidFill>
-                  <a:srgbClr val="1c1c1c"/>
-                </a:solidFill>
-                <a:latin typeface="Latin Modern Sans"/>
-                <a:ea typeface="DejaVu Sans"/>
-              </a:rPr>
-              <a:t>A</a:t>
-            </a:r>
-            <a:r>
-              <a:rPr b="0" lang="pt-BR" sz="2000" spc="-1" strike="noStrike">
-                <a:solidFill>
-                  <a:srgbClr val="1c1c1c"/>
-                </a:solidFill>
-                <a:latin typeface="Latin Modern Sans"/>
-                <a:ea typeface="DejaVu Sans"/>
-              </a:rPr>
-              <a:t>r</a:t>
-            </a:r>
-            <a:r>
-              <a:rPr b="0" lang="pt-BR" sz="2000" spc="-1" strike="noStrike">
-                <a:solidFill>
-                  <a:srgbClr val="1c1c1c"/>
-                </a:solidFill>
-                <a:latin typeface="Latin Modern Sans"/>
-                <a:ea typeface="DejaVu Sans"/>
-              </a:rPr>
-              <a:t>b</a:t>
-            </a:r>
-            <a:r>
-              <a:rPr b="0" lang="pt-BR" sz="2000" spc="-1" strike="noStrike">
-                <a:solidFill>
-                  <a:srgbClr val="1c1c1c"/>
-                </a:solidFill>
-                <a:latin typeface="Latin Modern Sans"/>
-                <a:ea typeface="DejaVu Sans"/>
-              </a:rPr>
-              <a:t>i</a:t>
-            </a:r>
-            <a:r>
-              <a:rPr b="0" lang="pt-BR" sz="2000" spc="-1" strike="noStrike">
-                <a:solidFill>
-                  <a:srgbClr val="1c1c1c"/>
-                </a:solidFill>
-                <a:latin typeface="Latin Modern Sans"/>
-                <a:ea typeface="DejaVu Sans"/>
-              </a:rPr>
-              <a:t>t</a:t>
-            </a:r>
-            <a:r>
-              <a:rPr b="0" lang="pt-BR" sz="2000" spc="-1" strike="noStrike">
-                <a:solidFill>
-                  <a:srgbClr val="1c1c1c"/>
-                </a:solidFill>
-                <a:latin typeface="Latin Modern Sans"/>
-                <a:ea typeface="DejaVu Sans"/>
-              </a:rPr>
-              <a:t>r</a:t>
-            </a:r>
-            <a:r>
-              <a:rPr b="0" lang="pt-BR" sz="2000" spc="-1" strike="noStrike">
-                <a:solidFill>
-                  <a:srgbClr val="1c1c1c"/>
-                </a:solidFill>
-                <a:latin typeface="Latin Modern Sans"/>
-                <a:ea typeface="DejaVu Sans"/>
-              </a:rPr>
-              <a:t>á</a:t>
-            </a:r>
-            <a:r>
-              <a:rPr b="0" lang="pt-BR" sz="2000" spc="-1" strike="noStrike">
-                <a:solidFill>
-                  <a:srgbClr val="1c1c1c"/>
-                </a:solidFill>
-                <a:latin typeface="Latin Modern Sans"/>
-                <a:ea typeface="DejaVu Sans"/>
-              </a:rPr>
-              <a:t>r</a:t>
-            </a:r>
-            <a:r>
-              <a:rPr b="0" lang="pt-BR" sz="2000" spc="-1" strike="noStrike">
-                <a:solidFill>
-                  <a:srgbClr val="1c1c1c"/>
-                </a:solidFill>
-                <a:latin typeface="Latin Modern Sans"/>
-                <a:ea typeface="DejaVu Sans"/>
-              </a:rPr>
-              <a:t>i</a:t>
-            </a:r>
-            <a:r>
-              <a:rPr b="0" lang="pt-BR" sz="2000" spc="-1" strike="noStrike">
-                <a:solidFill>
-                  <a:srgbClr val="1c1c1c"/>
-                </a:solidFill>
-                <a:latin typeface="Latin Modern Sans"/>
-                <a:ea typeface="DejaVu Sans"/>
-              </a:rPr>
-              <a:t>a</a:t>
-            </a:r>
-            <a:r>
-              <a:rPr b="0" lang="pt-BR" sz="2000" spc="-1" strike="noStrike">
-                <a:solidFill>
-                  <a:srgbClr val="1c1c1c"/>
-                </a:solidFill>
-                <a:latin typeface="Latin Modern Sans"/>
-                <a:ea typeface="DejaVu Sans"/>
-              </a:rPr>
-              <a:t>s</a:t>
+              <a:t>Distribuições Arbitrárias</a:t>
             </a:r>
             <a:endParaRPr b="0" lang="pt-BR" sz="2000" spc="-1" strike="noStrike">
               <a:latin typeface="Arial"/>
@@ -16041,365 +17916,35 @@
                 <a:latin typeface="Latin Modern Sans"/>
                 <a:ea typeface="DejaVu Sans"/>
               </a:rPr>
-              <a:t>S</a:t>
-            </a:r>
-            <a:r>
-              <a:rPr b="0" lang="pt-BR" sz="2000" spc="-1" strike="noStrike">
-                <a:solidFill>
-                  <a:srgbClr val="1c1c1c"/>
-                </a:solidFill>
-                <a:latin typeface="Latin Modern Sans"/>
-                <a:ea typeface="DejaVu Sans"/>
-              </a:rPr>
-              <a:t>e</a:t>
-            </a:r>
-            <a:r>
-              <a:rPr b="0" lang="pt-BR" sz="2000" spc="-1" strike="noStrike">
-                <a:solidFill>
-                  <a:srgbClr val="1c1c1c"/>
-                </a:solidFill>
-                <a:latin typeface="Latin Modern Sans"/>
-                <a:ea typeface="DejaVu Sans"/>
-              </a:rPr>
-              <a:t>m</a:t>
-            </a:r>
-            <a:r>
-              <a:rPr b="0" lang="pt-BR" sz="2000" spc="-1" strike="noStrike">
-                <a:solidFill>
-                  <a:srgbClr val="1c1c1c"/>
-                </a:solidFill>
-                <a:latin typeface="Latin Modern Sans"/>
-                <a:ea typeface="DejaVu Sans"/>
-              </a:rPr>
-              <a:t> </a:t>
-            </a:r>
-            <a:r>
-              <a:rPr b="0" lang="pt-BR" sz="2000" spc="-1" strike="noStrike">
-                <a:solidFill>
-                  <a:srgbClr val="1c1c1c"/>
-                </a:solidFill>
-                <a:latin typeface="Latin Modern Sans"/>
-                <a:ea typeface="DejaVu Sans"/>
-              </a:rPr>
-              <a:t>s</a:t>
-            </a:r>
-            <a:r>
-              <a:rPr b="0" lang="pt-BR" sz="2000" spc="-1" strike="noStrike">
-                <a:solidFill>
-                  <a:srgbClr val="1c1c1c"/>
-                </a:solidFill>
-                <a:latin typeface="Latin Modern Sans"/>
-                <a:ea typeface="DejaVu Sans"/>
-              </a:rPr>
-              <a:t>u</a:t>
-            </a:r>
-            <a:r>
-              <a:rPr b="0" lang="pt-BR" sz="2000" spc="-1" strike="noStrike">
-                <a:solidFill>
-                  <a:srgbClr val="1c1c1c"/>
-                </a:solidFill>
-                <a:latin typeface="Latin Modern Sans"/>
-                <a:ea typeface="DejaVu Sans"/>
-              </a:rPr>
-              <a:t>p</a:t>
-            </a:r>
-            <a:r>
-              <a:rPr b="0" lang="pt-BR" sz="2000" spc="-1" strike="noStrike">
-                <a:solidFill>
-                  <a:srgbClr val="1c1c1c"/>
-                </a:solidFill>
-                <a:latin typeface="Latin Modern Sans"/>
-                <a:ea typeface="DejaVu Sans"/>
-              </a:rPr>
-              <a:t>o</a:t>
-            </a:r>
-            <a:r>
-              <a:rPr b="0" lang="pt-BR" sz="2000" spc="-1" strike="noStrike">
-                <a:solidFill>
-                  <a:srgbClr val="1c1c1c"/>
-                </a:solidFill>
-                <a:latin typeface="Latin Modern Sans"/>
-                <a:ea typeface="DejaVu Sans"/>
-              </a:rPr>
-              <a:t>s</a:t>
-            </a:r>
-            <a:r>
-              <a:rPr b="0" lang="pt-BR" sz="2000" spc="-1" strike="noStrike">
-                <a:solidFill>
-                  <a:srgbClr val="1c1c1c"/>
-                </a:solidFill>
-                <a:latin typeface="Latin Modern Sans"/>
-                <a:ea typeface="DejaVu Sans"/>
-              </a:rPr>
-              <a:t>i</a:t>
-            </a:r>
-            <a:r>
-              <a:rPr b="0" lang="pt-BR" sz="2000" spc="-1" strike="noStrike">
-                <a:solidFill>
-                  <a:srgbClr val="1c1c1c"/>
-                </a:solidFill>
-                <a:latin typeface="Latin Modern Sans"/>
-                <a:ea typeface="DejaVu Sans"/>
-              </a:rPr>
-              <a:t>ç</a:t>
-            </a:r>
-            <a:r>
-              <a:rPr b="0" lang="pt-BR" sz="2000" spc="-1" strike="noStrike">
-                <a:solidFill>
-                  <a:srgbClr val="1c1c1c"/>
-                </a:solidFill>
-                <a:latin typeface="Latin Modern Sans"/>
-                <a:ea typeface="DejaVu Sans"/>
-              </a:rPr>
-              <a:t>ã</a:t>
-            </a:r>
-            <a:r>
-              <a:rPr b="0" lang="pt-BR" sz="2000" spc="-1" strike="noStrike">
-                <a:solidFill>
-                  <a:srgbClr val="1c1c1c"/>
-                </a:solidFill>
-                <a:latin typeface="Latin Modern Sans"/>
-                <a:ea typeface="DejaVu Sans"/>
-              </a:rPr>
-              <a:t>o</a:t>
-            </a:r>
-            <a:r>
-              <a:rPr b="0" lang="pt-BR" sz="2000" spc="-1" strike="noStrike">
-                <a:solidFill>
-                  <a:srgbClr val="1c1c1c"/>
-                </a:solidFill>
-                <a:latin typeface="Latin Modern Sans"/>
-                <a:ea typeface="DejaVu Sans"/>
-              </a:rPr>
-              <a:t> </a:t>
-            </a:r>
-            <a:r>
-              <a:rPr b="0" lang="pt-BR" sz="2000" spc="-1" strike="noStrike">
-                <a:solidFill>
-                  <a:srgbClr val="1c1c1c"/>
-                </a:solidFill>
-                <a:latin typeface="Latin Modern Sans"/>
-                <a:ea typeface="DejaVu Sans"/>
-              </a:rPr>
-              <a:t>s</a:t>
-            </a:r>
-            <a:r>
-              <a:rPr b="0" lang="pt-BR" sz="2000" spc="-1" strike="noStrike">
-                <a:solidFill>
-                  <a:srgbClr val="1c1c1c"/>
-                </a:solidFill>
-                <a:latin typeface="Latin Modern Sans"/>
-                <a:ea typeface="DejaVu Sans"/>
-              </a:rPr>
-              <a:t>o</a:t>
-            </a:r>
-            <a:r>
-              <a:rPr b="0" lang="pt-BR" sz="2000" spc="-1" strike="noStrike">
-                <a:solidFill>
-                  <a:srgbClr val="1c1c1c"/>
-                </a:solidFill>
-                <a:latin typeface="Latin Modern Sans"/>
-                <a:ea typeface="DejaVu Sans"/>
-              </a:rPr>
-              <a:t>b</a:t>
-            </a:r>
-            <a:r>
-              <a:rPr b="0" lang="pt-BR" sz="2000" spc="-1" strike="noStrike">
-                <a:solidFill>
-                  <a:srgbClr val="1c1c1c"/>
-                </a:solidFill>
-                <a:latin typeface="Latin Modern Sans"/>
-                <a:ea typeface="DejaVu Sans"/>
-              </a:rPr>
-              <a:t>r</a:t>
-            </a:r>
-            <a:r>
-              <a:rPr b="0" lang="pt-BR" sz="2000" spc="-1" strike="noStrike">
-                <a:solidFill>
-                  <a:srgbClr val="1c1c1c"/>
-                </a:solidFill>
-                <a:latin typeface="Latin Modern Sans"/>
-                <a:ea typeface="DejaVu Sans"/>
-              </a:rPr>
-              <a:t>e</a:t>
-            </a:r>
-            <a:r>
-              <a:rPr b="0" lang="pt-BR" sz="2000" spc="-1" strike="noStrike">
-                <a:solidFill>
-                  <a:srgbClr val="1c1c1c"/>
-                </a:solidFill>
-                <a:latin typeface="Latin Modern Sans"/>
-                <a:ea typeface="DejaVu Sans"/>
-              </a:rPr>
-              <a:t> </a:t>
-            </a:r>
-            <a:r>
-              <a:rPr b="0" lang="pt-BR" sz="2000" spc="-1" strike="noStrike">
-                <a:solidFill>
-                  <a:srgbClr val="1c1c1c"/>
-                </a:solidFill>
-                <a:latin typeface="Latin Modern Sans"/>
-                <a:ea typeface="DejaVu Sans"/>
-              </a:rPr>
-              <a:t>a</a:t>
-            </a:r>
-            <a:r>
-              <a:rPr b="0" lang="pt-BR" sz="2000" spc="-1" strike="noStrike">
-                <a:solidFill>
-                  <a:srgbClr val="1c1c1c"/>
-                </a:solidFill>
-                <a:latin typeface="Latin Modern Sans"/>
-                <a:ea typeface="DejaVu Sans"/>
-              </a:rPr>
-              <a:t>s</a:t>
-            </a:r>
-            <a:r>
-              <a:rPr b="0" lang="pt-BR" sz="2000" spc="-1" strike="noStrike">
-                <a:solidFill>
-                  <a:srgbClr val="1c1c1c"/>
-                </a:solidFill>
-                <a:latin typeface="Latin Modern Sans"/>
-                <a:ea typeface="DejaVu Sans"/>
-              </a:rPr>
-              <a:t> </a:t>
-            </a:r>
-            <a:r>
-              <a:rPr b="0" lang="pt-BR" sz="2000" spc="-1" strike="noStrike">
-                <a:solidFill>
-                  <a:srgbClr val="1c1c1c"/>
-                </a:solidFill>
-                <a:latin typeface="Latin Modern Sans"/>
-                <a:ea typeface="DejaVu Sans"/>
-              </a:rPr>
-              <a:t>d</a:t>
-            </a:r>
-            <a:r>
-              <a:rPr b="0" lang="pt-BR" sz="2000" spc="-1" strike="noStrike">
-                <a:solidFill>
-                  <a:srgbClr val="1c1c1c"/>
-                </a:solidFill>
-                <a:latin typeface="Latin Modern Sans"/>
-                <a:ea typeface="DejaVu Sans"/>
-              </a:rPr>
-              <a:t>e</a:t>
-            </a:r>
-            <a:r>
-              <a:rPr b="0" lang="pt-BR" sz="2000" spc="-1" strike="noStrike">
-                <a:solidFill>
-                  <a:srgbClr val="1c1c1c"/>
-                </a:solidFill>
-                <a:latin typeface="Latin Modern Sans"/>
-                <a:ea typeface="DejaVu Sans"/>
-              </a:rPr>
-              <a:t>n</a:t>
-            </a:r>
-            <a:r>
-              <a:rPr b="0" lang="pt-BR" sz="2000" spc="-1" strike="noStrike">
-                <a:solidFill>
-                  <a:srgbClr val="1c1c1c"/>
-                </a:solidFill>
-                <a:latin typeface="Latin Modern Sans"/>
-                <a:ea typeface="DejaVu Sans"/>
-              </a:rPr>
-              <a:t>s</a:t>
-            </a:r>
-            <a:r>
-              <a:rPr b="0" lang="pt-BR" sz="2000" spc="-1" strike="noStrike">
-                <a:solidFill>
-                  <a:srgbClr val="1c1c1c"/>
-                </a:solidFill>
-                <a:latin typeface="Latin Modern Sans"/>
-                <a:ea typeface="DejaVu Sans"/>
-              </a:rPr>
-              <a:t>i</a:t>
-            </a:r>
-            <a:r>
-              <a:rPr b="0" lang="pt-BR" sz="2000" spc="-1" strike="noStrike">
-                <a:solidFill>
-                  <a:srgbClr val="1c1c1c"/>
-                </a:solidFill>
-                <a:latin typeface="Latin Modern Sans"/>
-                <a:ea typeface="DejaVu Sans"/>
-              </a:rPr>
-              <a:t>d</a:t>
-            </a:r>
-            <a:r>
-              <a:rPr b="0" lang="pt-BR" sz="2000" spc="-1" strike="noStrike">
-                <a:solidFill>
-                  <a:srgbClr val="1c1c1c"/>
-                </a:solidFill>
-                <a:latin typeface="Latin Modern Sans"/>
-                <a:ea typeface="DejaVu Sans"/>
-              </a:rPr>
-              <a:t>a</a:t>
-            </a:r>
-            <a:r>
-              <a:rPr b="0" lang="pt-BR" sz="2000" spc="-1" strike="noStrike">
-                <a:solidFill>
-                  <a:srgbClr val="1c1c1c"/>
-                </a:solidFill>
-                <a:latin typeface="Latin Modern Sans"/>
-                <a:ea typeface="DejaVu Sans"/>
-              </a:rPr>
-              <a:t>d</a:t>
-            </a:r>
-            <a:r>
-              <a:rPr b="0" lang="pt-BR" sz="2000" spc="-1" strike="noStrike">
-                <a:solidFill>
-                  <a:srgbClr val="1c1c1c"/>
-                </a:solidFill>
-                <a:latin typeface="Latin Modern Sans"/>
-                <a:ea typeface="DejaVu Sans"/>
-              </a:rPr>
-              <a:t>e</a:t>
-            </a:r>
-            <a:r>
-              <a:rPr b="0" lang="pt-BR" sz="2000" spc="-1" strike="noStrike">
-                <a:solidFill>
-                  <a:srgbClr val="1c1c1c"/>
-                </a:solidFill>
-                <a:latin typeface="Latin Modern Sans"/>
-                <a:ea typeface="DejaVu Sans"/>
-              </a:rPr>
-              <a:t>s</a:t>
+              <a:t>Sem suposição sobre as densidades</a:t>
             </a:r>
             <a:endParaRPr b="0" lang="pt-BR" sz="2000" spc="-1" strike="noStrike">
               <a:latin typeface="Arial"/>
             </a:endParaRPr>
           </a:p>
           <a:p>
-            <a:pPr lvl="1" marL="501480" indent="-278280">
+            <a:pPr>
               <a:lnSpc>
                 <a:spcPct val="100000"/>
               </a:lnSpc>
               <a:spcAft>
                 <a:spcPts val="1134"/>
               </a:spcAft>
-              <a:buClr>
-                <a:srgbClr val="000000"/>
-              </a:buClr>
-              <a:buSzPct val="45000"/>
-              <a:buFont typeface="Arial"/>
-              <a:buChar char="•"/>
+              <a:buNone/>
             </a:pPr>
             <a:endParaRPr b="0" lang="pt-BR" sz="1800" spc="-1" strike="noStrike">
               <a:latin typeface="Arial"/>
             </a:endParaRPr>
           </a:p>
           <a:p>
-            <a:pPr lvl="2" marL="958680" indent="-278280">
+            <a:pPr>
               <a:lnSpc>
                 <a:spcPct val="100000"/>
               </a:lnSpc>
               <a:spcAft>
                 <a:spcPts val="1134"/>
               </a:spcAft>
-              <a:buClr>
-                <a:srgbClr val="000000"/>
-              </a:buClr>
-              <a:buSzPct val="45000"/>
-              <a:buFont typeface="Arial"/>
-              <a:buChar char="•"/>
+              <a:buNone/>
             </a:pPr>
             <a:endParaRPr b="0" lang="pt-BR" sz="1300" spc="-1" strike="noStrike">
               <a:latin typeface="Arial"/>
@@ -16409,14 +17954,14 @@
       </p:sp>
       <p:sp>
         <p:nvSpPr>
-          <p:cNvPr id="230" name="CustomShape 9"/>
+          <p:cNvPr id="235" name="CustomShape 9"/>
           <p:cNvSpPr/>
           <p:nvPr/>
         </p:nvSpPr>
         <p:spPr>
           <a:xfrm>
             <a:off x="897120" y="6886080"/>
-            <a:ext cx="6436080" cy="353880"/>
+            <a:ext cx="6435720" cy="353520"/>
           </a:xfrm>
           <a:prstGeom prst="rect">
             <a:avLst/>
@@ -16461,14 +18006,14 @@
       </p:sp>
       <p:sp>
         <p:nvSpPr>
-          <p:cNvPr id="231" name="CustomShape 15"/>
+          <p:cNvPr id="236" name="CustomShape 15"/>
           <p:cNvSpPr/>
           <p:nvPr/>
         </p:nvSpPr>
         <p:spPr>
           <a:xfrm>
             <a:off x="7608600" y="6886080"/>
-            <a:ext cx="2274120" cy="353880"/>
+            <a:ext cx="2273760" cy="353520"/>
           </a:xfrm>
           <a:prstGeom prst="rect">
             <a:avLst/>
@@ -16513,7 +18058,7 @@
       </p:sp>
       <p:pic>
         <p:nvPicPr>
-          <p:cNvPr id="232" name="" descr=""/>
+          <p:cNvPr id="237" name="" descr=""/>
           <p:cNvPicPr/>
           <p:nvPr/>
         </p:nvPicPr>
@@ -16523,8 +18068,8 @@
         </p:blipFill>
         <p:spPr>
           <a:xfrm>
-            <a:off x="1108080" y="4032000"/>
-            <a:ext cx="3031920" cy="2248920"/>
+            <a:off x="1265400" y="3934080"/>
+            <a:ext cx="3356640" cy="2489760"/>
           </a:xfrm>
           <a:prstGeom prst="rect">
             <a:avLst/>
@@ -16536,7 +18081,7 @@
       </p:pic>
       <p:pic>
         <p:nvPicPr>
-          <p:cNvPr id="233" name="" descr=""/>
+          <p:cNvPr id="238" name="" descr=""/>
           <p:cNvPicPr/>
           <p:nvPr/>
         </p:nvPicPr>
@@ -16546,8 +18091,8 @@
         </p:blipFill>
         <p:spPr>
           <a:xfrm>
-            <a:off x="4680000" y="3691440"/>
-            <a:ext cx="4404960" cy="2968560"/>
+            <a:off x="4862880" y="3642840"/>
+            <a:ext cx="4818960" cy="3247560"/>
           </a:xfrm>
           <a:prstGeom prst="rect">
             <a:avLst/>
@@ -16589,14 +18134,14 @@
       </p:grpSpPr>
       <p:sp>
         <p:nvSpPr>
-          <p:cNvPr id="234" name="CustomShape 8"/>
+          <p:cNvPr id="239" name="CustomShape 8"/>
           <p:cNvSpPr/>
           <p:nvPr/>
         </p:nvSpPr>
         <p:spPr>
           <a:xfrm>
             <a:off x="360000" y="360000"/>
-            <a:ext cx="9348840" cy="888840"/>
+            <a:ext cx="9348480" cy="888480"/>
           </a:xfrm>
           <a:prstGeom prst="rect">
             <a:avLst/>
@@ -16641,14 +18186,14 @@
       </p:sp>
       <p:sp>
         <p:nvSpPr>
-          <p:cNvPr id="235" name="CustomShape 19"/>
+          <p:cNvPr id="240" name="CustomShape 19"/>
           <p:cNvSpPr/>
           <p:nvPr/>
         </p:nvSpPr>
         <p:spPr>
           <a:xfrm>
             <a:off x="360000" y="1447920"/>
-            <a:ext cx="9168840" cy="4668840"/>
+            <a:ext cx="9168480" cy="4668480"/>
           </a:xfrm>
           <a:prstGeom prst="rect">
             <a:avLst/>
@@ -16715,75 +18260,35 @@
                 <a:latin typeface="Latin Modern Sans"/>
                 <a:ea typeface="DejaVu Sans"/>
               </a:rPr>
-              <a:t>Votação de </a:t>
-            </a:r>
-            <a:r>
-              <a:rPr b="0" lang="pt-BR" sz="2000" spc="-1" strike="noStrike">
-                <a:solidFill>
-                  <a:srgbClr val="1c1c1c"/>
-                </a:solidFill>
-                <a:latin typeface="Latin Modern Sans"/>
-                <a:ea typeface="DejaVu Sans"/>
-              </a:rPr>
-              <a:t>‘K’ vizinhos </a:t>
-            </a:r>
-            <a:r>
-              <a:rPr b="0" lang="pt-BR" sz="2000" spc="-1" strike="noStrike">
-                <a:solidFill>
-                  <a:srgbClr val="1c1c1c"/>
-                </a:solidFill>
-                <a:latin typeface="Latin Modern Sans"/>
-                <a:ea typeface="DejaVu Sans"/>
-              </a:rPr>
-              <a:t>da amostra </a:t>
-            </a:r>
-            <a:r>
-              <a:rPr b="0" lang="pt-BR" sz="2000" spc="-1" strike="noStrike">
-                <a:solidFill>
-                  <a:srgbClr val="1c1c1c"/>
-                </a:solidFill>
-                <a:latin typeface="Latin Modern Sans"/>
-                <a:ea typeface="DejaVu Sans"/>
-              </a:rPr>
-              <a:t>de teste</a:t>
+              <a:t>Votação de ‘K’ vizinhos da amostra de teste</a:t>
             </a:r>
             <a:endParaRPr b="0" lang="pt-BR" sz="2000" spc="-1" strike="noStrike">
               <a:latin typeface="Arial"/>
             </a:endParaRPr>
           </a:p>
           <a:p>
-            <a:pPr lvl="1" marL="501480" indent="-278280">
+            <a:pPr>
               <a:lnSpc>
                 <a:spcPct val="100000"/>
               </a:lnSpc>
               <a:spcAft>
                 <a:spcPts val="1134"/>
               </a:spcAft>
-              <a:buClr>
-                <a:srgbClr val="000000"/>
-              </a:buClr>
-              <a:buSzPct val="45000"/>
-              <a:buFont typeface="Arial"/>
-              <a:buChar char="•"/>
+              <a:buNone/>
             </a:pPr>
             <a:endParaRPr b="0" lang="pt-BR" sz="2000" spc="-1" strike="noStrike">
               <a:latin typeface="Arial"/>
             </a:endParaRPr>
           </a:p>
           <a:p>
-            <a:pPr lvl="2" marL="958680" indent="-278280">
+            <a:pPr>
               <a:lnSpc>
                 <a:spcPct val="100000"/>
               </a:lnSpc>
               <a:spcAft>
                 <a:spcPts val="1134"/>
               </a:spcAft>
-              <a:buClr>
-                <a:srgbClr val="000000"/>
-              </a:buClr>
-              <a:buSzPct val="45000"/>
-              <a:buFont typeface="Arial"/>
-              <a:buChar char="•"/>
+              <a:buNone/>
             </a:pPr>
             <a:endParaRPr b="0" lang="pt-BR" sz="1300" spc="-1" strike="noStrike">
               <a:latin typeface="Arial"/>
@@ -16793,14 +18298,14 @@
       </p:sp>
       <p:sp>
         <p:nvSpPr>
-          <p:cNvPr id="236" name="CustomShape 20"/>
+          <p:cNvPr id="241" name="CustomShape 20"/>
           <p:cNvSpPr/>
           <p:nvPr/>
         </p:nvSpPr>
         <p:spPr>
           <a:xfrm>
             <a:off x="897120" y="6886080"/>
-            <a:ext cx="6436080" cy="353880"/>
+            <a:ext cx="6435720" cy="353520"/>
           </a:xfrm>
           <a:prstGeom prst="rect">
             <a:avLst/>
@@ -16845,14 +18350,14 @@
       </p:sp>
       <p:sp>
         <p:nvSpPr>
-          <p:cNvPr id="237" name="CustomShape 21"/>
+          <p:cNvPr id="242" name="CustomShape 21"/>
           <p:cNvSpPr/>
           <p:nvPr/>
         </p:nvSpPr>
         <p:spPr>
           <a:xfrm>
             <a:off x="7608600" y="6886080"/>
-            <a:ext cx="2274120" cy="353880"/>
+            <a:ext cx="2273760" cy="353520"/>
           </a:xfrm>
           <a:prstGeom prst="rect">
             <a:avLst/>
@@ -16897,7 +18402,7 @@
       </p:sp>
       <p:pic>
         <p:nvPicPr>
-          <p:cNvPr id="238" name="" descr=""/>
+          <p:cNvPr id="243" name="" descr=""/>
           <p:cNvPicPr/>
           <p:nvPr/>
         </p:nvPicPr>
@@ -16909,7 +18414,7 @@
         <p:spPr>
           <a:xfrm>
             <a:off x="2520000" y="2520360"/>
-            <a:ext cx="4679640" cy="3959640"/>
+            <a:ext cx="4679280" cy="3959280"/>
           </a:xfrm>
           <a:prstGeom prst="rect">
             <a:avLst/>
@@ -16951,14 +18456,14 @@
       </p:grpSpPr>
       <p:sp>
         <p:nvSpPr>
-          <p:cNvPr id="239" name="CustomShape 23"/>
+          <p:cNvPr id="244" name="CustomShape 23"/>
           <p:cNvSpPr/>
           <p:nvPr/>
         </p:nvSpPr>
         <p:spPr>
           <a:xfrm>
             <a:off x="360000" y="360000"/>
-            <a:ext cx="9348840" cy="888840"/>
+            <a:ext cx="9348480" cy="888480"/>
           </a:xfrm>
           <a:prstGeom prst="rect">
             <a:avLst/>
@@ -16993,97 +18498,7 @@
                 <a:latin typeface="Source Sans Pro Black"/>
                 <a:ea typeface="DejaVu Sans"/>
               </a:rPr>
-              <a:t>K-</a:t>
-            </a:r>
-            <a:r>
-              <a:rPr b="1" lang="pt-BR" sz="2600" spc="-1" strike="noStrike">
-                <a:solidFill>
-                  <a:srgbClr val="ffffff"/>
-                </a:solidFill>
-                <a:latin typeface="Source Sans Pro Black"/>
-                <a:ea typeface="DejaVu Sans"/>
-              </a:rPr>
-              <a:t>Ne</a:t>
-            </a:r>
-            <a:r>
-              <a:rPr b="1" lang="pt-BR" sz="2600" spc="-1" strike="noStrike">
-                <a:solidFill>
-                  <a:srgbClr val="ffffff"/>
-                </a:solidFill>
-                <a:latin typeface="Source Sans Pro Black"/>
-                <a:ea typeface="DejaVu Sans"/>
-              </a:rPr>
-              <a:t>are</a:t>
-            </a:r>
-            <a:r>
-              <a:rPr b="1" lang="pt-BR" sz="2600" spc="-1" strike="noStrike">
-                <a:solidFill>
-                  <a:srgbClr val="ffffff"/>
-                </a:solidFill>
-                <a:latin typeface="Source Sans Pro Black"/>
-                <a:ea typeface="DejaVu Sans"/>
-              </a:rPr>
-              <a:t>st </a:t>
-            </a:r>
-            <a:r>
-              <a:rPr b="1" lang="pt-BR" sz="2600" spc="-1" strike="noStrike">
-                <a:solidFill>
-                  <a:srgbClr val="ffffff"/>
-                </a:solidFill>
-                <a:latin typeface="Source Sans Pro Black"/>
-                <a:ea typeface="DejaVu Sans"/>
-              </a:rPr>
-              <a:t>Nei</a:t>
-            </a:r>
-            <a:r>
-              <a:rPr b="1" lang="pt-BR" sz="2600" spc="-1" strike="noStrike">
-                <a:solidFill>
-                  <a:srgbClr val="ffffff"/>
-                </a:solidFill>
-                <a:latin typeface="Source Sans Pro Black"/>
-                <a:ea typeface="DejaVu Sans"/>
-              </a:rPr>
-              <a:t>gh</a:t>
-            </a:r>
-            <a:r>
-              <a:rPr b="1" lang="pt-BR" sz="2600" spc="-1" strike="noStrike">
-                <a:solidFill>
-                  <a:srgbClr val="ffffff"/>
-                </a:solidFill>
-                <a:latin typeface="Source Sans Pro Black"/>
-                <a:ea typeface="DejaVu Sans"/>
-              </a:rPr>
-              <a:t>bor</a:t>
-            </a:r>
-            <a:r>
-              <a:rPr b="1" lang="pt-BR" sz="2600" spc="-1" strike="noStrike">
-                <a:solidFill>
-                  <a:srgbClr val="ffffff"/>
-                </a:solidFill>
-                <a:latin typeface="Source Sans Pro Black"/>
-                <a:ea typeface="DejaVu Sans"/>
-              </a:rPr>
-              <a:t>s </a:t>
-            </a:r>
-            <a:r>
-              <a:rPr b="1" lang="pt-BR" sz="2600" spc="-1" strike="noStrike">
-                <a:solidFill>
-                  <a:srgbClr val="ffffff"/>
-                </a:solidFill>
-                <a:latin typeface="Source Sans Pro Black"/>
-                <a:ea typeface="DejaVu Sans"/>
-              </a:rPr>
-              <a:t>(K-</a:t>
-            </a:r>
-            <a:r>
-              <a:rPr b="1" lang="pt-BR" sz="2600" spc="-1" strike="noStrike">
-                <a:solidFill>
-                  <a:srgbClr val="ffffff"/>
-                </a:solidFill>
-                <a:latin typeface="Source Sans Pro Black"/>
-                <a:ea typeface="DejaVu Sans"/>
-              </a:rPr>
-              <a:t>NN)</a:t>
+              <a:t>Distância Euclidiana</a:t>
             </a:r>
             <a:endParaRPr b="0" lang="pt-BR" sz="2600" spc="-1" strike="noStrike">
               <a:latin typeface="Arial"/>
@@ -17093,14 +18508,14 @@
       </p:sp>
       <p:sp>
         <p:nvSpPr>
-          <p:cNvPr id="240" name="CustomShape 24"/>
+          <p:cNvPr id="245" name="CustomShape 24"/>
           <p:cNvSpPr/>
           <p:nvPr/>
         </p:nvSpPr>
         <p:spPr>
           <a:xfrm>
             <a:off x="360000" y="1447920"/>
-            <a:ext cx="9168840" cy="4668840"/>
+            <a:ext cx="9168480" cy="4668480"/>
           </a:xfrm>
           <a:prstGeom prst="rect">
             <a:avLst/>
@@ -17167,154 +18582,14 @@
                 <a:latin typeface="Latin Modern Sans"/>
                 <a:ea typeface="DejaVu Sans"/>
               </a:rPr>
-              <a:t>Vot</a:t>
-            </a:r>
-            <a:r>
-              <a:rPr b="0" lang="pt-BR" sz="2000" spc="-1" strike="noStrike">
-                <a:solidFill>
-                  <a:srgbClr val="1c1c1c"/>
-                </a:solidFill>
-                <a:latin typeface="Latin Modern Sans"/>
-                <a:ea typeface="DejaVu Sans"/>
-              </a:rPr>
-              <a:t>açã</a:t>
-            </a:r>
-            <a:r>
-              <a:rPr b="0" lang="pt-BR" sz="2000" spc="-1" strike="noStrike">
-                <a:solidFill>
-                  <a:srgbClr val="1c1c1c"/>
-                </a:solidFill>
-                <a:latin typeface="Latin Modern Sans"/>
-                <a:ea typeface="DejaVu Sans"/>
-              </a:rPr>
-              <a:t>o </a:t>
-            </a:r>
-            <a:r>
-              <a:rPr b="0" lang="pt-BR" sz="2000" spc="-1" strike="noStrike">
-                <a:solidFill>
-                  <a:srgbClr val="1c1c1c"/>
-                </a:solidFill>
-                <a:latin typeface="Latin Modern Sans"/>
-                <a:ea typeface="DejaVu Sans"/>
-              </a:rPr>
-              <a:t>de </a:t>
-            </a:r>
-            <a:r>
-              <a:rPr b="0" lang="pt-BR" sz="2000" spc="-1" strike="noStrike">
-                <a:solidFill>
-                  <a:srgbClr val="1c1c1c"/>
-                </a:solidFill>
-                <a:latin typeface="Latin Modern Sans"/>
-                <a:ea typeface="DejaVu Sans"/>
-              </a:rPr>
-              <a:t>‘K’ </a:t>
-            </a:r>
-            <a:r>
-              <a:rPr b="0" lang="pt-BR" sz="2000" spc="-1" strike="noStrike">
-                <a:solidFill>
-                  <a:srgbClr val="1c1c1c"/>
-                </a:solidFill>
-                <a:latin typeface="Latin Modern Sans"/>
-                <a:ea typeface="DejaVu Sans"/>
-              </a:rPr>
-              <a:t>vizi</a:t>
-            </a:r>
-            <a:r>
-              <a:rPr b="0" lang="pt-BR" sz="2000" spc="-1" strike="noStrike">
-                <a:solidFill>
-                  <a:srgbClr val="1c1c1c"/>
-                </a:solidFill>
-                <a:latin typeface="Latin Modern Sans"/>
-                <a:ea typeface="DejaVu Sans"/>
-              </a:rPr>
-              <a:t>nho</a:t>
-            </a:r>
-            <a:r>
-              <a:rPr b="0" lang="pt-BR" sz="2000" spc="-1" strike="noStrike">
-                <a:solidFill>
-                  <a:srgbClr val="1c1c1c"/>
-                </a:solidFill>
-                <a:latin typeface="Latin Modern Sans"/>
-                <a:ea typeface="DejaVu Sans"/>
-              </a:rPr>
-              <a:t>s </a:t>
-            </a:r>
-            <a:r>
-              <a:rPr b="0" lang="pt-BR" sz="2000" spc="-1" strike="noStrike">
-                <a:solidFill>
-                  <a:srgbClr val="1c1c1c"/>
-                </a:solidFill>
-                <a:latin typeface="Latin Modern Sans"/>
-                <a:ea typeface="DejaVu Sans"/>
-              </a:rPr>
-              <a:t>da </a:t>
-            </a:r>
-            <a:r>
-              <a:rPr b="0" lang="pt-BR" sz="2000" spc="-1" strike="noStrike">
-                <a:solidFill>
-                  <a:srgbClr val="1c1c1c"/>
-                </a:solidFill>
-                <a:latin typeface="Latin Modern Sans"/>
-                <a:ea typeface="DejaVu Sans"/>
-              </a:rPr>
-              <a:t>am</a:t>
-            </a:r>
-            <a:r>
-              <a:rPr b="0" lang="pt-BR" sz="2000" spc="-1" strike="noStrike">
-                <a:solidFill>
-                  <a:srgbClr val="1c1c1c"/>
-                </a:solidFill>
-                <a:latin typeface="Latin Modern Sans"/>
-                <a:ea typeface="DejaVu Sans"/>
-              </a:rPr>
-              <a:t>ost</a:t>
-            </a:r>
-            <a:r>
-              <a:rPr b="0" lang="pt-BR" sz="2000" spc="-1" strike="noStrike">
-                <a:solidFill>
-                  <a:srgbClr val="1c1c1c"/>
-                </a:solidFill>
-                <a:latin typeface="Latin Modern Sans"/>
-                <a:ea typeface="DejaVu Sans"/>
-              </a:rPr>
-              <a:t>ra </a:t>
-            </a:r>
-            <a:r>
-              <a:rPr b="0" lang="pt-BR" sz="2000" spc="-1" strike="noStrike">
-                <a:solidFill>
-                  <a:srgbClr val="1c1c1c"/>
-                </a:solidFill>
-                <a:latin typeface="Latin Modern Sans"/>
-                <a:ea typeface="DejaVu Sans"/>
-              </a:rPr>
-              <a:t>de </a:t>
-            </a:r>
-            <a:r>
-              <a:rPr b="0" lang="pt-BR" sz="2000" spc="-1" strike="noStrike">
-                <a:solidFill>
-                  <a:srgbClr val="1c1c1c"/>
-                </a:solidFill>
-                <a:latin typeface="Latin Modern Sans"/>
-                <a:ea typeface="DejaVu Sans"/>
-              </a:rPr>
-              <a:t>tes</a:t>
-            </a:r>
-            <a:r>
-              <a:rPr b="0" lang="pt-BR" sz="2000" spc="-1" strike="noStrike">
-                <a:solidFill>
-                  <a:srgbClr val="1c1c1c"/>
-                </a:solidFill>
-                <a:latin typeface="Latin Modern Sans"/>
-                <a:ea typeface="DejaVu Sans"/>
-              </a:rPr>
-              <a:t>te</a:t>
+              <a:t>Determina a distância entre dois pontos espaço euclidiano </a:t>
             </a:r>
             <a:endParaRPr b="0" lang="pt-BR" sz="2000" spc="-1" strike="noStrike">
               <a:latin typeface="Arial"/>
             </a:endParaRPr>
           </a:p>
           <a:p>
-            <a:pPr lvl="1" marL="501480" indent="-278280">
+            <a:pPr marL="216000" indent="-216000">
               <a:lnSpc>
                 <a:spcPct val="100000"/>
               </a:lnSpc>
@@ -17325,15 +18600,567 @@
                 <a:srgbClr val="000000"/>
               </a:buClr>
               <a:buSzPct val="45000"/>
-              <a:buFont typeface="Arial"/>
-              <a:buChar char="•"/>
+              <a:buFont typeface="Wingdings" charset="2"/>
+              <a:buChar char=""/>
             </a:pPr>
             <a:endParaRPr b="0" lang="pt-BR" sz="2000" spc="-1" strike="noStrike">
               <a:latin typeface="Arial"/>
             </a:endParaRPr>
           </a:p>
           <a:p>
-            <a:pPr lvl="2" marL="958680" indent="-278280">
+            <a:pPr>
+              <a:lnSpc>
+                <a:spcPct val="100000"/>
+              </a:lnSpc>
+              <a:spcAft>
+                <a:spcPts val="1134"/>
+              </a:spcAft>
+              <a:buNone/>
+            </a:pPr>
+            <a:endParaRPr b="0" lang="pt-BR" sz="2000" spc="-1" strike="noStrike">
+              <a:latin typeface="Arial"/>
+            </a:endParaRPr>
+          </a:p>
+          <a:p>
+            <a:pPr>
+              <a:lnSpc>
+                <a:spcPct val="100000"/>
+              </a:lnSpc>
+              <a:spcAft>
+                <a:spcPts val="1134"/>
+              </a:spcAft>
+              <a:buNone/>
+            </a:pPr>
+            <a:endParaRPr b="0" lang="pt-BR" sz="1300" spc="-1" strike="noStrike">
+              <a:latin typeface="Arial"/>
+            </a:endParaRPr>
+          </a:p>
+        </p:txBody>
+      </p:sp>
+      <p:sp>
+        <p:nvSpPr>
+          <p:cNvPr id="246" name="CustomShape 25"/>
+          <p:cNvSpPr/>
+          <p:nvPr/>
+        </p:nvSpPr>
+        <p:spPr>
+          <a:xfrm>
+            <a:off x="897120" y="6886080"/>
+            <a:ext cx="6435720" cy="353520"/>
+          </a:xfrm>
+          <a:prstGeom prst="rect">
+            <a:avLst/>
+          </a:prstGeom>
+          <a:noFill/>
+          <a:ln w="0">
+            <a:noFill/>
+          </a:ln>
+        </p:spPr>
+        <p:style>
+          <a:lnRef idx="0"/>
+          <a:fillRef idx="0"/>
+          <a:effectRef idx="0"/>
+          <a:fontRef idx="minor"/>
+        </p:style>
+        <p:txBody>
+          <a:bodyPr lIns="90000" rIns="90000" tIns="45000" bIns="45000" anchor="t">
+            <a:noAutofit/>
+          </a:bodyPr>
+          <a:p>
+            <a:pPr>
+              <a:lnSpc>
+                <a:spcPct val="100000"/>
+              </a:lnSpc>
+              <a:buNone/>
+            </a:pPr>
+            <a:r>
+              <a:rPr b="0" lang="pt-BR" sz="1800" spc="-1" strike="noStrike">
+                <a:solidFill>
+                  <a:srgbClr val="000000"/>
+                </a:solidFill>
+                <a:latin typeface="Arial"/>
+                <a:ea typeface="DejaVu Sans"/>
+              </a:rPr>
+              <a:t>Aprendizado de Máquina - Prof. André Hochuli</a:t>
+            </a:r>
+            <a:endParaRPr b="0" lang="pt-BR" sz="1800" spc="-1" strike="noStrike">
+              <a:latin typeface="Arial"/>
+            </a:endParaRPr>
+          </a:p>
+        </p:txBody>
+      </p:sp>
+      <p:sp>
+        <p:nvSpPr>
+          <p:cNvPr id="247" name="CustomShape 26"/>
+          <p:cNvSpPr/>
+          <p:nvPr/>
+        </p:nvSpPr>
+        <p:spPr>
+          <a:xfrm>
+            <a:off x="7608600" y="6886080"/>
+            <a:ext cx="2273760" cy="353520"/>
+          </a:xfrm>
+          <a:prstGeom prst="rect">
+            <a:avLst/>
+          </a:prstGeom>
+          <a:noFill/>
+          <a:ln w="0">
+            <a:noFill/>
+          </a:ln>
+        </p:spPr>
+        <p:style>
+          <a:lnRef idx="0"/>
+          <a:fillRef idx="0"/>
+          <a:effectRef idx="0"/>
+          <a:fontRef idx="minor"/>
+        </p:style>
+        <p:txBody>
+          <a:bodyPr lIns="90000" rIns="90000" tIns="45000" bIns="45000" anchor="t">
+            <a:noAutofit/>
+          </a:bodyPr>
+          <a:p>
+            <a:pPr>
+              <a:lnSpc>
+                <a:spcPct val="100000"/>
+              </a:lnSpc>
+              <a:buNone/>
+            </a:pPr>
+            <a:r>
+              <a:rPr b="0" lang="pt-BR" sz="1800" spc="-1" strike="noStrike">
+                <a:solidFill>
+                  <a:srgbClr val="000000"/>
+                </a:solidFill>
+                <a:latin typeface="Arial"/>
+                <a:ea typeface="DejaVu Sans"/>
+              </a:rPr>
+              <a:t>KNN</a:t>
+            </a:r>
+            <a:endParaRPr b="0" lang="pt-BR" sz="1800" spc="-1" strike="noStrike">
+              <a:latin typeface="Arial"/>
+            </a:endParaRPr>
+          </a:p>
+        </p:txBody>
+      </p:sp>
+      <p:pic>
+        <p:nvPicPr>
+          <p:cNvPr id="248" name="" descr=""/>
+          <p:cNvPicPr/>
+          <p:nvPr/>
+        </p:nvPicPr>
+        <p:blipFill>
+          <a:blip r:embed="rId1"/>
+          <a:stretch/>
+        </p:blipFill>
+        <p:spPr>
+          <a:xfrm>
+            <a:off x="1474200" y="3206880"/>
+            <a:ext cx="3575880" cy="3360600"/>
+          </a:xfrm>
+          <a:prstGeom prst="rect">
+            <a:avLst/>
+          </a:prstGeom>
+          <a:ln w="0">
+            <a:noFill/>
+          </a:ln>
+        </p:spPr>
+      </p:pic>
+      <p:pic>
+        <p:nvPicPr>
+          <p:cNvPr id="249" name="" descr=""/>
+          <p:cNvPicPr/>
+          <p:nvPr/>
+        </p:nvPicPr>
+        <p:blipFill>
+          <a:blip r:embed="rId2"/>
+          <a:srcRect l="0" t="60389" r="0" b="0"/>
+          <a:stretch/>
+        </p:blipFill>
+        <p:spPr>
+          <a:xfrm>
+            <a:off x="3623760" y="4358520"/>
+            <a:ext cx="5640480" cy="808560"/>
+          </a:xfrm>
+          <a:prstGeom prst="rect">
+            <a:avLst/>
+          </a:prstGeom>
+          <a:ln w="0">
+            <a:noFill/>
+          </a:ln>
+        </p:spPr>
+      </p:pic>
+      <p:pic>
+        <p:nvPicPr>
+          <p:cNvPr id="250" name="" descr=""/>
+          <p:cNvPicPr/>
+          <p:nvPr/>
+        </p:nvPicPr>
+        <p:blipFill>
+          <a:blip r:embed="rId3"/>
+          <a:stretch/>
+        </p:blipFill>
+        <p:spPr>
+          <a:xfrm>
+            <a:off x="5498280" y="2713680"/>
+            <a:ext cx="1956960" cy="469440"/>
+          </a:xfrm>
+          <a:prstGeom prst="rect">
+            <a:avLst/>
+          </a:prstGeom>
+          <a:ln w="0">
+            <a:noFill/>
+          </a:ln>
+        </p:spPr>
+      </p:pic>
+      <p:pic>
+        <p:nvPicPr>
+          <p:cNvPr id="251" name="" descr=""/>
+          <p:cNvPicPr/>
+          <p:nvPr/>
+        </p:nvPicPr>
+        <p:blipFill>
+          <a:blip r:embed="rId4"/>
+          <a:stretch/>
+        </p:blipFill>
+        <p:spPr>
+          <a:xfrm>
+            <a:off x="5094000" y="3539160"/>
+            <a:ext cx="2754000" cy="713160"/>
+          </a:xfrm>
+          <a:prstGeom prst="rect">
+            <a:avLst/>
+          </a:prstGeom>
+          <a:ln w="0">
+            <a:noFill/>
+          </a:ln>
+        </p:spPr>
+      </p:pic>
+    </p:spTree>
+  </p:cSld>
+  <mc:AlternateContent>
+    <mc:Choice Requires="p14">
+      <p:transition spd="slow" p14:dur="2000"/>
+    </mc:Choice>
+    <mc:Fallback>
+      <p:transition spd="slow"/>
+    </mc:Fallback>
+  </mc:AlternateContent>
+</p:sld>
+</file>
+
+<file path=ppt/slides/slide8.xml><?xml version="1.0" encoding="utf-8"?>
+<p:sld xmlns:a="http://schemas.openxmlformats.org/drawingml/2006/main" xmlns:p="http://schemas.openxmlformats.org/presentationml/2006/main" xmlns:r="http://schemas.openxmlformats.org/officeDocument/2006/relationships" xmlns:p14="http://schemas.microsoft.com/office/powerpoint/2010/main" xmlns:p15="http://schemas.microsoft.com/office/powerpoint/2012/main" xmlns:mc="http://schemas.openxmlformats.org/markup-compatibility/2006">
+  <p:cSld>
+    <p:spTree>
+      <p:nvGrpSpPr>
+        <p:cNvPr id="1" name=""/>
+        <p:cNvGrpSpPr/>
+        <p:nvPr/>
+      </p:nvGrpSpPr>
+      <p:grpSpPr>
+        <a:xfrm>
+          <a:off x="0" y="0"/>
+          <a:ext cx="0" cy="0"/>
+          <a:chOff x="0" y="0"/>
+          <a:chExt cx="0" cy="0"/>
+        </a:xfrm>
+      </p:grpSpPr>
+      <p:sp>
+        <p:nvSpPr>
+          <p:cNvPr id="252" name="CustomShape 43"/>
+          <p:cNvSpPr/>
+          <p:nvPr/>
+        </p:nvSpPr>
+        <p:spPr>
+          <a:xfrm>
+            <a:off x="360000" y="360000"/>
+            <a:ext cx="9348480" cy="888480"/>
+          </a:xfrm>
+          <a:prstGeom prst="rect">
+            <a:avLst/>
+          </a:prstGeom>
+          <a:noFill/>
+          <a:ln w="0">
+            <a:noFill/>
+          </a:ln>
+        </p:spPr>
+        <p:style>
+          <a:lnRef idx="0"/>
+          <a:fillRef idx="0"/>
+          <a:effectRef idx="0"/>
+          <a:fontRef idx="minor"/>
+        </p:style>
+        <p:txBody>
+          <a:bodyPr lIns="0" rIns="0" tIns="0" bIns="0" anchor="b">
+            <a:noAutofit/>
+          </a:bodyPr>
+          <a:p>
+            <a:pPr>
+              <a:lnSpc>
+                <a:spcPct val="100000"/>
+              </a:lnSpc>
+              <a:buNone/>
+            </a:pPr>
+            <a:r>
+              <a:rPr b="1" lang="pt-BR" sz="2600" spc="-1" strike="noStrike">
+                <a:solidFill>
+                  <a:srgbClr val="ffffff"/>
+                </a:solidFill>
+                <a:latin typeface="Source Sans Pro Black"/>
+                <a:ea typeface="DejaVu Sans"/>
+              </a:rPr>
+              <a:t>D</a:t>
+            </a:r>
+            <a:r>
+              <a:rPr b="1" lang="pt-BR" sz="2600" spc="-1" strike="noStrike">
+                <a:solidFill>
+                  <a:srgbClr val="ffffff"/>
+                </a:solidFill>
+                <a:latin typeface="Source Sans Pro Black"/>
+                <a:ea typeface="DejaVu Sans"/>
+              </a:rPr>
+              <a:t>i</a:t>
+            </a:r>
+            <a:r>
+              <a:rPr b="1" lang="pt-BR" sz="2600" spc="-1" strike="noStrike">
+                <a:solidFill>
+                  <a:srgbClr val="ffffff"/>
+                </a:solidFill>
+                <a:latin typeface="Source Sans Pro Black"/>
+                <a:ea typeface="DejaVu Sans"/>
+              </a:rPr>
+              <a:t>s</a:t>
+            </a:r>
+            <a:r>
+              <a:rPr b="1" lang="pt-BR" sz="2600" spc="-1" strike="noStrike">
+                <a:solidFill>
+                  <a:srgbClr val="ffffff"/>
+                </a:solidFill>
+                <a:latin typeface="Source Sans Pro Black"/>
+                <a:ea typeface="DejaVu Sans"/>
+              </a:rPr>
+              <a:t>t</a:t>
+            </a:r>
+            <a:r>
+              <a:rPr b="1" lang="pt-BR" sz="2600" spc="-1" strike="noStrike">
+                <a:solidFill>
+                  <a:srgbClr val="ffffff"/>
+                </a:solidFill>
+                <a:latin typeface="Source Sans Pro Black"/>
+                <a:ea typeface="DejaVu Sans"/>
+              </a:rPr>
+              <a:t>â</a:t>
+            </a:r>
+            <a:r>
+              <a:rPr b="1" lang="pt-BR" sz="2600" spc="-1" strike="noStrike">
+                <a:solidFill>
+                  <a:srgbClr val="ffffff"/>
+                </a:solidFill>
+                <a:latin typeface="Source Sans Pro Black"/>
+                <a:ea typeface="DejaVu Sans"/>
+              </a:rPr>
+              <a:t>n</a:t>
+            </a:r>
+            <a:r>
+              <a:rPr b="1" lang="pt-BR" sz="2600" spc="-1" strike="noStrike">
+                <a:solidFill>
+                  <a:srgbClr val="ffffff"/>
+                </a:solidFill>
+                <a:latin typeface="Source Sans Pro Black"/>
+                <a:ea typeface="DejaVu Sans"/>
+              </a:rPr>
+              <a:t>c</a:t>
+            </a:r>
+            <a:r>
+              <a:rPr b="1" lang="pt-BR" sz="2600" spc="-1" strike="noStrike">
+                <a:solidFill>
+                  <a:srgbClr val="ffffff"/>
+                </a:solidFill>
+                <a:latin typeface="Source Sans Pro Black"/>
+                <a:ea typeface="DejaVu Sans"/>
+              </a:rPr>
+              <a:t>i</a:t>
+            </a:r>
+            <a:r>
+              <a:rPr b="1" lang="pt-BR" sz="2600" spc="-1" strike="noStrike">
+                <a:solidFill>
+                  <a:srgbClr val="ffffff"/>
+                </a:solidFill>
+                <a:latin typeface="Source Sans Pro Black"/>
+                <a:ea typeface="DejaVu Sans"/>
+              </a:rPr>
+              <a:t>a</a:t>
+            </a:r>
+            <a:r>
+              <a:rPr b="1" lang="pt-BR" sz="2600" spc="-1" strike="noStrike">
+                <a:solidFill>
+                  <a:srgbClr val="ffffff"/>
+                </a:solidFill>
+                <a:latin typeface="Source Sans Pro Black"/>
+                <a:ea typeface="DejaVu Sans"/>
+              </a:rPr>
+              <a:t> </a:t>
+            </a:r>
+            <a:r>
+              <a:rPr b="1" lang="pt-BR" sz="2600" spc="-1" strike="noStrike">
+                <a:solidFill>
+                  <a:srgbClr val="ffffff"/>
+                </a:solidFill>
+                <a:latin typeface="Source Sans Pro Black"/>
+                <a:ea typeface="DejaVu Sans"/>
+              </a:rPr>
+              <a:t>E</a:t>
+            </a:r>
+            <a:r>
+              <a:rPr b="1" lang="pt-BR" sz="2600" spc="-1" strike="noStrike">
+                <a:solidFill>
+                  <a:srgbClr val="ffffff"/>
+                </a:solidFill>
+                <a:latin typeface="Source Sans Pro Black"/>
+                <a:ea typeface="DejaVu Sans"/>
+              </a:rPr>
+              <a:t>u</a:t>
+            </a:r>
+            <a:r>
+              <a:rPr b="1" lang="pt-BR" sz="2600" spc="-1" strike="noStrike">
+                <a:solidFill>
+                  <a:srgbClr val="ffffff"/>
+                </a:solidFill>
+                <a:latin typeface="Source Sans Pro Black"/>
+                <a:ea typeface="DejaVu Sans"/>
+              </a:rPr>
+              <a:t>c</a:t>
+            </a:r>
+            <a:r>
+              <a:rPr b="1" lang="pt-BR" sz="2600" spc="-1" strike="noStrike">
+                <a:solidFill>
+                  <a:srgbClr val="ffffff"/>
+                </a:solidFill>
+                <a:latin typeface="Source Sans Pro Black"/>
+                <a:ea typeface="DejaVu Sans"/>
+              </a:rPr>
+              <a:t>l</a:t>
+            </a:r>
+            <a:r>
+              <a:rPr b="1" lang="pt-BR" sz="2600" spc="-1" strike="noStrike">
+                <a:solidFill>
+                  <a:srgbClr val="ffffff"/>
+                </a:solidFill>
+                <a:latin typeface="Source Sans Pro Black"/>
+                <a:ea typeface="DejaVu Sans"/>
+              </a:rPr>
+              <a:t>i</a:t>
+            </a:r>
+            <a:r>
+              <a:rPr b="1" lang="pt-BR" sz="2600" spc="-1" strike="noStrike">
+                <a:solidFill>
+                  <a:srgbClr val="ffffff"/>
+                </a:solidFill>
+                <a:latin typeface="Source Sans Pro Black"/>
+                <a:ea typeface="DejaVu Sans"/>
+              </a:rPr>
+              <a:t>d</a:t>
+            </a:r>
+            <a:r>
+              <a:rPr b="1" lang="pt-BR" sz="2600" spc="-1" strike="noStrike">
+                <a:solidFill>
+                  <a:srgbClr val="ffffff"/>
+                </a:solidFill>
+                <a:latin typeface="Source Sans Pro Black"/>
+                <a:ea typeface="DejaVu Sans"/>
+              </a:rPr>
+              <a:t>i</a:t>
+            </a:r>
+            <a:r>
+              <a:rPr b="1" lang="pt-BR" sz="2600" spc="-1" strike="noStrike">
+                <a:solidFill>
+                  <a:srgbClr val="ffffff"/>
+                </a:solidFill>
+                <a:latin typeface="Source Sans Pro Black"/>
+                <a:ea typeface="DejaVu Sans"/>
+              </a:rPr>
+              <a:t>a</a:t>
+            </a:r>
+            <a:r>
+              <a:rPr b="1" lang="pt-BR" sz="2600" spc="-1" strike="noStrike">
+                <a:solidFill>
+                  <a:srgbClr val="ffffff"/>
+                </a:solidFill>
+                <a:latin typeface="Source Sans Pro Black"/>
+                <a:ea typeface="DejaVu Sans"/>
+              </a:rPr>
+              <a:t>n</a:t>
+            </a:r>
+            <a:r>
+              <a:rPr b="1" lang="pt-BR" sz="2600" spc="-1" strike="noStrike">
+                <a:solidFill>
+                  <a:srgbClr val="ffffff"/>
+                </a:solidFill>
+                <a:latin typeface="Source Sans Pro Black"/>
+                <a:ea typeface="DejaVu Sans"/>
+              </a:rPr>
+              <a:t>a</a:t>
+            </a:r>
+            <a:endParaRPr b="0" lang="pt-BR" sz="2600" spc="-1" strike="noStrike">
+              <a:latin typeface="Arial"/>
+            </a:endParaRPr>
+          </a:p>
+        </p:txBody>
+      </p:sp>
+      <p:sp>
+        <p:nvSpPr>
+          <p:cNvPr id="253" name="CustomShape 44"/>
+          <p:cNvSpPr/>
+          <p:nvPr/>
+        </p:nvSpPr>
+        <p:spPr>
+          <a:xfrm>
+            <a:off x="360000" y="1447920"/>
+            <a:ext cx="9168480" cy="4668480"/>
+          </a:xfrm>
+          <a:prstGeom prst="rect">
+            <a:avLst/>
+          </a:prstGeom>
+          <a:noFill/>
+          <a:ln w="0">
+            <a:noFill/>
+          </a:ln>
+        </p:spPr>
+        <p:style>
+          <a:lnRef idx="0"/>
+          <a:fillRef idx="0"/>
+          <a:effectRef idx="0"/>
+          <a:fontRef idx="minor"/>
+        </p:style>
+        <p:txBody>
+          <a:bodyPr lIns="0" rIns="0" tIns="0" bIns="0" anchor="t">
+            <a:normAutofit/>
+          </a:bodyPr>
+          <a:p>
+            <a:pPr>
+              <a:lnSpc>
+                <a:spcPct val="100000"/>
+              </a:lnSpc>
+              <a:spcAft>
+                <a:spcPts val="1134"/>
+              </a:spcAft>
+              <a:buNone/>
+            </a:pPr>
+            <a:r>
+              <a:rPr b="0" lang="pt-BR" sz="2000" spc="-1" strike="noStrike">
+                <a:solidFill>
+                  <a:srgbClr val="1c1c1c"/>
+                </a:solidFill>
+                <a:latin typeface="Latin Modern Sans"/>
+                <a:ea typeface="DejaVu Sans"/>
+              </a:rPr>
+              <a:t>	</a:t>
+            </a:r>
+            <a:endParaRPr b="0" lang="pt-BR" sz="2000" spc="-1" strike="noStrike">
+              <a:latin typeface="Arial"/>
+            </a:endParaRPr>
+          </a:p>
+          <a:p>
+            <a:pPr marL="216000" indent="-216000">
               <a:lnSpc>
                 <a:spcPct val="100000"/>
               </a:lnSpc>
@@ -17344,8 +19171,166 @@
                 <a:srgbClr val="000000"/>
               </a:buClr>
               <a:buSzPct val="45000"/>
-              <a:buFont typeface="Arial"/>
-              <a:buChar char="•"/>
+              <a:buFont typeface="Wingdings" charset="2"/>
+              <a:buChar char=""/>
+            </a:pPr>
+            <a:r>
+              <a:rPr b="0" lang="pt-BR" sz="2000" spc="-1" strike="noStrike">
+                <a:solidFill>
+                  <a:srgbClr val="1c1c1c"/>
+                </a:solidFill>
+                <a:latin typeface="Latin Modern Sans"/>
+                <a:ea typeface="DejaVu Sans"/>
+              </a:rPr>
+              <a:t>N</a:t>
+            </a:r>
+            <a:r>
+              <a:rPr b="0" lang="pt-BR" sz="2000" spc="-1" strike="noStrike">
+                <a:solidFill>
+                  <a:srgbClr val="1c1c1c"/>
+                </a:solidFill>
+                <a:latin typeface="Latin Modern Sans"/>
+                <a:ea typeface="DejaVu Sans"/>
+              </a:rPr>
+              <a:t>-</a:t>
+            </a:r>
+            <a:r>
+              <a:rPr b="0" lang="pt-BR" sz="2000" spc="-1" strike="noStrike">
+                <a:solidFill>
+                  <a:srgbClr val="1c1c1c"/>
+                </a:solidFill>
+                <a:latin typeface="Latin Modern Sans"/>
+                <a:ea typeface="DejaVu Sans"/>
+              </a:rPr>
+              <a:t>d</a:t>
+            </a:r>
+            <a:r>
+              <a:rPr b="0" lang="pt-BR" sz="2000" spc="-1" strike="noStrike">
+                <a:solidFill>
+                  <a:srgbClr val="1c1c1c"/>
+                </a:solidFill>
+                <a:latin typeface="Latin Modern Sans"/>
+                <a:ea typeface="DejaVu Sans"/>
+              </a:rPr>
+              <a:t>i</a:t>
+            </a:r>
+            <a:r>
+              <a:rPr b="0" lang="pt-BR" sz="2000" spc="-1" strike="noStrike">
+                <a:solidFill>
+                  <a:srgbClr val="1c1c1c"/>
+                </a:solidFill>
+                <a:latin typeface="Latin Modern Sans"/>
+                <a:ea typeface="DejaVu Sans"/>
+              </a:rPr>
+              <a:t>m</a:t>
+            </a:r>
+            <a:r>
+              <a:rPr b="0" lang="pt-BR" sz="2000" spc="-1" strike="noStrike">
+                <a:solidFill>
+                  <a:srgbClr val="1c1c1c"/>
+                </a:solidFill>
+                <a:latin typeface="Latin Modern Sans"/>
+                <a:ea typeface="DejaVu Sans"/>
+              </a:rPr>
+              <a:t>e</a:t>
+            </a:r>
+            <a:r>
+              <a:rPr b="0" lang="pt-BR" sz="2000" spc="-1" strike="noStrike">
+                <a:solidFill>
+                  <a:srgbClr val="1c1c1c"/>
+                </a:solidFill>
+                <a:latin typeface="Latin Modern Sans"/>
+                <a:ea typeface="DejaVu Sans"/>
+              </a:rPr>
+              <a:t>n</a:t>
+            </a:r>
+            <a:r>
+              <a:rPr b="0" lang="pt-BR" sz="2000" spc="-1" strike="noStrike">
+                <a:solidFill>
+                  <a:srgbClr val="1c1c1c"/>
+                </a:solidFill>
+                <a:latin typeface="Latin Modern Sans"/>
+                <a:ea typeface="DejaVu Sans"/>
+              </a:rPr>
+              <a:t>s</a:t>
+            </a:r>
+            <a:r>
+              <a:rPr b="0" lang="pt-BR" sz="2000" spc="-1" strike="noStrike">
+                <a:solidFill>
+                  <a:srgbClr val="1c1c1c"/>
+                </a:solidFill>
+                <a:latin typeface="Latin Modern Sans"/>
+                <a:ea typeface="DejaVu Sans"/>
+              </a:rPr>
+              <a:t>i</a:t>
+            </a:r>
+            <a:r>
+              <a:rPr b="0" lang="pt-BR" sz="2000" spc="-1" strike="noStrike">
+                <a:solidFill>
+                  <a:srgbClr val="1c1c1c"/>
+                </a:solidFill>
+                <a:latin typeface="Latin Modern Sans"/>
+                <a:ea typeface="DejaVu Sans"/>
+              </a:rPr>
+              <a:t>o</a:t>
+            </a:r>
+            <a:r>
+              <a:rPr b="0" lang="pt-BR" sz="2000" spc="-1" strike="noStrike">
+                <a:solidFill>
+                  <a:srgbClr val="1c1c1c"/>
+                </a:solidFill>
+                <a:latin typeface="Latin Modern Sans"/>
+                <a:ea typeface="DejaVu Sans"/>
+              </a:rPr>
+              <a:t>n</a:t>
+            </a:r>
+            <a:r>
+              <a:rPr b="0" lang="pt-BR" sz="2000" spc="-1" strike="noStrike">
+                <a:solidFill>
+                  <a:srgbClr val="1c1c1c"/>
+                </a:solidFill>
+                <a:latin typeface="Latin Modern Sans"/>
+                <a:ea typeface="DejaVu Sans"/>
+              </a:rPr>
+              <a:t>a</a:t>
+            </a:r>
+            <a:r>
+              <a:rPr b="0" lang="pt-BR" sz="2000" spc="-1" strike="noStrike">
+                <a:solidFill>
+                  <a:srgbClr val="1c1c1c"/>
+                </a:solidFill>
+                <a:latin typeface="Latin Modern Sans"/>
+                <a:ea typeface="DejaVu Sans"/>
+              </a:rPr>
+              <a:t>l</a:t>
+            </a:r>
+            <a:endParaRPr b="0" lang="pt-BR" sz="2000" spc="-1" strike="noStrike">
+              <a:latin typeface="Arial"/>
+            </a:endParaRPr>
+          </a:p>
+          <a:p>
+            <a:pPr>
+              <a:lnSpc>
+                <a:spcPct val="100000"/>
+              </a:lnSpc>
+              <a:spcAft>
+                <a:spcPts val="1134"/>
+              </a:spcAft>
+              <a:buNone/>
+            </a:pPr>
+            <a:endParaRPr b="0" lang="pt-BR" sz="2000" spc="-1" strike="noStrike">
+              <a:latin typeface="Arial"/>
+            </a:endParaRPr>
+          </a:p>
+          <a:p>
+            <a:pPr>
+              <a:lnSpc>
+                <a:spcPct val="100000"/>
+              </a:lnSpc>
+              <a:spcAft>
+                <a:spcPts val="1134"/>
+              </a:spcAft>
+              <a:buNone/>
             </a:pPr>
             <a:endParaRPr b="0" lang="pt-BR" sz="1300" spc="-1" strike="noStrike">
               <a:latin typeface="Arial"/>
@@ -17355,14 +19340,14 @@
       </p:sp>
       <p:sp>
         <p:nvSpPr>
-          <p:cNvPr id="241" name="CustomShape 25"/>
+          <p:cNvPr id="254" name="CustomShape 45"/>
           <p:cNvSpPr/>
           <p:nvPr/>
         </p:nvSpPr>
         <p:spPr>
           <a:xfrm>
             <a:off x="897120" y="6886080"/>
-            <a:ext cx="6436080" cy="353880"/>
+            <a:ext cx="6435720" cy="353520"/>
           </a:xfrm>
           <a:prstGeom prst="rect">
             <a:avLst/>
@@ -17397,8 +19382,50 @@
                 <a:latin typeface="Arial"/>
                 <a:ea typeface="DejaVu Sans"/>
               </a:rPr>
-              <a:t>Apren</a:t>
-            </a:r>
+              <a:t>Aprendizado de Máquina - Prof. André Hochuli</a:t>
+            </a:r>
+            <a:endParaRPr b="0" lang="pt-BR" sz="1800" spc="-1" strike="noStrike">
+              <a:latin typeface="Arial"/>
+            </a:endParaRPr>
+          </a:p>
+        </p:txBody>
+      </p:sp>
+      <p:sp>
+        <p:nvSpPr>
+          <p:cNvPr id="255" name="CustomShape 46"/>
+          <p:cNvSpPr/>
+          <p:nvPr/>
+        </p:nvSpPr>
+        <p:spPr>
+          <a:xfrm>
+            <a:off x="7608600" y="6886080"/>
+            <a:ext cx="2273760" cy="353520"/>
+          </a:xfrm>
+          <a:prstGeom prst="rect">
+            <a:avLst/>
+          </a:prstGeom>
+          <a:noFill/>
+          <a:ln w="0">
+            <a:noFill/>
+          </a:ln>
+        </p:spPr>
+        <p:style>
+          <a:lnRef idx="0"/>
+          <a:fillRef idx="0"/>
+          <a:effectRef idx="0"/>
+          <a:fontRef idx="minor"/>
+        </p:style>
+        <p:txBody>
+          <a:bodyPr lIns="90000" rIns="90000" tIns="45000" bIns="45000" anchor="t">
+            <a:noAutofit/>
+          </a:bodyPr>
+          <a:p>
+            <a:pPr>
+              <a:lnSpc>
+                <a:spcPct val="100000"/>
+              </a:lnSpc>
+              <a:buNone/>
+            </a:pPr>
             <a:r>
               <a:rPr b="0" lang="pt-BR" sz="1800" spc="-1" strike="noStrike">
                 <a:solidFill>
@@ -17407,8 +19434,333 @@
                 <a:latin typeface="Arial"/>
                 <a:ea typeface="DejaVu Sans"/>
               </a:rPr>
-              <a:t>dizado </a:t>
-            </a:r>
+              <a:t>KNN</a:t>
+            </a:r>
+            <a:endParaRPr b="0" lang="pt-BR" sz="1800" spc="-1" strike="noStrike">
+              <a:latin typeface="Arial"/>
+            </a:endParaRPr>
+          </a:p>
+        </p:txBody>
+      </p:sp>
+      <p:pic>
+        <p:nvPicPr>
+          <p:cNvPr id="256" name="" descr=""/>
+          <p:cNvPicPr/>
+          <p:nvPr/>
+        </p:nvPicPr>
+        <p:blipFill>
+          <a:blip r:embed="rId1"/>
+          <a:stretch/>
+        </p:blipFill>
+        <p:spPr>
+          <a:xfrm>
+            <a:off x="2675160" y="2603160"/>
+            <a:ext cx="7003440" cy="1559520"/>
+          </a:xfrm>
+          <a:prstGeom prst="rect">
+            <a:avLst/>
+          </a:prstGeom>
+          <a:ln w="0">
+            <a:noFill/>
+          </a:ln>
+        </p:spPr>
+      </p:pic>
+      <p:pic>
+        <p:nvPicPr>
+          <p:cNvPr id="257" name="" descr=""/>
+          <p:cNvPicPr/>
+          <p:nvPr/>
+        </p:nvPicPr>
+        <p:blipFill>
+          <a:blip r:embed="rId2"/>
+          <a:stretch/>
+        </p:blipFill>
+        <p:spPr>
+          <a:xfrm>
+            <a:off x="484200" y="3418560"/>
+            <a:ext cx="3717720" cy="3216240"/>
+          </a:xfrm>
+          <a:prstGeom prst="rect">
+            <a:avLst/>
+          </a:prstGeom>
+          <a:ln w="0">
+            <a:noFill/>
+          </a:ln>
+        </p:spPr>
+      </p:pic>
+      <p:sp>
+        <p:nvSpPr>
+          <p:cNvPr id="258" name=""/>
+          <p:cNvSpPr/>
+          <p:nvPr/>
+        </p:nvSpPr>
+        <p:spPr>
+          <a:xfrm flipV="1">
+            <a:off x="1330920" y="3875040"/>
+            <a:ext cx="1069920" cy="1892160"/>
+          </a:xfrm>
+          <a:prstGeom prst="line">
+            <a:avLst/>
+          </a:prstGeom>
+          <a:ln w="36000">
+            <a:solidFill>
+              <a:srgbClr val="f10d0c">
+                <a:alpha val="85000"/>
+              </a:srgbClr>
+            </a:solidFill>
+            <a:round/>
+            <a:tailEnd len="med" type="triangle" w="med"/>
+          </a:ln>
+        </p:spPr>
+        <p:style>
+          <a:lnRef idx="0"/>
+          <a:fillRef idx="0"/>
+          <a:effectRef idx="0"/>
+          <a:fontRef idx="minor"/>
+        </p:style>
+      </p:sp>
+    </p:spTree>
+  </p:cSld>
+  <mc:AlternateContent>
+    <mc:Choice Requires="p14">
+      <p:transition spd="slow" p14:dur="2000"/>
+    </mc:Choice>
+    <mc:Fallback>
+      <p:transition spd="slow"/>
+    </mc:Fallback>
+  </mc:AlternateContent>
+</p:sld>
+</file>
+
+<file path=ppt/slides/slide9.xml><?xml version="1.0" encoding="utf-8"?>
+<p:sld xmlns:a="http://schemas.openxmlformats.org/drawingml/2006/main" xmlns:p="http://schemas.openxmlformats.org/presentationml/2006/main" xmlns:r="http://schemas.openxmlformats.org/officeDocument/2006/relationships" xmlns:p14="http://schemas.microsoft.com/office/powerpoint/2010/main" xmlns:p15="http://schemas.microsoft.com/office/powerpoint/2012/main" xmlns:mc="http://schemas.openxmlformats.org/markup-compatibility/2006">
+  <p:cSld>
+    <p:spTree>
+      <p:nvGrpSpPr>
+        <p:cNvPr id="1" name=""/>
+        <p:cNvGrpSpPr/>
+        <p:nvPr/>
+      </p:nvGrpSpPr>
+      <p:grpSpPr>
+        <a:xfrm>
+          <a:off x="0" y="0"/>
+          <a:ext cx="0" cy="0"/>
+          <a:chOff x="0" y="0"/>
+          <a:chExt cx="0" cy="0"/>
+        </a:xfrm>
+      </p:grpSpPr>
+      <p:sp>
+        <p:nvSpPr>
+          <p:cNvPr id="259" name="CustomShape 28"/>
+          <p:cNvSpPr/>
+          <p:nvPr/>
+        </p:nvSpPr>
+        <p:spPr>
+          <a:xfrm>
+            <a:off x="360000" y="360000"/>
+            <a:ext cx="9348480" cy="888480"/>
+          </a:xfrm>
+          <a:prstGeom prst="rect">
+            <a:avLst/>
+          </a:prstGeom>
+          <a:noFill/>
+          <a:ln w="0">
+            <a:noFill/>
+          </a:ln>
+        </p:spPr>
+        <p:style>
+          <a:lnRef idx="0"/>
+          <a:fillRef idx="0"/>
+          <a:effectRef idx="0"/>
+          <a:fontRef idx="minor"/>
+        </p:style>
+        <p:txBody>
+          <a:bodyPr lIns="0" rIns="0" tIns="0" bIns="0" anchor="b">
+            <a:noAutofit/>
+          </a:bodyPr>
+          <a:p>
+            <a:pPr>
+              <a:lnSpc>
+                <a:spcPct val="100000"/>
+              </a:lnSpc>
+              <a:buNone/>
+            </a:pPr>
+            <a:r>
+              <a:rPr b="1" lang="pt-BR" sz="2600" spc="-1" strike="noStrike">
+                <a:solidFill>
+                  <a:srgbClr val="ffffff"/>
+                </a:solidFill>
+                <a:latin typeface="Source Sans Pro Black"/>
+                <a:ea typeface="DejaVu Sans"/>
+              </a:rPr>
+              <a:t>Inf</a:t>
+            </a:r>
+            <a:r>
+              <a:rPr b="1" lang="pt-BR" sz="2600" spc="-1" strike="noStrike">
+                <a:solidFill>
+                  <a:srgbClr val="ffffff"/>
+                </a:solidFill>
+                <a:latin typeface="Source Sans Pro Black"/>
+                <a:ea typeface="DejaVu Sans"/>
+              </a:rPr>
+              <a:t>er</a:t>
+            </a:r>
+            <a:r>
+              <a:rPr b="1" lang="pt-BR" sz="2600" spc="-1" strike="noStrike">
+                <a:solidFill>
+                  <a:srgbClr val="ffffff"/>
+                </a:solidFill>
+                <a:latin typeface="Source Sans Pro Black"/>
+                <a:ea typeface="DejaVu Sans"/>
+              </a:rPr>
+              <a:t>ên</a:t>
+            </a:r>
+            <a:r>
+              <a:rPr b="1" lang="pt-BR" sz="2600" spc="-1" strike="noStrike">
+                <a:solidFill>
+                  <a:srgbClr val="ffffff"/>
+                </a:solidFill>
+                <a:latin typeface="Source Sans Pro Black"/>
+                <a:ea typeface="DejaVu Sans"/>
+              </a:rPr>
+              <a:t>cia </a:t>
+            </a:r>
+            <a:r>
+              <a:rPr b="1" lang="pt-BR" sz="2600" spc="-1" strike="noStrike">
+                <a:solidFill>
+                  <a:srgbClr val="ffffff"/>
+                </a:solidFill>
+                <a:latin typeface="Source Sans Pro Black"/>
+                <a:ea typeface="DejaVu Sans"/>
+              </a:rPr>
+              <a:t>KN</a:t>
+            </a:r>
+            <a:r>
+              <a:rPr b="1" lang="pt-BR" sz="2600" spc="-1" strike="noStrike">
+                <a:solidFill>
+                  <a:srgbClr val="ffffff"/>
+                </a:solidFill>
+                <a:latin typeface="Source Sans Pro Black"/>
+                <a:ea typeface="DejaVu Sans"/>
+              </a:rPr>
+              <a:t>N</a:t>
+            </a:r>
+            <a:endParaRPr b="0" lang="pt-BR" sz="2600" spc="-1" strike="noStrike">
+              <a:latin typeface="Arial"/>
+            </a:endParaRPr>
+          </a:p>
+        </p:txBody>
+      </p:sp>
+      <p:sp>
+        <p:nvSpPr>
+          <p:cNvPr id="260" name="CustomShape 29"/>
+          <p:cNvSpPr/>
+          <p:nvPr/>
+        </p:nvSpPr>
+        <p:spPr>
+          <a:xfrm>
+            <a:off x="360000" y="1447920"/>
+            <a:ext cx="9168480" cy="4668480"/>
+          </a:xfrm>
+          <a:prstGeom prst="rect">
+            <a:avLst/>
+          </a:prstGeom>
+          <a:noFill/>
+          <a:ln w="0">
+            <a:noFill/>
+          </a:ln>
+        </p:spPr>
+        <p:style>
+          <a:lnRef idx="0"/>
+          <a:fillRef idx="0"/>
+          <a:effectRef idx="0"/>
+          <a:fontRef idx="minor"/>
+        </p:style>
+        <p:txBody>
+          <a:bodyPr lIns="0" rIns="0" tIns="0" bIns="0" anchor="t">
+            <a:normAutofit/>
+          </a:bodyPr>
+          <a:p>
+            <a:pPr>
+              <a:lnSpc>
+                <a:spcPct val="100000"/>
+              </a:lnSpc>
+              <a:spcAft>
+                <a:spcPts val="1134"/>
+              </a:spcAft>
+              <a:buNone/>
+            </a:pPr>
+            <a:r>
+              <a:rPr b="0" lang="pt-BR" sz="2000" spc="-1" strike="noStrike">
+                <a:solidFill>
+                  <a:srgbClr val="1c1c1c"/>
+                </a:solidFill>
+                <a:latin typeface="Latin Modern Sans"/>
+                <a:ea typeface="DejaVu Sans"/>
+              </a:rPr>
+              <a:t>	</a:t>
+            </a:r>
+            <a:endParaRPr b="0" lang="pt-BR" sz="2000" spc="-1" strike="noStrike">
+              <a:latin typeface="Arial"/>
+            </a:endParaRPr>
+          </a:p>
+          <a:p>
+            <a:pPr marL="216000" indent="-216000">
+              <a:lnSpc>
+                <a:spcPct val="100000"/>
+              </a:lnSpc>
+              <a:spcAft>
+                <a:spcPts val="1134"/>
+              </a:spcAft>
+              <a:buClr>
+                <a:srgbClr val="000000"/>
+              </a:buClr>
+              <a:buSzPct val="45000"/>
+              <a:buFont typeface="Wingdings" charset="2"/>
+              <a:buChar char=""/>
+            </a:pPr>
+            <a:endParaRPr b="0" lang="pt-BR" sz="2000" spc="-1" strike="noStrike">
+              <a:latin typeface="Arial"/>
+            </a:endParaRPr>
+          </a:p>
+        </p:txBody>
+      </p:sp>
+      <p:sp>
+        <p:nvSpPr>
+          <p:cNvPr id="261" name="CustomShape 30"/>
+          <p:cNvSpPr/>
+          <p:nvPr/>
+        </p:nvSpPr>
+        <p:spPr>
+          <a:xfrm>
+            <a:off x="897120" y="6886080"/>
+            <a:ext cx="6435720" cy="353520"/>
+          </a:xfrm>
+          <a:prstGeom prst="rect">
+            <a:avLst/>
+          </a:prstGeom>
+          <a:noFill/>
+          <a:ln w="0">
+            <a:noFill/>
+          </a:ln>
+        </p:spPr>
+        <p:style>
+          <a:lnRef idx="0"/>
+          <a:fillRef idx="0"/>
+          <a:effectRef idx="0"/>
+          <a:fontRef idx="minor"/>
+        </p:style>
+        <p:txBody>
+          <a:bodyPr lIns="90000" rIns="90000" tIns="45000" bIns="45000" anchor="t">
+            <a:noAutofit/>
+          </a:bodyPr>
+          <a:p>
+            <a:pPr>
+              <a:lnSpc>
+                <a:spcPct val="100000"/>
+              </a:lnSpc>
+              <a:buNone/>
+            </a:pPr>
             <a:r>
               <a:rPr b="0" lang="pt-BR" sz="1800" spc="-1" strike="noStrike">
                 <a:solidFill>
@@ -17417,7 +19769,7 @@
                 <a:latin typeface="Arial"/>
                 <a:ea typeface="DejaVu Sans"/>
               </a:rPr>
-              <a:t>de </a:t>
+              <a:t>Apren</a:t>
             </a:r>
             <a:r>
               <a:rPr b="0" lang="pt-BR" sz="1800" spc="-1" strike="noStrike">
@@ -17427,7 +19779,7 @@
                 <a:latin typeface="Arial"/>
                 <a:ea typeface="DejaVu Sans"/>
               </a:rPr>
-              <a:t>Máqui</a:t>
+              <a:t>dizad</a:t>
             </a:r>
             <a:r>
               <a:rPr b="0" lang="pt-BR" sz="1800" spc="-1" strike="noStrike">
@@ -17437,7 +19789,7 @@
                 <a:latin typeface="Arial"/>
                 <a:ea typeface="DejaVu Sans"/>
               </a:rPr>
-              <a:t>na - </a:t>
+              <a:t>o de </a:t>
             </a:r>
             <a:r>
               <a:rPr b="0" lang="pt-BR" sz="1800" spc="-1" strike="noStrike">
@@ -17447,7 +19799,7 @@
                 <a:latin typeface="Arial"/>
                 <a:ea typeface="DejaVu Sans"/>
               </a:rPr>
-              <a:t>Prof. </a:t>
+              <a:t>Máqui</a:t>
             </a:r>
             <a:r>
               <a:rPr b="0" lang="pt-BR" sz="1800" spc="-1" strike="noStrike">
@@ -17457,7 +19809,7 @@
                 <a:latin typeface="Arial"/>
                 <a:ea typeface="DejaVu Sans"/>
               </a:rPr>
-              <a:t>André </a:t>
+              <a:t>na - </a:t>
             </a:r>
             <a:r>
               <a:rPr b="0" lang="pt-BR" sz="1800" spc="-1" strike="noStrike">
@@ -17467,7 +19819,7 @@
                 <a:latin typeface="Arial"/>
                 <a:ea typeface="DejaVu Sans"/>
               </a:rPr>
-              <a:t>Hochul</a:t>
+              <a:t>Prof. </a:t>
             </a:r>
             <a:r>
               <a:rPr b="0" lang="pt-BR" sz="1800" spc="-1" strike="noStrike">
@@ -17477,7 +19829,27 @@
                 <a:latin typeface="Arial"/>
                 <a:ea typeface="DejaVu Sans"/>
               </a:rPr>
-              <a:t>i</a:t>
+              <a:t>André </a:t>
+            </a:r>
+            <a:r>
+              <a:rPr b="0" lang="pt-BR" sz="1800" spc="-1" strike="noStrike">
+                <a:solidFill>
+                  <a:srgbClr val="000000"/>
+                </a:solidFill>
+                <a:latin typeface="Arial"/>
+                <a:ea typeface="DejaVu Sans"/>
+              </a:rPr>
+              <a:t>Hoch</a:t>
+            </a:r>
+            <a:r>
+              <a:rPr b="0" lang="pt-BR" sz="1800" spc="-1" strike="noStrike">
+                <a:solidFill>
+                  <a:srgbClr val="000000"/>
+                </a:solidFill>
+                <a:latin typeface="Arial"/>
+                <a:ea typeface="DejaVu Sans"/>
+              </a:rPr>
+              <a:t>uli</a:t>
             </a:r>
             <a:endParaRPr b="0" lang="pt-BR" sz="1800" spc="-1" strike="noStrike">
               <a:latin typeface="Arial"/>
@@ -17487,14 +19859,14 @@
       </p:sp>
       <p:sp>
         <p:nvSpPr>
-          <p:cNvPr id="242" name="CustomShape 26"/>
+          <p:cNvPr id="262" name="CustomShape 31"/>
           <p:cNvSpPr/>
           <p:nvPr/>
         </p:nvSpPr>
         <p:spPr>
           <a:xfrm>
             <a:off x="7608600" y="6886080"/>
-            <a:ext cx="2274120" cy="353880"/>
+            <a:ext cx="2273760" cy="353520"/>
           </a:xfrm>
           <a:prstGeom prst="rect">
             <a:avLst/>
@@ -17539,154 +19911,237 @@
       </p:sp>
       <p:sp>
         <p:nvSpPr>
-          <p:cNvPr id="243" name=""/>
-          <p:cNvSpPr txBox="1"/>
+          <p:cNvPr id="263" name=""/>
+          <p:cNvSpPr/>
           <p:nvPr/>
         </p:nvSpPr>
         <p:spPr>
           <a:xfrm>
             <a:off x="1962000" y="3637080"/>
-            <a:ext cx="6301080" cy="1114200"/>
-          </a:xfrm>
-          <a:prstGeom prst="rect">
-            <a:avLst/>
-          </a:prstGeom>
-          <a:noFill/>
-          <a:ln w="0">
-            <a:noFill/>
-          </a:ln>
-        </p:spPr>
-        <p:txBody>
-          <a:bodyPr lIns="90000" rIns="90000" tIns="45000" bIns="45000" anchor="t">
-            <a:noAutofit/>
-          </a:bodyPr>
-          <a:p>
-            <a:r>
-              <a:rPr b="0" lang="pt-BR" sz="1800" spc="-1" strike="noStrike">
-                <a:latin typeface="Arial"/>
-                <a:hlinkClick r:id="rId1"/>
-              </a:rPr>
-              <a:t>https://colab.research.google.com/#scrollTo=rgQW2nlZ09aO</a:t>
-            </a:r>
-            <a:endParaRPr b="0" lang="pt-BR" sz="1800" spc="-1" strike="noStrike">
-              <a:latin typeface="Arial"/>
-            </a:endParaRPr>
-          </a:p>
-          <a:p>
-            <a:endParaRPr b="0" lang="pt-BR" sz="1800" spc="-1" strike="noStrike">
-              <a:latin typeface="Arial"/>
-            </a:endParaRPr>
-          </a:p>
-          <a:p>
-            <a:r>
-              <a:rPr b="0" lang="pt-BR" sz="1800" spc="-1" strike="noStrike">
-                <a:latin typeface="Arial"/>
-              </a:rPr>
-              <a:t>https://</a:t>
-            </a:r>
-            <a:r>
-              <a:rPr b="0" lang="pt-BR" sz="1800" spc="-1" strike="noStrike">
-                <a:latin typeface="Arial"/>
-              </a:rPr>
-              <a:t>python</a:t>
-            </a:r>
-            <a:r>
-              <a:rPr b="0" lang="pt-BR" sz="1800" spc="-1" strike="noStrike">
-                <a:latin typeface="Arial"/>
-              </a:rPr>
-              <a:t>-</a:t>
-            </a:r>
-            <a:r>
-              <a:rPr b="0" lang="pt-BR" sz="1800" spc="-1" strike="noStrike">
-                <a:latin typeface="Arial"/>
-              </a:rPr>
-              <a:t>course</a:t>
-            </a:r>
-            <a:r>
-              <a:rPr b="0" lang="pt-BR" sz="1800" spc="-1" strike="noStrike">
-                <a:latin typeface="Arial"/>
-              </a:rPr>
-              <a:t>.eu/</a:t>
-            </a:r>
-            <a:r>
-              <a:rPr b="0" lang="pt-BR" sz="1800" spc="-1" strike="noStrike">
-                <a:latin typeface="Arial"/>
-              </a:rPr>
-              <a:t>machi</a:t>
-            </a:r>
-            <a:r>
-              <a:rPr b="0" lang="pt-BR" sz="1800" spc="-1" strike="noStrike">
-                <a:latin typeface="Arial"/>
-              </a:rPr>
-              <a:t>ne-</a:t>
-            </a:r>
-            <a:r>
-              <a:rPr b="0" lang="pt-BR" sz="1800" spc="-1" strike="noStrike">
-                <a:latin typeface="Arial"/>
-              </a:rPr>
-              <a:t>learnin</a:t>
-            </a:r>
-            <a:r>
-              <a:rPr b="0" lang="pt-BR" sz="1800" spc="-1" strike="noStrike">
-                <a:latin typeface="Arial"/>
-              </a:rPr>
-              <a:t>g/k-</a:t>
-            </a:r>
-            <a:r>
-              <a:rPr b="0" lang="pt-BR" sz="1800" spc="-1" strike="noStrike">
-                <a:latin typeface="Arial"/>
-              </a:rPr>
-              <a:t>neares</a:t>
-            </a:r>
-            <a:r>
-              <a:rPr b="0" lang="pt-BR" sz="1800" spc="-1" strike="noStrike">
-                <a:latin typeface="Arial"/>
-              </a:rPr>
-              <a:t>t-</a:t>
-            </a:r>
-            <a:r>
-              <a:rPr b="0" lang="pt-BR" sz="1800" spc="-1" strike="noStrike">
-                <a:latin typeface="Arial"/>
-              </a:rPr>
-              <a:t>neighb</a:t>
-            </a:r>
-            <a:r>
-              <a:rPr b="0" lang="pt-BR" sz="1800" spc="-1" strike="noStrike">
-                <a:latin typeface="Arial"/>
-              </a:rPr>
-              <a:t>or-</a:t>
-            </a:r>
-            <a:r>
-              <a:rPr b="0" lang="pt-BR" sz="1800" spc="-1" strike="noStrike">
-                <a:latin typeface="Arial"/>
-              </a:rPr>
-              <a:t>classifi</a:t>
-            </a:r>
-            <a:r>
-              <a:rPr b="0" lang="pt-BR" sz="1800" spc="-1" strike="noStrike">
-                <a:latin typeface="Arial"/>
-              </a:rPr>
-              <a:t>er-</a:t>
-            </a:r>
-            <a:r>
-              <a:rPr b="0" lang="pt-BR" sz="1800" spc="-1" strike="noStrike">
-                <a:latin typeface="Arial"/>
-              </a:rPr>
-              <a:t>with-</a:t>
-            </a:r>
-            <a:r>
-              <a:rPr b="0" lang="pt-BR" sz="1800" spc="-1" strike="noStrike">
-                <a:latin typeface="Arial"/>
-              </a:rPr>
-              <a:t>sklear</a:t>
-            </a:r>
-            <a:r>
-              <a:rPr b="0" lang="pt-BR" sz="1800" spc="-1" strike="noStrike">
-                <a:latin typeface="Arial"/>
-              </a:rPr>
-              <a:t>n.php</a:t>
-            </a:r>
-            <a:endParaRPr b="0" lang="pt-BR" sz="1800" spc="-1" strike="noStrike">
+            <a:ext cx="6300720" cy="1113840"/>
+          </a:xfrm>
+          <a:prstGeom prst="rect">
+            <a:avLst/>
+          </a:prstGeom>
+          <a:noFill/>
+          <a:ln w="0">
+            <a:noFill/>
+          </a:ln>
+        </p:spPr>
+        <p:style>
+          <a:lnRef idx="0"/>
+          <a:fillRef idx="0"/>
+          <a:effectRef idx="0"/>
+          <a:fontRef idx="minor"/>
+        </p:style>
+      </p:sp>
+      <p:pic>
+        <p:nvPicPr>
+          <p:cNvPr id="264" name="" descr=""/>
+          <p:cNvPicPr/>
+          <p:nvPr/>
+        </p:nvPicPr>
+        <p:blipFill>
+          <a:blip r:embed="rId1"/>
+          <a:stretch/>
+        </p:blipFill>
+        <p:spPr>
+          <a:xfrm>
+            <a:off x="3467160" y="3261960"/>
+            <a:ext cx="3894480" cy="3327120"/>
+          </a:xfrm>
+          <a:prstGeom prst="rect">
+            <a:avLst/>
+          </a:prstGeom>
+          <a:ln w="0">
+            <a:noFill/>
+          </a:ln>
+        </p:spPr>
+      </p:pic>
+      <p:sp>
+        <p:nvSpPr>
+          <p:cNvPr id="265" name="CustomShape 48"/>
+          <p:cNvSpPr/>
+          <p:nvPr/>
+        </p:nvSpPr>
+        <p:spPr>
+          <a:xfrm>
+            <a:off x="360000" y="1447920"/>
+            <a:ext cx="9168480" cy="4668480"/>
+          </a:xfrm>
+          <a:prstGeom prst="rect">
+            <a:avLst/>
+          </a:prstGeom>
+          <a:noFill/>
+          <a:ln w="0">
+            <a:noFill/>
+          </a:ln>
+        </p:spPr>
+        <p:style>
+          <a:lnRef idx="0"/>
+          <a:fillRef idx="0"/>
+          <a:effectRef idx="0"/>
+          <a:fontRef idx="minor"/>
+        </p:style>
+        <p:txBody>
+          <a:bodyPr lIns="0" rIns="0" tIns="0" bIns="0" anchor="t">
+            <a:normAutofit/>
+          </a:bodyPr>
+          <a:p>
+            <a:pPr>
+              <a:lnSpc>
+                <a:spcPct val="100000"/>
+              </a:lnSpc>
+              <a:spcAft>
+                <a:spcPts val="1134"/>
+              </a:spcAft>
+              <a:buNone/>
+            </a:pPr>
+            <a:r>
+              <a:rPr b="0" lang="pt-BR" sz="2000" spc="-1" strike="noStrike">
+                <a:solidFill>
+                  <a:srgbClr val="1c1c1c"/>
+                </a:solidFill>
+                <a:latin typeface="Latin Modern Sans"/>
+                <a:ea typeface="DejaVu Sans"/>
+              </a:rPr>
+              <a:t>	</a:t>
+            </a:r>
+            <a:endParaRPr b="0" lang="pt-BR" sz="2000" spc="-1" strike="noStrike">
+              <a:latin typeface="Arial"/>
+            </a:endParaRPr>
+          </a:p>
+          <a:p>
+            <a:pPr marL="216000" indent="-216000">
+              <a:lnSpc>
+                <a:spcPct val="100000"/>
+              </a:lnSpc>
+              <a:spcAft>
+                <a:spcPts val="1134"/>
+              </a:spcAft>
+              <a:buClr>
+                <a:srgbClr val="000000"/>
+              </a:buClr>
+              <a:buSzPct val="45000"/>
+              <a:buFont typeface="Wingdings" charset="2"/>
+              <a:buChar char=""/>
+            </a:pPr>
+            <a:r>
+              <a:rPr b="0" lang="pt-BR" sz="2000" spc="-1" strike="noStrike">
+                <a:solidFill>
+                  <a:srgbClr val="1c1c1c"/>
+                </a:solidFill>
+                <a:latin typeface="Latin Modern Sans"/>
+                <a:ea typeface="DejaVu Sans"/>
+              </a:rPr>
+              <a:t>Computar as distâncias entre a amostra de teste e as amostras de treino</a:t>
+            </a:r>
+            <a:endParaRPr b="0" lang="pt-BR" sz="2000" spc="-1" strike="noStrike">
+              <a:latin typeface="Arial"/>
+            </a:endParaRPr>
+          </a:p>
+          <a:p>
+            <a:pPr marL="216000" indent="-216000">
+              <a:lnSpc>
+                <a:spcPct val="100000"/>
+              </a:lnSpc>
+              <a:spcAft>
+                <a:spcPts val="1134"/>
+              </a:spcAft>
+              <a:buClr>
+                <a:srgbClr val="000000"/>
+              </a:buClr>
+              <a:buSzPct val="45000"/>
+              <a:buFont typeface="Wingdings" charset="2"/>
+              <a:buChar char=""/>
+            </a:pPr>
+            <a:r>
+              <a:rPr b="0" lang="pt-BR" sz="2000" spc="-1" strike="noStrike">
+                <a:solidFill>
+                  <a:srgbClr val="1c1c1c"/>
+                </a:solidFill>
+                <a:latin typeface="Latin Modern Sans"/>
+                <a:ea typeface="DejaVu Sans"/>
+              </a:rPr>
+              <a:t>Selecionar os K vizinhos mais próximos</a:t>
+            </a:r>
+            <a:endParaRPr b="0" lang="pt-BR" sz="2000" spc="-1" strike="noStrike">
+              <a:latin typeface="Arial"/>
+            </a:endParaRPr>
+          </a:p>
+          <a:p>
+            <a:pPr marL="216000" indent="-216000">
+              <a:lnSpc>
+                <a:spcPct val="100000"/>
+              </a:lnSpc>
+              <a:spcAft>
+                <a:spcPts val="1134"/>
+              </a:spcAft>
+              <a:buClr>
+                <a:srgbClr val="000000"/>
+              </a:buClr>
+              <a:buSzPct val="45000"/>
+              <a:buFont typeface="Wingdings" charset="2"/>
+              <a:buChar char=""/>
+            </a:pPr>
+            <a:r>
+              <a:rPr b="0" lang="pt-BR" sz="2000" spc="-1" strike="noStrike">
+                <a:solidFill>
+                  <a:srgbClr val="1c1c1c"/>
+                </a:solidFill>
+                <a:latin typeface="Latin Modern Sans"/>
+                <a:ea typeface="DejaVu Sans"/>
+              </a:rPr>
+              <a:t>Votação</a:t>
+            </a:r>
+            <a:endParaRPr b="0" lang="pt-BR" sz="2000" spc="-1" strike="noStrike">
+              <a:latin typeface="Arial"/>
+            </a:endParaRPr>
+          </a:p>
+          <a:p>
+            <a:pPr marL="216000" indent="-216000">
+              <a:lnSpc>
+                <a:spcPct val="100000"/>
+              </a:lnSpc>
+              <a:spcAft>
+                <a:spcPts val="1134"/>
+              </a:spcAft>
+              <a:buClr>
+                <a:srgbClr val="000000"/>
+              </a:buClr>
+              <a:buSzPct val="45000"/>
+              <a:buFont typeface="Wingdings" charset="2"/>
+              <a:buChar char=""/>
+            </a:pPr>
+            <a:endParaRPr b="0" lang="pt-BR" sz="2000" spc="-1" strike="noStrike">
+              <a:latin typeface="Arial"/>
+            </a:endParaRPr>
+          </a:p>
+          <a:p>
+            <a:pPr>
+              <a:lnSpc>
+                <a:spcPct val="100000"/>
+              </a:lnSpc>
+              <a:spcAft>
+                <a:spcPts val="1134"/>
+              </a:spcAft>
+              <a:buNone/>
+            </a:pPr>
+            <a:endParaRPr b="0" lang="pt-BR" sz="2000" spc="-1" strike="noStrike">
+              <a:latin typeface="Arial"/>
+            </a:endParaRPr>
+          </a:p>
+          <a:p>
+            <a:pPr>
+              <a:lnSpc>
+                <a:spcPct val="100000"/>
+              </a:lnSpc>
+              <a:spcAft>
+                <a:spcPts val="1134"/>
+              </a:spcAft>
+              <a:buNone/>
+            </a:pPr>
+            <a:endParaRPr b="0" lang="pt-BR" sz="1300" spc="-1" strike="noStrike">
               <a:latin typeface="Arial"/>
             </a:endParaRPr>
           </a:p>
